--- a/Project2.pptx
+++ b/Project2.pptx
@@ -2,15 +2,15 @@
 <file path=ppt/presentation.xml><?xml version="1.0" encoding="utf-8"?>
 <p:presentation xmlns:a="http://schemas.openxmlformats.org/drawingml/2006/main" xmlns:r="http://schemas.openxmlformats.org/officeDocument/2006/relationships" xmlns:p="http://schemas.openxmlformats.org/presentationml/2006/main" saveSubsetFonts="1">
   <p:sldMasterIdLst>
-    <p:sldMasterId id="2147483869" r:id="rId1"/>
+    <p:sldMasterId id="2147483904" r:id="rId1"/>
   </p:sldMasterIdLst>
   <p:sldIdLst>
     <p:sldId id="257" r:id="rId2"/>
-    <p:sldId id="256" r:id="rId3"/>
-    <p:sldId id="258" r:id="rId4"/>
-    <p:sldId id="259" r:id="rId5"/>
-    <p:sldId id="260" r:id="rId6"/>
-    <p:sldId id="261" r:id="rId7"/>
+    <p:sldId id="261" r:id="rId3"/>
+    <p:sldId id="256" r:id="rId4"/>
+    <p:sldId id="266" r:id="rId5"/>
+    <p:sldId id="259" r:id="rId6"/>
+    <p:sldId id="260" r:id="rId7"/>
     <p:sldId id="263" r:id="rId8"/>
     <p:sldId id="265" r:id="rId9"/>
   </p:sldIdLst>
@@ -117,16 +117,30 @@
         <p14:section name="Default Section" id="{DFE80406-EC5D-41F7-8DED-5E765173C5B9}">
           <p14:sldIdLst>
             <p14:sldId id="257"/>
+            <p14:sldId id="261"/>
             <p14:sldId id="256"/>
-            <p14:sldId id="258"/>
+            <p14:sldId id="266"/>
             <p14:sldId id="259"/>
             <p14:sldId id="260"/>
-            <p14:sldId id="261"/>
             <p14:sldId id="263"/>
             <p14:sldId id="265"/>
           </p14:sldIdLst>
         </p14:section>
       </p14:sectionLst>
+    </p:ext>
+    <p:ext uri="{EFAFB233-063F-42B5-8137-9DF3F51BA10A}">
+      <p15:sldGuideLst xmlns:p15="http://schemas.microsoft.com/office/powerpoint/2012/main">
+        <p15:guide id="1" orient="horz" pos="2160">
+          <p15:clr>
+            <a:srgbClr val="A4A3A4"/>
+          </p15:clr>
+        </p15:guide>
+        <p15:guide id="2" pos="3840">
+          <p15:clr>
+            <a:srgbClr val="A4A3A4"/>
+          </p15:clr>
+        </p15:guide>
+      </p15:sldGuideLst>
     </p:ext>
   </p:extLst>
 </p:presentation>
@@ -3121,753 +3135,6 @@
 </file>
 
 <file path=ppt/diagrams/colors5.xml><?xml version="1.0" encoding="utf-8"?>
-<dgm:colorsDef xmlns:dgm="http://schemas.openxmlformats.org/drawingml/2006/diagram" xmlns:a="http://schemas.openxmlformats.org/drawingml/2006/main" uniqueId="urn:microsoft.com/office/officeart/2005/8/colors/accent1_2">
-  <dgm:title val=""/>
-  <dgm:desc val=""/>
-  <dgm:catLst>
-    <dgm:cat type="accent1" pri="11200"/>
-  </dgm:catLst>
-  <dgm:styleLbl name="node0">
-    <dgm:fillClrLst meth="repeat">
-      <a:schemeClr val="accent1"/>
-    </dgm:fillClrLst>
-    <dgm:linClrLst meth="repeat">
-      <a:schemeClr val="lt1"/>
-    </dgm:linClrLst>
-    <dgm:effectClrLst/>
-    <dgm:txLinClrLst/>
-    <dgm:txFillClrLst/>
-    <dgm:txEffectClrLst/>
-  </dgm:styleLbl>
-  <dgm:styleLbl name="alignNode1">
-    <dgm:fillClrLst meth="repeat">
-      <a:schemeClr val="accent1"/>
-    </dgm:fillClrLst>
-    <dgm:linClrLst meth="repeat">
-      <a:schemeClr val="accent1"/>
-    </dgm:linClrLst>
-    <dgm:effectClrLst/>
-    <dgm:txLinClrLst/>
-    <dgm:txFillClrLst/>
-    <dgm:txEffectClrLst/>
-  </dgm:styleLbl>
-  <dgm:styleLbl name="node1">
-    <dgm:fillClrLst meth="repeat">
-      <a:schemeClr val="accent1"/>
-    </dgm:fillClrLst>
-    <dgm:linClrLst meth="repeat">
-      <a:schemeClr val="lt1"/>
-    </dgm:linClrLst>
-    <dgm:effectClrLst/>
-    <dgm:txLinClrLst/>
-    <dgm:txFillClrLst/>
-    <dgm:txEffectClrLst/>
-  </dgm:styleLbl>
-  <dgm:styleLbl name="lnNode1">
-    <dgm:fillClrLst meth="repeat">
-      <a:schemeClr val="accent1"/>
-    </dgm:fillClrLst>
-    <dgm:linClrLst meth="repeat">
-      <a:schemeClr val="lt1"/>
-    </dgm:linClrLst>
-    <dgm:effectClrLst/>
-    <dgm:txLinClrLst/>
-    <dgm:txFillClrLst/>
-    <dgm:txEffectClrLst/>
-  </dgm:styleLbl>
-  <dgm:styleLbl name="vennNode1">
-    <dgm:fillClrLst meth="repeat">
-      <a:schemeClr val="accent1">
-        <a:alpha val="50000"/>
-      </a:schemeClr>
-    </dgm:fillClrLst>
-    <dgm:linClrLst meth="repeat">
-      <a:schemeClr val="lt1"/>
-    </dgm:linClrLst>
-    <dgm:effectClrLst/>
-    <dgm:txLinClrLst/>
-    <dgm:txFillClrLst/>
-    <dgm:txEffectClrLst/>
-  </dgm:styleLbl>
-  <dgm:styleLbl name="node2">
-    <dgm:fillClrLst meth="repeat">
-      <a:schemeClr val="accent1"/>
-    </dgm:fillClrLst>
-    <dgm:linClrLst meth="repeat">
-      <a:schemeClr val="lt1"/>
-    </dgm:linClrLst>
-    <dgm:effectClrLst/>
-    <dgm:txLinClrLst/>
-    <dgm:txFillClrLst/>
-    <dgm:txEffectClrLst/>
-  </dgm:styleLbl>
-  <dgm:styleLbl name="node3">
-    <dgm:fillClrLst meth="repeat">
-      <a:schemeClr val="accent1"/>
-    </dgm:fillClrLst>
-    <dgm:linClrLst meth="repeat">
-      <a:schemeClr val="lt1"/>
-    </dgm:linClrLst>
-    <dgm:effectClrLst/>
-    <dgm:txLinClrLst/>
-    <dgm:txFillClrLst/>
-    <dgm:txEffectClrLst/>
-  </dgm:styleLbl>
-  <dgm:styleLbl name="node4">
-    <dgm:fillClrLst meth="repeat">
-      <a:schemeClr val="accent1"/>
-    </dgm:fillClrLst>
-    <dgm:linClrLst meth="repeat">
-      <a:schemeClr val="lt1"/>
-    </dgm:linClrLst>
-    <dgm:effectClrLst/>
-    <dgm:txLinClrLst/>
-    <dgm:txFillClrLst/>
-    <dgm:txEffectClrLst/>
-  </dgm:styleLbl>
-  <dgm:styleLbl name="fgImgPlace1">
-    <dgm:fillClrLst meth="repeat">
-      <a:schemeClr val="accent1">
-        <a:tint val="50000"/>
-      </a:schemeClr>
-    </dgm:fillClrLst>
-    <dgm:linClrLst meth="repeat">
-      <a:schemeClr val="lt1"/>
-    </dgm:linClrLst>
-    <dgm:effectClrLst/>
-    <dgm:txLinClrLst/>
-    <dgm:txFillClrLst meth="repeat">
-      <a:schemeClr val="lt1"/>
-    </dgm:txFillClrLst>
-    <dgm:txEffectClrLst/>
-  </dgm:styleLbl>
-  <dgm:styleLbl name="alignImgPlace1">
-    <dgm:fillClrLst meth="repeat">
-      <a:schemeClr val="accent1">
-        <a:tint val="50000"/>
-      </a:schemeClr>
-    </dgm:fillClrLst>
-    <dgm:linClrLst meth="repeat">
-      <a:schemeClr val="lt1"/>
-    </dgm:linClrLst>
-    <dgm:effectClrLst/>
-    <dgm:txLinClrLst/>
-    <dgm:txFillClrLst meth="repeat">
-      <a:schemeClr val="lt1"/>
-    </dgm:txFillClrLst>
-    <dgm:txEffectClrLst/>
-  </dgm:styleLbl>
-  <dgm:styleLbl name="bgImgPlace1">
-    <dgm:fillClrLst meth="repeat">
-      <a:schemeClr val="accent1">
-        <a:tint val="50000"/>
-      </a:schemeClr>
-    </dgm:fillClrLst>
-    <dgm:linClrLst meth="repeat">
-      <a:schemeClr val="lt1"/>
-    </dgm:linClrLst>
-    <dgm:effectClrLst/>
-    <dgm:txLinClrLst/>
-    <dgm:txFillClrLst meth="repeat">
-      <a:schemeClr val="lt1"/>
-    </dgm:txFillClrLst>
-    <dgm:txEffectClrLst/>
-  </dgm:styleLbl>
-  <dgm:styleLbl name="sibTrans2D1">
-    <dgm:fillClrLst meth="repeat">
-      <a:schemeClr val="accent1">
-        <a:tint val="60000"/>
-      </a:schemeClr>
-    </dgm:fillClrLst>
-    <dgm:linClrLst meth="repeat">
-      <a:schemeClr val="accent1">
-        <a:tint val="60000"/>
-      </a:schemeClr>
-    </dgm:linClrLst>
-    <dgm:effectClrLst/>
-    <dgm:txLinClrLst/>
-    <dgm:txFillClrLst/>
-    <dgm:txEffectClrLst/>
-  </dgm:styleLbl>
-  <dgm:styleLbl name="fgSibTrans2D1">
-    <dgm:fillClrLst meth="repeat">
-      <a:schemeClr val="accent1">
-        <a:tint val="60000"/>
-      </a:schemeClr>
-    </dgm:fillClrLst>
-    <dgm:linClrLst meth="repeat">
-      <a:schemeClr val="accent1">
-        <a:tint val="60000"/>
-      </a:schemeClr>
-    </dgm:linClrLst>
-    <dgm:effectClrLst/>
-    <dgm:txLinClrLst/>
-    <dgm:txFillClrLst/>
-    <dgm:txEffectClrLst/>
-  </dgm:styleLbl>
-  <dgm:styleLbl name="bgSibTrans2D1">
-    <dgm:fillClrLst meth="repeat">
-      <a:schemeClr val="accent1">
-        <a:tint val="60000"/>
-      </a:schemeClr>
-    </dgm:fillClrLst>
-    <dgm:linClrLst meth="repeat">
-      <a:schemeClr val="accent1">
-        <a:tint val="60000"/>
-      </a:schemeClr>
-    </dgm:linClrLst>
-    <dgm:effectClrLst/>
-    <dgm:txLinClrLst/>
-    <dgm:txFillClrLst/>
-    <dgm:txEffectClrLst/>
-  </dgm:styleLbl>
-  <dgm:styleLbl name="sibTrans1D1">
-    <dgm:fillClrLst meth="repeat">
-      <a:schemeClr val="accent1"/>
-    </dgm:fillClrLst>
-    <dgm:linClrLst meth="repeat">
-      <a:schemeClr val="accent1"/>
-    </dgm:linClrLst>
-    <dgm:effectClrLst/>
-    <dgm:txLinClrLst/>
-    <dgm:txFillClrLst meth="repeat">
-      <a:schemeClr val="tx1"/>
-    </dgm:txFillClrLst>
-    <dgm:txEffectClrLst/>
-  </dgm:styleLbl>
-  <dgm:styleLbl name="callout">
-    <dgm:fillClrLst meth="repeat">
-      <a:schemeClr val="accent1"/>
-    </dgm:fillClrLst>
-    <dgm:linClrLst meth="repeat">
-      <a:schemeClr val="accent1">
-        <a:tint val="50000"/>
-      </a:schemeClr>
-    </dgm:linClrLst>
-    <dgm:effectClrLst/>
-    <dgm:txLinClrLst/>
-    <dgm:txFillClrLst meth="repeat">
-      <a:schemeClr val="tx1"/>
-    </dgm:txFillClrLst>
-    <dgm:txEffectClrLst/>
-  </dgm:styleLbl>
-  <dgm:styleLbl name="asst0">
-    <dgm:fillClrLst meth="repeat">
-      <a:schemeClr val="accent1"/>
-    </dgm:fillClrLst>
-    <dgm:linClrLst meth="repeat">
-      <a:schemeClr val="lt1"/>
-    </dgm:linClrLst>
-    <dgm:effectClrLst/>
-    <dgm:txLinClrLst/>
-    <dgm:txFillClrLst/>
-    <dgm:txEffectClrLst/>
-  </dgm:styleLbl>
-  <dgm:styleLbl name="asst1">
-    <dgm:fillClrLst meth="repeat">
-      <a:schemeClr val="accent1"/>
-    </dgm:fillClrLst>
-    <dgm:linClrLst meth="repeat">
-      <a:schemeClr val="lt1"/>
-    </dgm:linClrLst>
-    <dgm:effectClrLst/>
-    <dgm:txLinClrLst/>
-    <dgm:txFillClrLst/>
-    <dgm:txEffectClrLst/>
-  </dgm:styleLbl>
-  <dgm:styleLbl name="asst2">
-    <dgm:fillClrLst meth="repeat">
-      <a:schemeClr val="accent1"/>
-    </dgm:fillClrLst>
-    <dgm:linClrLst meth="repeat">
-      <a:schemeClr val="lt1"/>
-    </dgm:linClrLst>
-    <dgm:effectClrLst/>
-    <dgm:txLinClrLst/>
-    <dgm:txFillClrLst/>
-    <dgm:txEffectClrLst/>
-  </dgm:styleLbl>
-  <dgm:styleLbl name="asst3">
-    <dgm:fillClrLst meth="repeat">
-      <a:schemeClr val="accent1"/>
-    </dgm:fillClrLst>
-    <dgm:linClrLst meth="repeat">
-      <a:schemeClr val="lt1"/>
-    </dgm:linClrLst>
-    <dgm:effectClrLst/>
-    <dgm:txLinClrLst/>
-    <dgm:txFillClrLst/>
-    <dgm:txEffectClrLst/>
-  </dgm:styleLbl>
-  <dgm:styleLbl name="asst4">
-    <dgm:fillClrLst meth="repeat">
-      <a:schemeClr val="accent1"/>
-    </dgm:fillClrLst>
-    <dgm:linClrLst meth="repeat">
-      <a:schemeClr val="lt1"/>
-    </dgm:linClrLst>
-    <dgm:effectClrLst/>
-    <dgm:txLinClrLst/>
-    <dgm:txFillClrLst/>
-    <dgm:txEffectClrLst/>
-  </dgm:styleLbl>
-  <dgm:styleLbl name="parChTrans2D1">
-    <dgm:fillClrLst meth="repeat">
-      <a:schemeClr val="accent1">
-        <a:tint val="60000"/>
-      </a:schemeClr>
-    </dgm:fillClrLst>
-    <dgm:linClrLst meth="repeat">
-      <a:schemeClr val="accent1">
-        <a:tint val="60000"/>
-      </a:schemeClr>
-    </dgm:linClrLst>
-    <dgm:effectClrLst/>
-    <dgm:txLinClrLst/>
-    <dgm:txFillClrLst meth="repeat">
-      <a:schemeClr val="lt1"/>
-    </dgm:txFillClrLst>
-    <dgm:txEffectClrLst/>
-  </dgm:styleLbl>
-  <dgm:styleLbl name="parChTrans2D2">
-    <dgm:fillClrLst meth="repeat">
-      <a:schemeClr val="accent1"/>
-    </dgm:fillClrLst>
-    <dgm:linClrLst meth="repeat">
-      <a:schemeClr val="accent1"/>
-    </dgm:linClrLst>
-    <dgm:effectClrLst/>
-    <dgm:txLinClrLst/>
-    <dgm:txFillClrLst meth="repeat">
-      <a:schemeClr val="lt1"/>
-    </dgm:txFillClrLst>
-    <dgm:txEffectClrLst/>
-  </dgm:styleLbl>
-  <dgm:styleLbl name="parChTrans2D3">
-    <dgm:fillClrLst meth="repeat">
-      <a:schemeClr val="accent1"/>
-    </dgm:fillClrLst>
-    <dgm:linClrLst meth="repeat">
-      <a:schemeClr val="accent1"/>
-    </dgm:linClrLst>
-    <dgm:effectClrLst/>
-    <dgm:txLinClrLst/>
-    <dgm:txFillClrLst meth="repeat">
-      <a:schemeClr val="lt1"/>
-    </dgm:txFillClrLst>
-    <dgm:txEffectClrLst/>
-  </dgm:styleLbl>
-  <dgm:styleLbl name="parChTrans2D4">
-    <dgm:fillClrLst meth="repeat">
-      <a:schemeClr val="accent1"/>
-    </dgm:fillClrLst>
-    <dgm:linClrLst meth="repeat">
-      <a:schemeClr val="accent1"/>
-    </dgm:linClrLst>
-    <dgm:effectClrLst/>
-    <dgm:txLinClrLst/>
-    <dgm:txFillClrLst meth="repeat">
-      <a:schemeClr val="lt1"/>
-    </dgm:txFillClrLst>
-    <dgm:txEffectClrLst/>
-  </dgm:styleLbl>
-  <dgm:styleLbl name="parChTrans1D1">
-    <dgm:fillClrLst meth="repeat">
-      <a:schemeClr val="accent1"/>
-    </dgm:fillClrLst>
-    <dgm:linClrLst meth="repeat">
-      <a:schemeClr val="accent1">
-        <a:shade val="60000"/>
-      </a:schemeClr>
-    </dgm:linClrLst>
-    <dgm:effectClrLst/>
-    <dgm:txLinClrLst/>
-    <dgm:txFillClrLst meth="repeat">
-      <a:schemeClr val="tx1"/>
-    </dgm:txFillClrLst>
-    <dgm:txEffectClrLst/>
-  </dgm:styleLbl>
-  <dgm:styleLbl name="parChTrans1D2">
-    <dgm:fillClrLst meth="repeat">
-      <a:schemeClr val="accent1"/>
-    </dgm:fillClrLst>
-    <dgm:linClrLst meth="repeat">
-      <a:schemeClr val="accent1">
-        <a:shade val="60000"/>
-      </a:schemeClr>
-    </dgm:linClrLst>
-    <dgm:effectClrLst/>
-    <dgm:txLinClrLst/>
-    <dgm:txFillClrLst meth="repeat">
-      <a:schemeClr val="tx1"/>
-    </dgm:txFillClrLst>
-    <dgm:txEffectClrLst/>
-  </dgm:styleLbl>
-  <dgm:styleLbl name="parChTrans1D3">
-    <dgm:fillClrLst meth="repeat">
-      <a:schemeClr val="accent1"/>
-    </dgm:fillClrLst>
-    <dgm:linClrLst meth="repeat">
-      <a:schemeClr val="accent1">
-        <a:shade val="80000"/>
-      </a:schemeClr>
-    </dgm:linClrLst>
-    <dgm:effectClrLst/>
-    <dgm:txLinClrLst/>
-    <dgm:txFillClrLst meth="repeat">
-      <a:schemeClr val="tx1"/>
-    </dgm:txFillClrLst>
-    <dgm:txEffectClrLst/>
-  </dgm:styleLbl>
-  <dgm:styleLbl name="parChTrans1D4">
-    <dgm:fillClrLst meth="repeat">
-      <a:schemeClr val="accent1"/>
-    </dgm:fillClrLst>
-    <dgm:linClrLst meth="repeat">
-      <a:schemeClr val="accent1">
-        <a:shade val="80000"/>
-      </a:schemeClr>
-    </dgm:linClrLst>
-    <dgm:effectClrLst/>
-    <dgm:txLinClrLst/>
-    <dgm:txFillClrLst meth="repeat">
-      <a:schemeClr val="tx1"/>
-    </dgm:txFillClrLst>
-    <dgm:txEffectClrLst/>
-  </dgm:styleLbl>
-  <dgm:styleLbl name="fgAcc1">
-    <dgm:fillClrLst meth="repeat">
-      <a:schemeClr val="lt1">
-        <a:alpha val="90000"/>
-      </a:schemeClr>
-    </dgm:fillClrLst>
-    <dgm:linClrLst meth="repeat">
-      <a:schemeClr val="accent1"/>
-    </dgm:linClrLst>
-    <dgm:effectClrLst/>
-    <dgm:txLinClrLst/>
-    <dgm:txFillClrLst meth="repeat">
-      <a:schemeClr val="dk1"/>
-    </dgm:txFillClrLst>
-    <dgm:txEffectClrLst/>
-  </dgm:styleLbl>
-  <dgm:styleLbl name="conFgAcc1">
-    <dgm:fillClrLst meth="repeat">
-      <a:schemeClr val="lt1">
-        <a:alpha val="90000"/>
-      </a:schemeClr>
-    </dgm:fillClrLst>
-    <dgm:linClrLst meth="repeat">
-      <a:schemeClr val="accent1"/>
-    </dgm:linClrLst>
-    <dgm:effectClrLst/>
-    <dgm:txLinClrLst/>
-    <dgm:txFillClrLst meth="repeat">
-      <a:schemeClr val="dk1"/>
-    </dgm:txFillClrLst>
-    <dgm:txEffectClrLst/>
-  </dgm:styleLbl>
-  <dgm:styleLbl name="alignAcc1">
-    <dgm:fillClrLst meth="repeat">
-      <a:schemeClr val="lt1">
-        <a:alpha val="90000"/>
-      </a:schemeClr>
-    </dgm:fillClrLst>
-    <dgm:linClrLst meth="repeat">
-      <a:schemeClr val="accent1"/>
-    </dgm:linClrLst>
-    <dgm:effectClrLst/>
-    <dgm:txLinClrLst/>
-    <dgm:txFillClrLst meth="repeat">
-      <a:schemeClr val="dk1"/>
-    </dgm:txFillClrLst>
-    <dgm:txEffectClrLst/>
-  </dgm:styleLbl>
-  <dgm:styleLbl name="trAlignAcc1">
-    <dgm:fillClrLst meth="repeat">
-      <a:schemeClr val="lt1">
-        <a:alpha val="40000"/>
-      </a:schemeClr>
-    </dgm:fillClrLst>
-    <dgm:linClrLst meth="repeat">
-      <a:schemeClr val="accent1"/>
-    </dgm:linClrLst>
-    <dgm:effectClrLst/>
-    <dgm:txLinClrLst/>
-    <dgm:txFillClrLst meth="repeat">
-      <a:schemeClr val="dk1"/>
-    </dgm:txFillClrLst>
-    <dgm:txEffectClrLst/>
-  </dgm:styleLbl>
-  <dgm:styleLbl name="bgAcc1">
-    <dgm:fillClrLst meth="repeat">
-      <a:schemeClr val="lt1">
-        <a:alpha val="90000"/>
-      </a:schemeClr>
-    </dgm:fillClrLst>
-    <dgm:linClrLst meth="repeat">
-      <a:schemeClr val="accent1"/>
-    </dgm:linClrLst>
-    <dgm:effectClrLst/>
-    <dgm:txLinClrLst/>
-    <dgm:txFillClrLst meth="repeat">
-      <a:schemeClr val="dk1"/>
-    </dgm:txFillClrLst>
-    <dgm:txEffectClrLst/>
-  </dgm:styleLbl>
-  <dgm:styleLbl name="solidFgAcc1">
-    <dgm:fillClrLst meth="repeat">
-      <a:schemeClr val="lt1"/>
-    </dgm:fillClrLst>
-    <dgm:linClrLst meth="repeat">
-      <a:schemeClr val="accent1"/>
-    </dgm:linClrLst>
-    <dgm:effectClrLst/>
-    <dgm:txLinClrLst/>
-    <dgm:txFillClrLst meth="repeat">
-      <a:schemeClr val="dk1"/>
-    </dgm:txFillClrLst>
-    <dgm:txEffectClrLst/>
-  </dgm:styleLbl>
-  <dgm:styleLbl name="solidAlignAcc1">
-    <dgm:fillClrLst meth="repeat">
-      <a:schemeClr val="lt1"/>
-    </dgm:fillClrLst>
-    <dgm:linClrLst meth="repeat">
-      <a:schemeClr val="accent1"/>
-    </dgm:linClrLst>
-    <dgm:effectClrLst/>
-    <dgm:txLinClrLst/>
-    <dgm:txFillClrLst meth="repeat">
-      <a:schemeClr val="dk1"/>
-    </dgm:txFillClrLst>
-    <dgm:txEffectClrLst/>
-  </dgm:styleLbl>
-  <dgm:styleLbl name="solidBgAcc1">
-    <dgm:fillClrLst meth="repeat">
-      <a:schemeClr val="lt1"/>
-    </dgm:fillClrLst>
-    <dgm:linClrLst meth="repeat">
-      <a:schemeClr val="accent1"/>
-    </dgm:linClrLst>
-    <dgm:effectClrLst/>
-    <dgm:txLinClrLst/>
-    <dgm:txFillClrLst meth="repeat">
-      <a:schemeClr val="dk1"/>
-    </dgm:txFillClrLst>
-    <dgm:txEffectClrLst/>
-  </dgm:styleLbl>
-  <dgm:styleLbl name="fgAccFollowNode1">
-    <dgm:fillClrLst meth="repeat">
-      <a:schemeClr val="accent1">
-        <a:alpha val="90000"/>
-        <a:tint val="40000"/>
-      </a:schemeClr>
-    </dgm:fillClrLst>
-    <dgm:linClrLst meth="repeat">
-      <a:schemeClr val="accent1">
-        <a:alpha val="90000"/>
-        <a:tint val="40000"/>
-      </a:schemeClr>
-    </dgm:linClrLst>
-    <dgm:effectClrLst/>
-    <dgm:txLinClrLst/>
-    <dgm:txFillClrLst meth="repeat">
-      <a:schemeClr val="dk1"/>
-    </dgm:txFillClrLst>
-    <dgm:txEffectClrLst/>
-  </dgm:styleLbl>
-  <dgm:styleLbl name="alignAccFollowNode1">
-    <dgm:fillClrLst meth="repeat">
-      <a:schemeClr val="accent1">
-        <a:alpha val="90000"/>
-        <a:tint val="40000"/>
-      </a:schemeClr>
-    </dgm:fillClrLst>
-    <dgm:linClrLst meth="repeat">
-      <a:schemeClr val="accent1">
-        <a:alpha val="90000"/>
-        <a:tint val="40000"/>
-      </a:schemeClr>
-    </dgm:linClrLst>
-    <dgm:effectClrLst/>
-    <dgm:txLinClrLst/>
-    <dgm:txFillClrLst meth="repeat">
-      <a:schemeClr val="dk1"/>
-    </dgm:txFillClrLst>
-    <dgm:txEffectClrLst/>
-  </dgm:styleLbl>
-  <dgm:styleLbl name="bgAccFollowNode1">
-    <dgm:fillClrLst meth="repeat">
-      <a:schemeClr val="accent1">
-        <a:alpha val="90000"/>
-        <a:tint val="40000"/>
-      </a:schemeClr>
-    </dgm:fillClrLst>
-    <dgm:linClrLst meth="repeat">
-      <a:schemeClr val="accent1">
-        <a:alpha val="90000"/>
-        <a:tint val="40000"/>
-      </a:schemeClr>
-    </dgm:linClrLst>
-    <dgm:effectClrLst/>
-    <dgm:txLinClrLst/>
-    <dgm:txFillClrLst meth="repeat">
-      <a:schemeClr val="dk1"/>
-    </dgm:txFillClrLst>
-    <dgm:txEffectClrLst/>
-  </dgm:styleLbl>
-  <dgm:styleLbl name="fgAcc0">
-    <dgm:fillClrLst meth="repeat">
-      <a:schemeClr val="lt1">
-        <a:alpha val="90000"/>
-      </a:schemeClr>
-    </dgm:fillClrLst>
-    <dgm:linClrLst meth="repeat">
-      <a:schemeClr val="accent1"/>
-    </dgm:linClrLst>
-    <dgm:effectClrLst/>
-    <dgm:txLinClrLst/>
-    <dgm:txFillClrLst meth="repeat">
-      <a:schemeClr val="dk1"/>
-    </dgm:txFillClrLst>
-    <dgm:txEffectClrLst/>
-  </dgm:styleLbl>
-  <dgm:styleLbl name="fgAcc2">
-    <dgm:fillClrLst meth="repeat">
-      <a:schemeClr val="lt1">
-        <a:alpha val="90000"/>
-      </a:schemeClr>
-    </dgm:fillClrLst>
-    <dgm:linClrLst meth="repeat">
-      <a:schemeClr val="accent1"/>
-    </dgm:linClrLst>
-    <dgm:effectClrLst/>
-    <dgm:txLinClrLst/>
-    <dgm:txFillClrLst meth="repeat">
-      <a:schemeClr val="dk1"/>
-    </dgm:txFillClrLst>
-    <dgm:txEffectClrLst/>
-  </dgm:styleLbl>
-  <dgm:styleLbl name="fgAcc3">
-    <dgm:fillClrLst meth="repeat">
-      <a:schemeClr val="lt1">
-        <a:alpha val="90000"/>
-      </a:schemeClr>
-    </dgm:fillClrLst>
-    <dgm:linClrLst meth="repeat">
-      <a:schemeClr val="accent1"/>
-    </dgm:linClrLst>
-    <dgm:effectClrLst/>
-    <dgm:txLinClrLst/>
-    <dgm:txFillClrLst meth="repeat">
-      <a:schemeClr val="dk1"/>
-    </dgm:txFillClrLst>
-    <dgm:txEffectClrLst/>
-  </dgm:styleLbl>
-  <dgm:styleLbl name="fgAcc4">
-    <dgm:fillClrLst meth="repeat">
-      <a:schemeClr val="lt1">
-        <a:alpha val="90000"/>
-      </a:schemeClr>
-    </dgm:fillClrLst>
-    <dgm:linClrLst meth="repeat">
-      <a:schemeClr val="accent1"/>
-    </dgm:linClrLst>
-    <dgm:effectClrLst/>
-    <dgm:txLinClrLst/>
-    <dgm:txFillClrLst meth="repeat">
-      <a:schemeClr val="dk1"/>
-    </dgm:txFillClrLst>
-    <dgm:txEffectClrLst/>
-  </dgm:styleLbl>
-  <dgm:styleLbl name="bgShp">
-    <dgm:fillClrLst meth="repeat">
-      <a:schemeClr val="accent1">
-        <a:tint val="40000"/>
-      </a:schemeClr>
-    </dgm:fillClrLst>
-    <dgm:linClrLst meth="repeat">
-      <a:schemeClr val="accent1"/>
-    </dgm:linClrLst>
-    <dgm:effectClrLst/>
-    <dgm:txLinClrLst/>
-    <dgm:txFillClrLst meth="repeat">
-      <a:schemeClr val="dk1"/>
-    </dgm:txFillClrLst>
-    <dgm:txEffectClrLst/>
-  </dgm:styleLbl>
-  <dgm:styleLbl name="dkBgShp">
-    <dgm:fillClrLst meth="repeat">
-      <a:schemeClr val="accent1">
-        <a:shade val="80000"/>
-      </a:schemeClr>
-    </dgm:fillClrLst>
-    <dgm:linClrLst meth="repeat">
-      <a:schemeClr val="accent1"/>
-    </dgm:linClrLst>
-    <dgm:effectClrLst/>
-    <dgm:txLinClrLst/>
-    <dgm:txFillClrLst meth="repeat">
-      <a:schemeClr val="lt1"/>
-    </dgm:txFillClrLst>
-    <dgm:txEffectClrLst/>
-  </dgm:styleLbl>
-  <dgm:styleLbl name="trBgShp">
-    <dgm:fillClrLst meth="repeat">
-      <a:schemeClr val="accent1">
-        <a:tint val="50000"/>
-        <a:alpha val="40000"/>
-      </a:schemeClr>
-    </dgm:fillClrLst>
-    <dgm:linClrLst meth="repeat">
-      <a:schemeClr val="accent1"/>
-    </dgm:linClrLst>
-    <dgm:effectClrLst/>
-    <dgm:txLinClrLst/>
-    <dgm:txFillClrLst meth="repeat">
-      <a:schemeClr val="lt1"/>
-    </dgm:txFillClrLst>
-    <dgm:txEffectClrLst/>
-  </dgm:styleLbl>
-  <dgm:styleLbl name="fgShp">
-    <dgm:fillClrLst meth="repeat">
-      <a:schemeClr val="accent1">
-        <a:tint val="60000"/>
-      </a:schemeClr>
-    </dgm:fillClrLst>
-    <dgm:linClrLst meth="repeat">
-      <a:schemeClr val="lt1"/>
-    </dgm:linClrLst>
-    <dgm:effectClrLst/>
-    <dgm:txLinClrLst/>
-    <dgm:txFillClrLst meth="repeat">
-      <a:schemeClr val="dk1"/>
-    </dgm:txFillClrLst>
-    <dgm:txEffectClrLst/>
-  </dgm:styleLbl>
-  <dgm:styleLbl name="revTx">
-    <dgm:fillClrLst meth="repeat">
-      <a:schemeClr val="lt1">
-        <a:alpha val="0"/>
-      </a:schemeClr>
-    </dgm:fillClrLst>
-    <dgm:linClrLst meth="repeat">
-      <a:schemeClr val="dk1">
-        <a:alpha val="0"/>
-      </a:schemeClr>
-    </dgm:linClrLst>
-    <dgm:effectClrLst/>
-    <dgm:txLinClrLst/>
-    <dgm:txFillClrLst meth="repeat">
-      <a:schemeClr val="tx1"/>
-    </dgm:txFillClrLst>
-    <dgm:txEffectClrLst/>
-  </dgm:styleLbl>
-</dgm:colorsDef>
-</file>
-
-<file path=ppt/diagrams/colors6.xml><?xml version="1.0" encoding="utf-8"?>
 <dgm:colorsDef xmlns:dgm="http://schemas.openxmlformats.org/drawingml/2006/diagram" xmlns:a="http://schemas.openxmlformats.org/drawingml/2006/main" uniqueId="urn:microsoft.com/office/officeart/2005/8/colors/accent1_2">
   <dgm:title val=""/>
   <dgm:desc val=""/>
@@ -4793,94 +4060,6 @@
 <file path=ppt/diagrams/data3.xml><?xml version="1.0" encoding="utf-8"?>
 <dgm:dataModel xmlns:dgm="http://schemas.openxmlformats.org/drawingml/2006/diagram" xmlns:a="http://schemas.openxmlformats.org/drawingml/2006/main">
   <dgm:ptLst>
-    <dgm:pt modelId="{E6217F08-B168-4BAE-AE8E-A0C4DF0FD8C3}" type="doc">
-      <dgm:prSet loTypeId="urn:microsoft.com/office/officeart/2005/8/layout/lProcess3" loCatId="process" qsTypeId="urn:microsoft.com/office/officeart/2005/8/quickstyle/simple1" qsCatId="simple" csTypeId="urn:microsoft.com/office/officeart/2005/8/colors/accent1_2" csCatId="accent1"/>
-      <dgm:spPr/>
-      <dgm:t>
-        <a:bodyPr/>
-        <a:lstStyle/>
-        <a:p>
-          <a:endParaRPr lang="en-US"/>
-        </a:p>
-      </dgm:t>
-    </dgm:pt>
-    <dgm:pt modelId="{7E2E34F8-C185-4C0D-8DCA-AAE122CEE382}">
-      <dgm:prSet/>
-      <dgm:spPr/>
-      <dgm:t>
-        <a:bodyPr/>
-        <a:lstStyle/>
-        <a:p>
-          <a:r>
-            <a:rPr lang="en-US" b="0" i="0"/>
-            <a:t>VISION</a:t>
-          </a:r>
-          <a:endParaRPr lang="en-US"/>
-        </a:p>
-      </dgm:t>
-    </dgm:pt>
-    <dgm:pt modelId="{4F097862-85FC-476F-87FC-2DFBF265344B}" type="parTrans" cxnId="{269CDEB9-472D-4F0C-B0AF-22C91EF5ADD9}">
-      <dgm:prSet/>
-      <dgm:spPr/>
-      <dgm:t>
-        <a:bodyPr/>
-        <a:lstStyle/>
-        <a:p>
-          <a:endParaRPr lang="en-US"/>
-        </a:p>
-      </dgm:t>
-    </dgm:pt>
-    <dgm:pt modelId="{C61DC527-16A0-4FCE-B6BF-93C6BDF40499}" type="sibTrans" cxnId="{269CDEB9-472D-4F0C-B0AF-22C91EF5ADD9}">
-      <dgm:prSet/>
-      <dgm:spPr/>
-      <dgm:t>
-        <a:bodyPr/>
-        <a:lstStyle/>
-        <a:p>
-          <a:endParaRPr lang="en-US"/>
-        </a:p>
-      </dgm:t>
-    </dgm:pt>
-    <dgm:pt modelId="{BBAA96F9-32AF-474E-B642-988118C20BFF}" type="pres">
-      <dgm:prSet presAssocID="{E6217F08-B168-4BAE-AE8E-A0C4DF0FD8C3}" presName="Name0" presStyleCnt="0">
-        <dgm:presLayoutVars>
-          <dgm:chPref val="3"/>
-          <dgm:dir/>
-          <dgm:animLvl val="lvl"/>
-          <dgm:resizeHandles/>
-        </dgm:presLayoutVars>
-      </dgm:prSet>
-      <dgm:spPr/>
-    </dgm:pt>
-    <dgm:pt modelId="{27946422-42C1-4208-964C-5A46FC4B68FC}" type="pres">
-      <dgm:prSet presAssocID="{7E2E34F8-C185-4C0D-8DCA-AAE122CEE382}" presName="horFlow" presStyleCnt="0"/>
-      <dgm:spPr/>
-    </dgm:pt>
-    <dgm:pt modelId="{9691E29A-213F-4D8A-877E-377FDF5DB522}" type="pres">
-      <dgm:prSet presAssocID="{7E2E34F8-C185-4C0D-8DCA-AAE122CEE382}" presName="bigChev" presStyleLbl="node1" presStyleIdx="0" presStyleCnt="1"/>
-      <dgm:spPr/>
-    </dgm:pt>
-  </dgm:ptLst>
-  <dgm:cxnLst>
-    <dgm:cxn modelId="{27A86EA3-3FA5-4254-BB63-326786026A2A}" type="presOf" srcId="{7E2E34F8-C185-4C0D-8DCA-AAE122CEE382}" destId="{9691E29A-213F-4D8A-877E-377FDF5DB522}" srcOrd="0" destOrd="0" presId="urn:microsoft.com/office/officeart/2005/8/layout/lProcess3"/>
-    <dgm:cxn modelId="{269CDEB9-472D-4F0C-B0AF-22C91EF5ADD9}" srcId="{E6217F08-B168-4BAE-AE8E-A0C4DF0FD8C3}" destId="{7E2E34F8-C185-4C0D-8DCA-AAE122CEE382}" srcOrd="0" destOrd="0" parTransId="{4F097862-85FC-476F-87FC-2DFBF265344B}" sibTransId="{C61DC527-16A0-4FCE-B6BF-93C6BDF40499}"/>
-    <dgm:cxn modelId="{70620CF9-0902-4682-97FD-B6BD83142F96}" type="presOf" srcId="{E6217F08-B168-4BAE-AE8E-A0C4DF0FD8C3}" destId="{BBAA96F9-32AF-474E-B642-988118C20BFF}" srcOrd="0" destOrd="0" presId="urn:microsoft.com/office/officeart/2005/8/layout/lProcess3"/>
-    <dgm:cxn modelId="{6C5930F5-7DE3-47BF-8246-83E1751D56AE}" type="presParOf" srcId="{BBAA96F9-32AF-474E-B642-988118C20BFF}" destId="{27946422-42C1-4208-964C-5A46FC4B68FC}" srcOrd="0" destOrd="0" presId="urn:microsoft.com/office/officeart/2005/8/layout/lProcess3"/>
-    <dgm:cxn modelId="{A8AB3E19-74FF-48E1-B0E0-0A43EF9A0CE5}" type="presParOf" srcId="{27946422-42C1-4208-964C-5A46FC4B68FC}" destId="{9691E29A-213F-4D8A-877E-377FDF5DB522}" srcOrd="0" destOrd="0" presId="urn:microsoft.com/office/officeart/2005/8/layout/lProcess3"/>
-  </dgm:cxnLst>
-  <dgm:bg/>
-  <dgm:whole/>
-  <dgm:extLst>
-    <a:ext uri="http://schemas.microsoft.com/office/drawing/2008/diagram">
-      <dsp:dataModelExt xmlns:dsp="http://schemas.microsoft.com/office/drawing/2008/diagram" relId="rId6" minVer="http://schemas.openxmlformats.org/drawingml/2006/diagram"/>
-    </a:ext>
-  </dgm:extLst>
-</dgm:dataModel>
-</file>
-
-<file path=ppt/diagrams/data4.xml><?xml version="1.0" encoding="utf-8"?>
-<dgm:dataModel xmlns:dgm="http://schemas.openxmlformats.org/drawingml/2006/diagram" xmlns:a="http://schemas.openxmlformats.org/drawingml/2006/main">
-  <dgm:ptLst>
     <dgm:pt modelId="{C7DB239A-D712-41C3-A5CF-6D80233AD59E}" type="doc">
       <dgm:prSet loTypeId="urn:microsoft.com/office/officeart/2005/8/layout/lProcess3" loCatId="process" qsTypeId="urn:microsoft.com/office/officeart/2005/8/quickstyle/simple1" qsCatId="simple" csTypeId="urn:microsoft.com/office/officeart/2005/8/colors/accent1_2" csCatId="accent1"/>
       <dgm:spPr/>
@@ -4900,10 +4079,10 @@
         <a:lstStyle/>
         <a:p>
           <a:r>
-            <a:rPr lang="en-US" b="0" i="0"/>
+            <a:rPr lang="en-US" b="0" i="0" dirty="0"/>
             <a:t>TEAM EFFORTS</a:t>
           </a:r>
-          <a:endParaRPr lang="en-US"/>
+          <a:endParaRPr lang="en-US" dirty="0"/>
         </a:p>
       </dgm:t>
     </dgm:pt>
@@ -4966,7 +4145,7 @@
 </dgm:dataModel>
 </file>
 
-<file path=ppt/diagrams/data5.xml><?xml version="1.0" encoding="utf-8"?>
+<file path=ppt/diagrams/data4.xml><?xml version="1.0" encoding="utf-8"?>
 <dgm:dataModel xmlns:dgm="http://schemas.openxmlformats.org/drawingml/2006/diagram" xmlns:a="http://schemas.openxmlformats.org/drawingml/2006/main">
   <dgm:ptLst>
     <dgm:pt modelId="{769977F1-D10F-472F-BAF8-7ED96114AFEB}" type="doc">
@@ -5057,7 +4236,7 @@
 </dgm:dataModel>
 </file>
 
-<file path=ppt/diagrams/data6.xml><?xml version="1.0" encoding="utf-8"?>
+<file path=ppt/diagrams/data5.xml><?xml version="1.0" encoding="utf-8"?>
 <dgm:dataModel xmlns:dgm="http://schemas.openxmlformats.org/drawingml/2006/diagram" xmlns:a="http://schemas.openxmlformats.org/drawingml/2006/main">
   <dgm:ptLst>
     <dgm:pt modelId="{D89A2242-C2DC-4B17-A4F0-7E4F939AFE0C}" type="doc">
@@ -5333,96 +4512,6 @@
       <dsp:cNvGrpSpPr/>
     </dsp:nvGrpSpPr>
     <dsp:grpSpPr/>
-    <dsp:sp modelId="{9691E29A-213F-4D8A-877E-377FDF5DB522}">
-      <dsp:nvSpPr>
-        <dsp:cNvPr id="0" name=""/>
-        <dsp:cNvSpPr/>
-      </dsp:nvSpPr>
-      <dsp:spPr>
-        <a:xfrm>
-          <a:off x="2952752" y="421"/>
-          <a:ext cx="3499218" cy="1399687"/>
-        </a:xfrm>
-        <a:prstGeom prst="chevron">
-          <a:avLst/>
-        </a:prstGeom>
-        <a:solidFill>
-          <a:schemeClr val="accent1">
-            <a:hueOff val="0"/>
-            <a:satOff val="0"/>
-            <a:lumOff val="0"/>
-            <a:alphaOff val="0"/>
-          </a:schemeClr>
-        </a:solidFill>
-        <a:ln w="19050" cap="rnd" cmpd="sng" algn="ctr">
-          <a:solidFill>
-            <a:schemeClr val="lt1">
-              <a:hueOff val="0"/>
-              <a:satOff val="0"/>
-              <a:lumOff val="0"/>
-              <a:alphaOff val="0"/>
-            </a:schemeClr>
-          </a:solidFill>
-          <a:prstDash val="solid"/>
-        </a:ln>
-        <a:effectLst/>
-      </dsp:spPr>
-      <dsp:style>
-        <a:lnRef idx="2">
-          <a:scrgbClr r="0" g="0" b="0"/>
-        </a:lnRef>
-        <a:fillRef idx="1">
-          <a:scrgbClr r="0" g="0" b="0"/>
-        </a:fillRef>
-        <a:effectRef idx="0">
-          <a:scrgbClr r="0" g="0" b="0"/>
-        </a:effectRef>
-        <a:fontRef idx="minor">
-          <a:schemeClr val="lt1"/>
-        </a:fontRef>
-      </dsp:style>
-      <dsp:txBody>
-        <a:bodyPr spcFirstLastPara="0" vert="horz" wrap="square" lIns="62230" tIns="31115" rIns="0" bIns="31115" numCol="1" spcCol="1270" anchor="ctr" anchorCtr="0">
-          <a:noAutofit/>
-        </a:bodyPr>
-        <a:lstStyle/>
-        <a:p>
-          <a:pPr marL="0" lvl="0" indent="0" algn="ctr" defTabSz="2178050">
-            <a:lnSpc>
-              <a:spcPct val="90000"/>
-            </a:lnSpc>
-            <a:spcBef>
-              <a:spcPct val="0"/>
-            </a:spcBef>
-            <a:spcAft>
-              <a:spcPct val="35000"/>
-            </a:spcAft>
-            <a:buNone/>
-          </a:pPr>
-          <a:r>
-            <a:rPr lang="en-US" sz="4900" b="0" i="0" kern="1200"/>
-            <a:t>VISION</a:t>
-          </a:r>
-          <a:endParaRPr lang="en-US" sz="4900" kern="1200"/>
-        </a:p>
-      </dsp:txBody>
-      <dsp:txXfrm>
-        <a:off x="3652596" y="421"/>
-        <a:ext cx="2099531" cy="1399687"/>
-      </dsp:txXfrm>
-    </dsp:sp>
-  </dsp:spTree>
-</dsp:drawing>
-</file>
-
-<file path=ppt/diagrams/drawing4.xml><?xml version="1.0" encoding="utf-8"?>
-<dsp:drawing xmlns:dgm="http://schemas.openxmlformats.org/drawingml/2006/diagram" xmlns:dsp="http://schemas.microsoft.com/office/drawing/2008/diagram" xmlns:a="http://schemas.openxmlformats.org/drawingml/2006/main">
-  <dsp:spTree>
-    <dsp:nvGrpSpPr>
-      <dsp:cNvPr id="0" name=""/>
-      <dsp:cNvGrpSpPr/>
-    </dsp:nvGrpSpPr>
-    <dsp:grpSpPr/>
     <dsp:sp modelId="{1459E675-4EA8-45B1-87C7-04A1BD138B20}">
       <dsp:nvSpPr>
         <dsp:cNvPr id="0" name=""/>
@@ -5490,10 +4579,10 @@
             <a:buNone/>
           </a:pPr>
           <a:r>
-            <a:rPr lang="en-US" sz="4100" b="0" i="0" kern="1200"/>
+            <a:rPr lang="en-US" sz="4100" b="0" i="0" kern="1200" dirty="0"/>
             <a:t>TEAM EFFORTS</a:t>
           </a:r>
-          <a:endParaRPr lang="en-US" sz="4100" kern="1200"/>
+          <a:endParaRPr lang="en-US" sz="4100" kern="1200" dirty="0"/>
         </a:p>
       </dsp:txBody>
       <dsp:txXfrm>
@@ -5505,7 +4594,7 @@
 </dsp:drawing>
 </file>
 
-<file path=ppt/diagrams/drawing5.xml><?xml version="1.0" encoding="utf-8"?>
+<file path=ppt/diagrams/drawing4.xml><?xml version="1.0" encoding="utf-8"?>
 <dsp:drawing xmlns:dgm="http://schemas.openxmlformats.org/drawingml/2006/diagram" xmlns:dsp="http://schemas.microsoft.com/office/drawing/2008/diagram" xmlns:a="http://schemas.openxmlformats.org/drawingml/2006/main">
   <dsp:spTree>
     <dsp:nvGrpSpPr>
@@ -5598,7 +4687,7 @@
 </dsp:drawing>
 </file>
 
-<file path=ppt/diagrams/drawing6.xml><?xml version="1.0" encoding="utf-8"?>
+<file path=ppt/diagrams/drawing5.xml><?xml version="1.0" encoding="utf-8"?>
 <dsp:drawing xmlns:dgm="http://schemas.openxmlformats.org/drawingml/2006/diagram" xmlns:dsp="http://schemas.microsoft.com/office/drawing/2008/diagram" xmlns:a="http://schemas.openxmlformats.org/drawingml/2006/main">
   <dsp:spTree>
     <dsp:nvGrpSpPr>
@@ -7093,287 +6182,6 @@
 </dgm:layoutDef>
 </file>
 
-<file path=ppt/diagrams/layout6.xml><?xml version="1.0" encoding="utf-8"?>
-<dgm:layoutDef xmlns:dgm="http://schemas.openxmlformats.org/drawingml/2006/diagram" xmlns:a="http://schemas.openxmlformats.org/drawingml/2006/main" uniqueId="urn:microsoft.com/office/officeart/2005/8/layout/lProcess3">
-  <dgm:title val=""/>
-  <dgm:desc val=""/>
-  <dgm:catLst>
-    <dgm:cat type="process" pri="11000"/>
-    <dgm:cat type="convert" pri="12000"/>
-  </dgm:catLst>
-  <dgm:sampData>
-    <dgm:dataModel>
-      <dgm:ptLst>
-        <dgm:pt modelId="0" type="doc"/>
-        <dgm:pt modelId="1">
-          <dgm:prSet phldr="1"/>
-        </dgm:pt>
-        <dgm:pt modelId="11">
-          <dgm:prSet phldr="1"/>
-        </dgm:pt>
-        <dgm:pt modelId="12">
-          <dgm:prSet phldr="1"/>
-        </dgm:pt>
-        <dgm:pt modelId="2">
-          <dgm:prSet phldr="1"/>
-        </dgm:pt>
-        <dgm:pt modelId="21">
-          <dgm:prSet phldr="1"/>
-        </dgm:pt>
-        <dgm:pt modelId="22">
-          <dgm:prSet phldr="1"/>
-        </dgm:pt>
-        <dgm:pt modelId="3">
-          <dgm:prSet phldr="1"/>
-        </dgm:pt>
-        <dgm:pt modelId="31">
-          <dgm:prSet phldr="1"/>
-        </dgm:pt>
-        <dgm:pt modelId="32">
-          <dgm:prSet phldr="1"/>
-        </dgm:pt>
-      </dgm:ptLst>
-      <dgm:cxnLst>
-        <dgm:cxn modelId="4" srcId="0" destId="1" srcOrd="0" destOrd="0"/>
-        <dgm:cxn modelId="5" srcId="0" destId="2" srcOrd="1" destOrd="0"/>
-        <dgm:cxn modelId="6" srcId="0" destId="3" srcOrd="2" destOrd="0"/>
-        <dgm:cxn modelId="41" srcId="1" destId="11" srcOrd="0" destOrd="0"/>
-        <dgm:cxn modelId="42" srcId="1" destId="12" srcOrd="1" destOrd="0"/>
-        <dgm:cxn modelId="51" srcId="2" destId="21" srcOrd="0" destOrd="0"/>
-        <dgm:cxn modelId="52" srcId="2" destId="22" srcOrd="1" destOrd="0"/>
-        <dgm:cxn modelId="61" srcId="3" destId="31" srcOrd="0" destOrd="0"/>
-        <dgm:cxn modelId="62" srcId="3" destId="32" srcOrd="1" destOrd="0"/>
-      </dgm:cxnLst>
-      <dgm:bg/>
-      <dgm:whole/>
-    </dgm:dataModel>
-  </dgm:sampData>
-  <dgm:styleData>
-    <dgm:dataModel>
-      <dgm:ptLst>
-        <dgm:pt modelId="0" type="doc"/>
-        <dgm:pt modelId="1"/>
-        <dgm:pt modelId="2"/>
-      </dgm:ptLst>
-      <dgm:cxnLst>
-        <dgm:cxn modelId="4" srcId="0" destId="1" srcOrd="0" destOrd="0"/>
-        <dgm:cxn modelId="5" srcId="1" destId="2" srcOrd="0" destOrd="0"/>
-      </dgm:cxnLst>
-      <dgm:bg/>
-      <dgm:whole/>
-    </dgm:dataModel>
-  </dgm:styleData>
-  <dgm:clrData>
-    <dgm:dataModel>
-      <dgm:ptLst>
-        <dgm:pt modelId="0" type="doc"/>
-        <dgm:pt modelId="1"/>
-        <dgm:pt modelId="11"/>
-        <dgm:pt modelId="2"/>
-        <dgm:pt modelId="21"/>
-        <dgm:pt modelId="3"/>
-        <dgm:pt modelId="31"/>
-        <dgm:pt modelId="4"/>
-        <dgm:pt modelId="41"/>
-      </dgm:ptLst>
-      <dgm:cxnLst>
-        <dgm:cxn modelId="5" srcId="0" destId="1" srcOrd="0" destOrd="0"/>
-        <dgm:cxn modelId="6" srcId="0" destId="2" srcOrd="1" destOrd="0"/>
-        <dgm:cxn modelId="7" srcId="0" destId="3" srcOrd="2" destOrd="0"/>
-        <dgm:cxn modelId="8" srcId="0" destId="4" srcOrd="3" destOrd="0"/>
-        <dgm:cxn modelId="51" srcId="1" destId="11" srcOrd="0" destOrd="0"/>
-        <dgm:cxn modelId="61" srcId="2" destId="21" srcOrd="0" destOrd="0"/>
-        <dgm:cxn modelId="71" srcId="3" destId="31" srcOrd="0" destOrd="0"/>
-        <dgm:cxn modelId="81" srcId="4" destId="41" srcOrd="0" destOrd="0"/>
-      </dgm:cxnLst>
-      <dgm:bg/>
-      <dgm:whole/>
-    </dgm:dataModel>
-  </dgm:clrData>
-  <dgm:layoutNode name="Name0">
-    <dgm:varLst>
-      <dgm:chPref val="3"/>
-      <dgm:dir/>
-      <dgm:animLvl val="lvl"/>
-      <dgm:resizeHandles/>
-    </dgm:varLst>
-    <dgm:choose name="Name1">
-      <dgm:if name="Name2" func="var" arg="dir" op="equ" val="norm">
-        <dgm:alg type="lin">
-          <dgm:param type="linDir" val="fromT"/>
-          <dgm:param type="vertAlign" val="mid"/>
-          <dgm:param type="nodeHorzAlign" val="l"/>
-          <dgm:param type="nodeVertAlign" val="t"/>
-          <dgm:param type="fallback" val="2D"/>
-        </dgm:alg>
-      </dgm:if>
-      <dgm:else name="Name3">
-        <dgm:alg type="lin">
-          <dgm:param type="linDir" val="fromT"/>
-          <dgm:param type="vertAlign" val="mid"/>
-          <dgm:param type="nodeHorzAlign" val="r"/>
-          <dgm:param type="nodeVertAlign" val="t"/>
-          <dgm:param type="fallback" val="2D"/>
-        </dgm:alg>
-      </dgm:else>
-    </dgm:choose>
-    <dgm:shape xmlns:r="http://schemas.openxmlformats.org/officeDocument/2006/relationships" r:blip="">
-      <dgm:adjLst/>
-    </dgm:shape>
-    <dgm:presOf/>
-    <dgm:constrLst>
-      <dgm:constr type="w" for="des" forName="bigChev" refType="w"/>
-      <dgm:constr type="h" for="des" forName="bigChev" refType="w" refFor="des" refForName="bigChev" op="equ" fact="0.4"/>
-      <dgm:constr type="w" for="des" forName="node" refType="w" refFor="des" refForName="bigChev" fact="0.83"/>
-      <dgm:constr type="h" for="des" forName="node" refType="w" refFor="des" refForName="node" op="equ" fact="0.4"/>
-      <dgm:constr type="w" for="des" forName="parTrans" refType="w" refFor="des" refForName="bigChev" op="equ" fact="-0.13"/>
-      <dgm:constr type="w" for="des" forName="sibTrans" refType="w" refFor="des" refForName="node" op="equ" fact="-0.14"/>
-      <dgm:constr type="h" for="ch" forName="vSp" refType="h" refFor="des" refForName="bigChev" op="equ" fact="0.14"/>
-      <dgm:constr type="primFontSz" for="des" forName="node" op="equ"/>
-      <dgm:constr type="primFontSz" for="des" forName="bigChev" op="equ"/>
-    </dgm:constrLst>
-    <dgm:ruleLst/>
-    <dgm:forEach name="Name4" axis="ch" ptType="node">
-      <dgm:layoutNode name="horFlow">
-        <dgm:choose name="Name5">
-          <dgm:if name="Name6" func="var" arg="dir" op="equ" val="norm">
-            <dgm:alg type="lin">
-              <dgm:param type="linDir" val="fromL"/>
-              <dgm:param type="nodeHorzAlign" val="l"/>
-              <dgm:param type="nodeVertAlign" val="mid"/>
-              <dgm:param type="fallback" val="2D"/>
-            </dgm:alg>
-          </dgm:if>
-          <dgm:else name="Name7">
-            <dgm:alg type="lin">
-              <dgm:param type="linDir" val="fromR"/>
-              <dgm:param type="nodeHorzAlign" val="r"/>
-              <dgm:param type="nodeVertAlign" val="mid"/>
-              <dgm:param type="fallback" val="2D"/>
-            </dgm:alg>
-          </dgm:else>
-        </dgm:choose>
-        <dgm:shape xmlns:r="http://schemas.openxmlformats.org/officeDocument/2006/relationships" r:blip="">
-          <dgm:adjLst/>
-        </dgm:shape>
-        <dgm:presOf/>
-        <dgm:constrLst/>
-        <dgm:ruleLst/>
-        <dgm:layoutNode name="bigChev" styleLbl="node1">
-          <dgm:alg type="tx"/>
-          <dgm:choose name="Name8">
-            <dgm:if name="Name9" func="var" arg="dir" op="equ" val="norm">
-              <dgm:shape xmlns:r="http://schemas.openxmlformats.org/officeDocument/2006/relationships" type="chevron" r:blip="">
-                <dgm:adjLst/>
-              </dgm:shape>
-              <dgm:presOf axis="self"/>
-              <dgm:constrLst>
-                <dgm:constr type="primFontSz" val="65"/>
-                <dgm:constr type="rMarg"/>
-                <dgm:constr type="lMarg" refType="primFontSz" fact="0.1"/>
-                <dgm:constr type="tMarg" refType="primFontSz" fact="0.05"/>
-                <dgm:constr type="bMarg" refType="primFontSz" fact="0.05"/>
-              </dgm:constrLst>
-            </dgm:if>
-            <dgm:else name="Name10">
-              <dgm:shape xmlns:r="http://schemas.openxmlformats.org/officeDocument/2006/relationships" rot="180" type="chevron" r:blip="">
-                <dgm:adjLst/>
-              </dgm:shape>
-              <dgm:presOf axis="self"/>
-              <dgm:constrLst>
-                <dgm:constr type="primFontSz" val="65"/>
-                <dgm:constr type="lMarg"/>
-                <dgm:constr type="rMarg" refType="primFontSz" fact="0.1"/>
-                <dgm:constr type="tMarg" refType="primFontSz" fact="0.05"/>
-                <dgm:constr type="bMarg" refType="primFontSz" fact="0.05"/>
-              </dgm:constrLst>
-            </dgm:else>
-          </dgm:choose>
-          <dgm:ruleLst>
-            <dgm:rule type="primFontSz" val="5" fact="NaN" max="NaN"/>
-          </dgm:ruleLst>
-        </dgm:layoutNode>
-        <dgm:forEach name="parTransForEach" axis="ch" ptType="parTrans" cnt="1">
-          <dgm:layoutNode name="parTrans">
-            <dgm:alg type="sp"/>
-            <dgm:shape xmlns:r="http://schemas.openxmlformats.org/officeDocument/2006/relationships" r:blip="">
-              <dgm:adjLst/>
-            </dgm:shape>
-            <dgm:presOf/>
-            <dgm:constrLst/>
-            <dgm:ruleLst/>
-          </dgm:layoutNode>
-        </dgm:forEach>
-        <dgm:forEach name="Name11" axis="ch" ptType="node">
-          <dgm:layoutNode name="node" styleLbl="alignAccFollowNode1">
-            <dgm:varLst>
-              <dgm:bulletEnabled val="1"/>
-            </dgm:varLst>
-            <dgm:alg type="tx"/>
-            <dgm:choose name="Name12">
-              <dgm:if name="Name13" func="var" arg="dir" op="equ" val="norm">
-                <dgm:shape xmlns:r="http://schemas.openxmlformats.org/officeDocument/2006/relationships" type="chevron" r:blip="">
-                  <dgm:adjLst/>
-                </dgm:shape>
-                <dgm:presOf axis="desOrSelf" ptType="node"/>
-                <dgm:constrLst>
-                  <dgm:constr type="primFontSz" val="65"/>
-                  <dgm:constr type="rMarg"/>
-                  <dgm:constr type="lMarg" refType="primFontSz" fact="0.1"/>
-                  <dgm:constr type="tMarg" refType="primFontSz" fact="0.05"/>
-                  <dgm:constr type="bMarg" refType="primFontSz" fact="0.05"/>
-                </dgm:constrLst>
-              </dgm:if>
-              <dgm:else name="Name14">
-                <dgm:shape xmlns:r="http://schemas.openxmlformats.org/officeDocument/2006/relationships" rot="180" type="chevron" r:blip="">
-                  <dgm:adjLst/>
-                </dgm:shape>
-                <dgm:presOf axis="desOrSelf" ptType="node"/>
-                <dgm:constrLst>
-                  <dgm:constr type="primFontSz" val="65"/>
-                  <dgm:constr type="lMarg"/>
-                  <dgm:constr type="rMarg" refType="primFontSz" fact="0.1"/>
-                  <dgm:constr type="tMarg" refType="primFontSz" fact="0.05"/>
-                  <dgm:constr type="bMarg" refType="primFontSz" fact="0.05"/>
-                </dgm:constrLst>
-              </dgm:else>
-            </dgm:choose>
-            <dgm:ruleLst>
-              <dgm:rule type="primFontSz" val="5" fact="NaN" max="NaN"/>
-            </dgm:ruleLst>
-          </dgm:layoutNode>
-          <dgm:forEach name="sibTransForEach" axis="followSib" ptType="sibTrans" cnt="1">
-            <dgm:layoutNode name="sibTrans">
-              <dgm:alg type="sp"/>
-              <dgm:shape xmlns:r="http://schemas.openxmlformats.org/officeDocument/2006/relationships" r:blip="">
-                <dgm:adjLst/>
-              </dgm:shape>
-              <dgm:presOf/>
-              <dgm:constrLst/>
-              <dgm:ruleLst/>
-            </dgm:layoutNode>
-          </dgm:forEach>
-        </dgm:forEach>
-      </dgm:layoutNode>
-      <dgm:choose name="Name15">
-        <dgm:if name="Name16" axis="self" ptType="node" func="revPos" op="gte" val="2">
-          <dgm:layoutNode name="vSp">
-            <dgm:alg type="sp"/>
-            <dgm:shape xmlns:r="http://schemas.openxmlformats.org/officeDocument/2006/relationships" r:blip="">
-              <dgm:adjLst/>
-            </dgm:shape>
-            <dgm:presOf/>
-            <dgm:constrLst/>
-            <dgm:ruleLst/>
-          </dgm:layoutNode>
-        </dgm:if>
-        <dgm:else name="Name17"/>
-      </dgm:choose>
-    </dgm:forEach>
-  </dgm:layoutNode>
-</dgm:layoutDef>
-</file>
-
 <file path=ppt/diagrams/quickStyle1.xml><?xml version="1.0" encoding="utf-8"?>
 <dgm:styleDef xmlns:dgm="http://schemas.openxmlformats.org/drawingml/2006/diagram" xmlns:a="http://schemas.openxmlformats.org/drawingml/2006/main" uniqueId="urn:microsoft.com/office/officeart/2005/8/quickstyle/simple1">
   <dgm:title val=""/>
@@ -11511,1040 +10319,6 @@
 </file>
 
 <file path=ppt/diagrams/quickStyle5.xml><?xml version="1.0" encoding="utf-8"?>
-<dgm:styleDef xmlns:dgm="http://schemas.openxmlformats.org/drawingml/2006/diagram" xmlns:a="http://schemas.openxmlformats.org/drawingml/2006/main" uniqueId="urn:microsoft.com/office/officeart/2005/8/quickstyle/simple1">
-  <dgm:title val=""/>
-  <dgm:desc val=""/>
-  <dgm:catLst>
-    <dgm:cat type="simple" pri="10100"/>
-  </dgm:catLst>
-  <dgm:scene3d>
-    <a:camera prst="orthographicFront"/>
-    <a:lightRig rig="threePt" dir="t"/>
-  </dgm:scene3d>
-  <dgm:styleLbl name="node0">
-    <dgm:scene3d>
-      <a:camera prst="orthographicFront"/>
-      <a:lightRig rig="threePt" dir="t"/>
-    </dgm:scene3d>
-    <dgm:sp3d/>
-    <dgm:txPr/>
-    <dgm:style>
-      <a:lnRef idx="2">
-        <a:scrgbClr r="0" g="0" b="0"/>
-      </a:lnRef>
-      <a:fillRef idx="1">
-        <a:scrgbClr r="0" g="0" b="0"/>
-      </a:fillRef>
-      <a:effectRef idx="0">
-        <a:scrgbClr r="0" g="0" b="0"/>
-      </a:effectRef>
-      <a:fontRef idx="minor">
-        <a:schemeClr val="lt1"/>
-      </a:fontRef>
-    </dgm:style>
-  </dgm:styleLbl>
-  <dgm:styleLbl name="lnNode1">
-    <dgm:scene3d>
-      <a:camera prst="orthographicFront"/>
-      <a:lightRig rig="threePt" dir="t"/>
-    </dgm:scene3d>
-    <dgm:sp3d/>
-    <dgm:txPr/>
-    <dgm:style>
-      <a:lnRef idx="2">
-        <a:scrgbClr r="0" g="0" b="0"/>
-      </a:lnRef>
-      <a:fillRef idx="1">
-        <a:scrgbClr r="0" g="0" b="0"/>
-      </a:fillRef>
-      <a:effectRef idx="0">
-        <a:scrgbClr r="0" g="0" b="0"/>
-      </a:effectRef>
-      <a:fontRef idx="minor">
-        <a:schemeClr val="lt1"/>
-      </a:fontRef>
-    </dgm:style>
-  </dgm:styleLbl>
-  <dgm:styleLbl name="vennNode1">
-    <dgm:scene3d>
-      <a:camera prst="orthographicFront"/>
-      <a:lightRig rig="threePt" dir="t"/>
-    </dgm:scene3d>
-    <dgm:sp3d/>
-    <dgm:txPr/>
-    <dgm:style>
-      <a:lnRef idx="2">
-        <a:scrgbClr r="0" g="0" b="0"/>
-      </a:lnRef>
-      <a:fillRef idx="1">
-        <a:scrgbClr r="0" g="0" b="0"/>
-      </a:fillRef>
-      <a:effectRef idx="0">
-        <a:scrgbClr r="0" g="0" b="0"/>
-      </a:effectRef>
-      <a:fontRef idx="minor">
-        <a:schemeClr val="tx1"/>
-      </a:fontRef>
-    </dgm:style>
-  </dgm:styleLbl>
-  <dgm:styleLbl name="alignNode1">
-    <dgm:scene3d>
-      <a:camera prst="orthographicFront"/>
-      <a:lightRig rig="threePt" dir="t"/>
-    </dgm:scene3d>
-    <dgm:sp3d/>
-    <dgm:txPr/>
-    <dgm:style>
-      <a:lnRef idx="2">
-        <a:scrgbClr r="0" g="0" b="0"/>
-      </a:lnRef>
-      <a:fillRef idx="1">
-        <a:scrgbClr r="0" g="0" b="0"/>
-      </a:fillRef>
-      <a:effectRef idx="0">
-        <a:scrgbClr r="0" g="0" b="0"/>
-      </a:effectRef>
-      <a:fontRef idx="minor">
-        <a:schemeClr val="lt1"/>
-      </a:fontRef>
-    </dgm:style>
-  </dgm:styleLbl>
-  <dgm:styleLbl name="node1">
-    <dgm:scene3d>
-      <a:camera prst="orthographicFront"/>
-      <a:lightRig rig="threePt" dir="t"/>
-    </dgm:scene3d>
-    <dgm:sp3d/>
-    <dgm:txPr/>
-    <dgm:style>
-      <a:lnRef idx="2">
-        <a:scrgbClr r="0" g="0" b="0"/>
-      </a:lnRef>
-      <a:fillRef idx="1">
-        <a:scrgbClr r="0" g="0" b="0"/>
-      </a:fillRef>
-      <a:effectRef idx="0">
-        <a:scrgbClr r="0" g="0" b="0"/>
-      </a:effectRef>
-      <a:fontRef idx="minor">
-        <a:schemeClr val="lt1"/>
-      </a:fontRef>
-    </dgm:style>
-  </dgm:styleLbl>
-  <dgm:styleLbl name="node2">
-    <dgm:scene3d>
-      <a:camera prst="orthographicFront"/>
-      <a:lightRig rig="threePt" dir="t"/>
-    </dgm:scene3d>
-    <dgm:sp3d/>
-    <dgm:txPr/>
-    <dgm:style>
-      <a:lnRef idx="2">
-        <a:scrgbClr r="0" g="0" b="0"/>
-      </a:lnRef>
-      <a:fillRef idx="1">
-        <a:scrgbClr r="0" g="0" b="0"/>
-      </a:fillRef>
-      <a:effectRef idx="0">
-        <a:scrgbClr r="0" g="0" b="0"/>
-      </a:effectRef>
-      <a:fontRef idx="minor">
-        <a:schemeClr val="lt1"/>
-      </a:fontRef>
-    </dgm:style>
-  </dgm:styleLbl>
-  <dgm:styleLbl name="node3">
-    <dgm:scene3d>
-      <a:camera prst="orthographicFront"/>
-      <a:lightRig rig="threePt" dir="t"/>
-    </dgm:scene3d>
-    <dgm:sp3d/>
-    <dgm:txPr/>
-    <dgm:style>
-      <a:lnRef idx="2">
-        <a:scrgbClr r="0" g="0" b="0"/>
-      </a:lnRef>
-      <a:fillRef idx="1">
-        <a:scrgbClr r="0" g="0" b="0"/>
-      </a:fillRef>
-      <a:effectRef idx="0">
-        <a:scrgbClr r="0" g="0" b="0"/>
-      </a:effectRef>
-      <a:fontRef idx="minor">
-        <a:schemeClr val="lt1"/>
-      </a:fontRef>
-    </dgm:style>
-  </dgm:styleLbl>
-  <dgm:styleLbl name="node4">
-    <dgm:scene3d>
-      <a:camera prst="orthographicFront"/>
-      <a:lightRig rig="threePt" dir="t"/>
-    </dgm:scene3d>
-    <dgm:sp3d/>
-    <dgm:txPr/>
-    <dgm:style>
-      <a:lnRef idx="2">
-        <a:scrgbClr r="0" g="0" b="0"/>
-      </a:lnRef>
-      <a:fillRef idx="1">
-        <a:scrgbClr r="0" g="0" b="0"/>
-      </a:fillRef>
-      <a:effectRef idx="0">
-        <a:scrgbClr r="0" g="0" b="0"/>
-      </a:effectRef>
-      <a:fontRef idx="minor">
-        <a:schemeClr val="lt1"/>
-      </a:fontRef>
-    </dgm:style>
-  </dgm:styleLbl>
-  <dgm:styleLbl name="fgImgPlace1">
-    <dgm:scene3d>
-      <a:camera prst="orthographicFront"/>
-      <a:lightRig rig="threePt" dir="t"/>
-    </dgm:scene3d>
-    <dgm:sp3d/>
-    <dgm:txPr/>
-    <dgm:style>
-      <a:lnRef idx="2">
-        <a:scrgbClr r="0" g="0" b="0"/>
-      </a:lnRef>
-      <a:fillRef idx="1">
-        <a:scrgbClr r="0" g="0" b="0"/>
-      </a:fillRef>
-      <a:effectRef idx="0">
-        <a:scrgbClr r="0" g="0" b="0"/>
-      </a:effectRef>
-      <a:fontRef idx="minor"/>
-    </dgm:style>
-  </dgm:styleLbl>
-  <dgm:styleLbl name="alignImgPlace1">
-    <dgm:scene3d>
-      <a:camera prst="orthographicFront"/>
-      <a:lightRig rig="threePt" dir="t"/>
-    </dgm:scene3d>
-    <dgm:sp3d/>
-    <dgm:txPr/>
-    <dgm:style>
-      <a:lnRef idx="2">
-        <a:scrgbClr r="0" g="0" b="0"/>
-      </a:lnRef>
-      <a:fillRef idx="1">
-        <a:scrgbClr r="0" g="0" b="0"/>
-      </a:fillRef>
-      <a:effectRef idx="0">
-        <a:scrgbClr r="0" g="0" b="0"/>
-      </a:effectRef>
-      <a:fontRef idx="minor"/>
-    </dgm:style>
-  </dgm:styleLbl>
-  <dgm:styleLbl name="bgImgPlace1">
-    <dgm:scene3d>
-      <a:camera prst="orthographicFront"/>
-      <a:lightRig rig="threePt" dir="t"/>
-    </dgm:scene3d>
-    <dgm:sp3d/>
-    <dgm:txPr/>
-    <dgm:style>
-      <a:lnRef idx="2">
-        <a:scrgbClr r="0" g="0" b="0"/>
-      </a:lnRef>
-      <a:fillRef idx="1">
-        <a:scrgbClr r="0" g="0" b="0"/>
-      </a:fillRef>
-      <a:effectRef idx="0">
-        <a:scrgbClr r="0" g="0" b="0"/>
-      </a:effectRef>
-      <a:fontRef idx="minor"/>
-    </dgm:style>
-  </dgm:styleLbl>
-  <dgm:styleLbl name="sibTrans2D1">
-    <dgm:scene3d>
-      <a:camera prst="orthographicFront"/>
-      <a:lightRig rig="threePt" dir="t"/>
-    </dgm:scene3d>
-    <dgm:sp3d/>
-    <dgm:txPr/>
-    <dgm:style>
-      <a:lnRef idx="0">
-        <a:scrgbClr r="0" g="0" b="0"/>
-      </a:lnRef>
-      <a:fillRef idx="1">
-        <a:scrgbClr r="0" g="0" b="0"/>
-      </a:fillRef>
-      <a:effectRef idx="0">
-        <a:scrgbClr r="0" g="0" b="0"/>
-      </a:effectRef>
-      <a:fontRef idx="minor">
-        <a:schemeClr val="lt1"/>
-      </a:fontRef>
-    </dgm:style>
-  </dgm:styleLbl>
-  <dgm:styleLbl name="fgSibTrans2D1">
-    <dgm:scene3d>
-      <a:camera prst="orthographicFront"/>
-      <a:lightRig rig="threePt" dir="t"/>
-    </dgm:scene3d>
-    <dgm:sp3d/>
-    <dgm:txPr/>
-    <dgm:style>
-      <a:lnRef idx="0">
-        <a:scrgbClr r="0" g="0" b="0"/>
-      </a:lnRef>
-      <a:fillRef idx="1">
-        <a:scrgbClr r="0" g="0" b="0"/>
-      </a:fillRef>
-      <a:effectRef idx="0">
-        <a:scrgbClr r="0" g="0" b="0"/>
-      </a:effectRef>
-      <a:fontRef idx="minor">
-        <a:schemeClr val="lt1"/>
-      </a:fontRef>
-    </dgm:style>
-  </dgm:styleLbl>
-  <dgm:styleLbl name="bgSibTrans2D1">
-    <dgm:scene3d>
-      <a:camera prst="orthographicFront"/>
-      <a:lightRig rig="threePt" dir="t"/>
-    </dgm:scene3d>
-    <dgm:sp3d/>
-    <dgm:txPr/>
-    <dgm:style>
-      <a:lnRef idx="0">
-        <a:scrgbClr r="0" g="0" b="0"/>
-      </a:lnRef>
-      <a:fillRef idx="1">
-        <a:scrgbClr r="0" g="0" b="0"/>
-      </a:fillRef>
-      <a:effectRef idx="0">
-        <a:scrgbClr r="0" g="0" b="0"/>
-      </a:effectRef>
-      <a:fontRef idx="minor">
-        <a:schemeClr val="lt1"/>
-      </a:fontRef>
-    </dgm:style>
-  </dgm:styleLbl>
-  <dgm:styleLbl name="sibTrans1D1">
-    <dgm:scene3d>
-      <a:camera prst="orthographicFront"/>
-      <a:lightRig rig="threePt" dir="t"/>
-    </dgm:scene3d>
-    <dgm:sp3d/>
-    <dgm:txPr/>
-    <dgm:style>
-      <a:lnRef idx="1">
-        <a:scrgbClr r="0" g="0" b="0"/>
-      </a:lnRef>
-      <a:fillRef idx="0">
-        <a:scrgbClr r="0" g="0" b="0"/>
-      </a:fillRef>
-      <a:effectRef idx="0">
-        <a:scrgbClr r="0" g="0" b="0"/>
-      </a:effectRef>
-      <a:fontRef idx="minor"/>
-    </dgm:style>
-  </dgm:styleLbl>
-  <dgm:styleLbl name="callout">
-    <dgm:scene3d>
-      <a:camera prst="orthographicFront"/>
-      <a:lightRig rig="threePt" dir="t"/>
-    </dgm:scene3d>
-    <dgm:sp3d/>
-    <dgm:txPr/>
-    <dgm:style>
-      <a:lnRef idx="2">
-        <a:scrgbClr r="0" g="0" b="0"/>
-      </a:lnRef>
-      <a:fillRef idx="1">
-        <a:scrgbClr r="0" g="0" b="0"/>
-      </a:fillRef>
-      <a:effectRef idx="0">
-        <a:scrgbClr r="0" g="0" b="0"/>
-      </a:effectRef>
-      <a:fontRef idx="minor"/>
-    </dgm:style>
-  </dgm:styleLbl>
-  <dgm:styleLbl name="asst0">
-    <dgm:scene3d>
-      <a:camera prst="orthographicFront"/>
-      <a:lightRig rig="threePt" dir="t"/>
-    </dgm:scene3d>
-    <dgm:sp3d/>
-    <dgm:txPr/>
-    <dgm:style>
-      <a:lnRef idx="2">
-        <a:scrgbClr r="0" g="0" b="0"/>
-      </a:lnRef>
-      <a:fillRef idx="1">
-        <a:scrgbClr r="0" g="0" b="0"/>
-      </a:fillRef>
-      <a:effectRef idx="0">
-        <a:scrgbClr r="0" g="0" b="0"/>
-      </a:effectRef>
-      <a:fontRef idx="minor">
-        <a:schemeClr val="lt1"/>
-      </a:fontRef>
-    </dgm:style>
-  </dgm:styleLbl>
-  <dgm:styleLbl name="asst1">
-    <dgm:scene3d>
-      <a:camera prst="orthographicFront"/>
-      <a:lightRig rig="threePt" dir="t"/>
-    </dgm:scene3d>
-    <dgm:sp3d/>
-    <dgm:txPr/>
-    <dgm:style>
-      <a:lnRef idx="2">
-        <a:scrgbClr r="0" g="0" b="0"/>
-      </a:lnRef>
-      <a:fillRef idx="1">
-        <a:scrgbClr r="0" g="0" b="0"/>
-      </a:fillRef>
-      <a:effectRef idx="0">
-        <a:scrgbClr r="0" g="0" b="0"/>
-      </a:effectRef>
-      <a:fontRef idx="minor">
-        <a:schemeClr val="lt1"/>
-      </a:fontRef>
-    </dgm:style>
-  </dgm:styleLbl>
-  <dgm:styleLbl name="asst2">
-    <dgm:scene3d>
-      <a:camera prst="orthographicFront"/>
-      <a:lightRig rig="threePt" dir="t"/>
-    </dgm:scene3d>
-    <dgm:sp3d/>
-    <dgm:txPr/>
-    <dgm:style>
-      <a:lnRef idx="2">
-        <a:scrgbClr r="0" g="0" b="0"/>
-      </a:lnRef>
-      <a:fillRef idx="1">
-        <a:scrgbClr r="0" g="0" b="0"/>
-      </a:fillRef>
-      <a:effectRef idx="0">
-        <a:scrgbClr r="0" g="0" b="0"/>
-      </a:effectRef>
-      <a:fontRef idx="minor">
-        <a:schemeClr val="lt1"/>
-      </a:fontRef>
-    </dgm:style>
-  </dgm:styleLbl>
-  <dgm:styleLbl name="asst3">
-    <dgm:scene3d>
-      <a:camera prst="orthographicFront"/>
-      <a:lightRig rig="threePt" dir="t"/>
-    </dgm:scene3d>
-    <dgm:sp3d/>
-    <dgm:txPr/>
-    <dgm:style>
-      <a:lnRef idx="2">
-        <a:scrgbClr r="0" g="0" b="0"/>
-      </a:lnRef>
-      <a:fillRef idx="1">
-        <a:scrgbClr r="0" g="0" b="0"/>
-      </a:fillRef>
-      <a:effectRef idx="0">
-        <a:scrgbClr r="0" g="0" b="0"/>
-      </a:effectRef>
-      <a:fontRef idx="minor">
-        <a:schemeClr val="lt1"/>
-      </a:fontRef>
-    </dgm:style>
-  </dgm:styleLbl>
-  <dgm:styleLbl name="asst4">
-    <dgm:scene3d>
-      <a:camera prst="orthographicFront"/>
-      <a:lightRig rig="threePt" dir="t"/>
-    </dgm:scene3d>
-    <dgm:sp3d/>
-    <dgm:txPr/>
-    <dgm:style>
-      <a:lnRef idx="2">
-        <a:scrgbClr r="0" g="0" b="0"/>
-      </a:lnRef>
-      <a:fillRef idx="1">
-        <a:scrgbClr r="0" g="0" b="0"/>
-      </a:fillRef>
-      <a:effectRef idx="0">
-        <a:scrgbClr r="0" g="0" b="0"/>
-      </a:effectRef>
-      <a:fontRef idx="minor">
-        <a:schemeClr val="lt1"/>
-      </a:fontRef>
-    </dgm:style>
-  </dgm:styleLbl>
-  <dgm:styleLbl name="parChTrans2D1">
-    <dgm:scene3d>
-      <a:camera prst="orthographicFront"/>
-      <a:lightRig rig="threePt" dir="t"/>
-    </dgm:scene3d>
-    <dgm:sp3d/>
-    <dgm:txPr/>
-    <dgm:style>
-      <a:lnRef idx="2">
-        <a:scrgbClr r="0" g="0" b="0"/>
-      </a:lnRef>
-      <a:fillRef idx="1">
-        <a:scrgbClr r="0" g="0" b="0"/>
-      </a:fillRef>
-      <a:effectRef idx="0">
-        <a:scrgbClr r="0" g="0" b="0"/>
-      </a:effectRef>
-      <a:fontRef idx="minor">
-        <a:schemeClr val="lt1"/>
-      </a:fontRef>
-    </dgm:style>
-  </dgm:styleLbl>
-  <dgm:styleLbl name="parChTrans2D2">
-    <dgm:scene3d>
-      <a:camera prst="orthographicFront"/>
-      <a:lightRig rig="threePt" dir="t"/>
-    </dgm:scene3d>
-    <dgm:sp3d/>
-    <dgm:txPr/>
-    <dgm:style>
-      <a:lnRef idx="2">
-        <a:scrgbClr r="0" g="0" b="0"/>
-      </a:lnRef>
-      <a:fillRef idx="1">
-        <a:scrgbClr r="0" g="0" b="0"/>
-      </a:fillRef>
-      <a:effectRef idx="0">
-        <a:scrgbClr r="0" g="0" b="0"/>
-      </a:effectRef>
-      <a:fontRef idx="minor">
-        <a:schemeClr val="lt1"/>
-      </a:fontRef>
-    </dgm:style>
-  </dgm:styleLbl>
-  <dgm:styleLbl name="parChTrans2D3">
-    <dgm:scene3d>
-      <a:camera prst="orthographicFront"/>
-      <a:lightRig rig="threePt" dir="t"/>
-    </dgm:scene3d>
-    <dgm:sp3d/>
-    <dgm:txPr/>
-    <dgm:style>
-      <a:lnRef idx="2">
-        <a:scrgbClr r="0" g="0" b="0"/>
-      </a:lnRef>
-      <a:fillRef idx="1">
-        <a:scrgbClr r="0" g="0" b="0"/>
-      </a:fillRef>
-      <a:effectRef idx="0">
-        <a:scrgbClr r="0" g="0" b="0"/>
-      </a:effectRef>
-      <a:fontRef idx="minor">
-        <a:schemeClr val="lt1"/>
-      </a:fontRef>
-    </dgm:style>
-  </dgm:styleLbl>
-  <dgm:styleLbl name="parChTrans2D4">
-    <dgm:scene3d>
-      <a:camera prst="orthographicFront"/>
-      <a:lightRig rig="threePt" dir="t"/>
-    </dgm:scene3d>
-    <dgm:sp3d/>
-    <dgm:txPr/>
-    <dgm:style>
-      <a:lnRef idx="2">
-        <a:scrgbClr r="0" g="0" b="0"/>
-      </a:lnRef>
-      <a:fillRef idx="1">
-        <a:scrgbClr r="0" g="0" b="0"/>
-      </a:fillRef>
-      <a:effectRef idx="0">
-        <a:scrgbClr r="0" g="0" b="0"/>
-      </a:effectRef>
-      <a:fontRef idx="minor">
-        <a:schemeClr val="lt1"/>
-      </a:fontRef>
-    </dgm:style>
-  </dgm:styleLbl>
-  <dgm:styleLbl name="parChTrans1D1">
-    <dgm:scene3d>
-      <a:camera prst="orthographicFront"/>
-      <a:lightRig rig="threePt" dir="t"/>
-    </dgm:scene3d>
-    <dgm:sp3d/>
-    <dgm:txPr/>
-    <dgm:style>
-      <a:lnRef idx="2">
-        <a:scrgbClr r="0" g="0" b="0"/>
-      </a:lnRef>
-      <a:fillRef idx="0">
-        <a:scrgbClr r="0" g="0" b="0"/>
-      </a:fillRef>
-      <a:effectRef idx="0">
-        <a:scrgbClr r="0" g="0" b="0"/>
-      </a:effectRef>
-      <a:fontRef idx="minor"/>
-    </dgm:style>
-  </dgm:styleLbl>
-  <dgm:styleLbl name="parChTrans1D2">
-    <dgm:scene3d>
-      <a:camera prst="orthographicFront"/>
-      <a:lightRig rig="threePt" dir="t"/>
-    </dgm:scene3d>
-    <dgm:sp3d/>
-    <dgm:txPr/>
-    <dgm:style>
-      <a:lnRef idx="2">
-        <a:scrgbClr r="0" g="0" b="0"/>
-      </a:lnRef>
-      <a:fillRef idx="0">
-        <a:scrgbClr r="0" g="0" b="0"/>
-      </a:fillRef>
-      <a:effectRef idx="0">
-        <a:scrgbClr r="0" g="0" b="0"/>
-      </a:effectRef>
-      <a:fontRef idx="minor"/>
-    </dgm:style>
-  </dgm:styleLbl>
-  <dgm:styleLbl name="parChTrans1D3">
-    <dgm:scene3d>
-      <a:camera prst="orthographicFront"/>
-      <a:lightRig rig="threePt" dir="t"/>
-    </dgm:scene3d>
-    <dgm:sp3d/>
-    <dgm:txPr/>
-    <dgm:style>
-      <a:lnRef idx="2">
-        <a:scrgbClr r="0" g="0" b="0"/>
-      </a:lnRef>
-      <a:fillRef idx="0">
-        <a:scrgbClr r="0" g="0" b="0"/>
-      </a:fillRef>
-      <a:effectRef idx="0">
-        <a:scrgbClr r="0" g="0" b="0"/>
-      </a:effectRef>
-      <a:fontRef idx="minor"/>
-    </dgm:style>
-  </dgm:styleLbl>
-  <dgm:styleLbl name="parChTrans1D4">
-    <dgm:scene3d>
-      <a:camera prst="orthographicFront"/>
-      <a:lightRig rig="threePt" dir="t"/>
-    </dgm:scene3d>
-    <dgm:sp3d/>
-    <dgm:txPr/>
-    <dgm:style>
-      <a:lnRef idx="2">
-        <a:scrgbClr r="0" g="0" b="0"/>
-      </a:lnRef>
-      <a:fillRef idx="0">
-        <a:scrgbClr r="0" g="0" b="0"/>
-      </a:fillRef>
-      <a:effectRef idx="0">
-        <a:scrgbClr r="0" g="0" b="0"/>
-      </a:effectRef>
-      <a:fontRef idx="minor"/>
-    </dgm:style>
-  </dgm:styleLbl>
-  <dgm:styleLbl name="fgAcc1">
-    <dgm:scene3d>
-      <a:camera prst="orthographicFront"/>
-      <a:lightRig rig="threePt" dir="t"/>
-    </dgm:scene3d>
-    <dgm:sp3d/>
-    <dgm:txPr/>
-    <dgm:style>
-      <a:lnRef idx="2">
-        <a:scrgbClr r="0" g="0" b="0"/>
-      </a:lnRef>
-      <a:fillRef idx="1">
-        <a:scrgbClr r="0" g="0" b="0"/>
-      </a:fillRef>
-      <a:effectRef idx="0">
-        <a:scrgbClr r="0" g="0" b="0"/>
-      </a:effectRef>
-      <a:fontRef idx="minor"/>
-    </dgm:style>
-  </dgm:styleLbl>
-  <dgm:styleLbl name="conFgAcc1">
-    <dgm:scene3d>
-      <a:camera prst="orthographicFront"/>
-      <a:lightRig rig="threePt" dir="t"/>
-    </dgm:scene3d>
-    <dgm:sp3d/>
-    <dgm:txPr/>
-    <dgm:style>
-      <a:lnRef idx="2">
-        <a:scrgbClr r="0" g="0" b="0"/>
-      </a:lnRef>
-      <a:fillRef idx="1">
-        <a:scrgbClr r="0" g="0" b="0"/>
-      </a:fillRef>
-      <a:effectRef idx="0">
-        <a:scrgbClr r="0" g="0" b="0"/>
-      </a:effectRef>
-      <a:fontRef idx="minor"/>
-    </dgm:style>
-  </dgm:styleLbl>
-  <dgm:styleLbl name="alignAcc1">
-    <dgm:scene3d>
-      <a:camera prst="orthographicFront"/>
-      <a:lightRig rig="threePt" dir="t"/>
-    </dgm:scene3d>
-    <dgm:sp3d/>
-    <dgm:txPr/>
-    <dgm:style>
-      <a:lnRef idx="2">
-        <a:scrgbClr r="0" g="0" b="0"/>
-      </a:lnRef>
-      <a:fillRef idx="1">
-        <a:scrgbClr r="0" g="0" b="0"/>
-      </a:fillRef>
-      <a:effectRef idx="0">
-        <a:scrgbClr r="0" g="0" b="0"/>
-      </a:effectRef>
-      <a:fontRef idx="minor"/>
-    </dgm:style>
-  </dgm:styleLbl>
-  <dgm:styleLbl name="trAlignAcc1">
-    <dgm:scene3d>
-      <a:camera prst="orthographicFront"/>
-      <a:lightRig rig="threePt" dir="t"/>
-    </dgm:scene3d>
-    <dgm:sp3d/>
-    <dgm:txPr/>
-    <dgm:style>
-      <a:lnRef idx="1">
-        <a:scrgbClr r="0" g="0" b="0"/>
-      </a:lnRef>
-      <a:fillRef idx="1">
-        <a:scrgbClr r="0" g="0" b="0"/>
-      </a:fillRef>
-      <a:effectRef idx="0">
-        <a:scrgbClr r="0" g="0" b="0"/>
-      </a:effectRef>
-      <a:fontRef idx="minor"/>
-    </dgm:style>
-  </dgm:styleLbl>
-  <dgm:styleLbl name="bgAcc1">
-    <dgm:scene3d>
-      <a:camera prst="orthographicFront"/>
-      <a:lightRig rig="threePt" dir="t"/>
-    </dgm:scene3d>
-    <dgm:sp3d/>
-    <dgm:txPr/>
-    <dgm:style>
-      <a:lnRef idx="2">
-        <a:scrgbClr r="0" g="0" b="0"/>
-      </a:lnRef>
-      <a:fillRef idx="1">
-        <a:scrgbClr r="0" g="0" b="0"/>
-      </a:fillRef>
-      <a:effectRef idx="0">
-        <a:scrgbClr r="0" g="0" b="0"/>
-      </a:effectRef>
-      <a:fontRef idx="minor"/>
-    </dgm:style>
-  </dgm:styleLbl>
-  <dgm:styleLbl name="solidFgAcc1">
-    <dgm:scene3d>
-      <a:camera prst="orthographicFront"/>
-      <a:lightRig rig="threePt" dir="t"/>
-    </dgm:scene3d>
-    <dgm:sp3d/>
-    <dgm:txPr/>
-    <dgm:style>
-      <a:lnRef idx="2">
-        <a:scrgbClr r="0" g="0" b="0"/>
-      </a:lnRef>
-      <a:fillRef idx="1">
-        <a:scrgbClr r="0" g="0" b="0"/>
-      </a:fillRef>
-      <a:effectRef idx="0">
-        <a:scrgbClr r="0" g="0" b="0"/>
-      </a:effectRef>
-      <a:fontRef idx="minor"/>
-    </dgm:style>
-  </dgm:styleLbl>
-  <dgm:styleLbl name="solidAlignAcc1">
-    <dgm:scene3d>
-      <a:camera prst="orthographicFront"/>
-      <a:lightRig rig="threePt" dir="t"/>
-    </dgm:scene3d>
-    <dgm:sp3d/>
-    <dgm:txPr/>
-    <dgm:style>
-      <a:lnRef idx="2">
-        <a:scrgbClr r="0" g="0" b="0"/>
-      </a:lnRef>
-      <a:fillRef idx="1">
-        <a:scrgbClr r="0" g="0" b="0"/>
-      </a:fillRef>
-      <a:effectRef idx="0">
-        <a:scrgbClr r="0" g="0" b="0"/>
-      </a:effectRef>
-      <a:fontRef idx="minor"/>
-    </dgm:style>
-  </dgm:styleLbl>
-  <dgm:styleLbl name="solidBgAcc1">
-    <dgm:scene3d>
-      <a:camera prst="orthographicFront"/>
-      <a:lightRig rig="threePt" dir="t"/>
-    </dgm:scene3d>
-    <dgm:sp3d/>
-    <dgm:txPr/>
-    <dgm:style>
-      <a:lnRef idx="2">
-        <a:scrgbClr r="0" g="0" b="0"/>
-      </a:lnRef>
-      <a:fillRef idx="1">
-        <a:scrgbClr r="0" g="0" b="0"/>
-      </a:fillRef>
-      <a:effectRef idx="0">
-        <a:scrgbClr r="0" g="0" b="0"/>
-      </a:effectRef>
-      <a:fontRef idx="minor"/>
-    </dgm:style>
-  </dgm:styleLbl>
-  <dgm:styleLbl name="fgAccFollowNode1">
-    <dgm:scene3d>
-      <a:camera prst="orthographicFront"/>
-      <a:lightRig rig="threePt" dir="t"/>
-    </dgm:scene3d>
-    <dgm:sp3d/>
-    <dgm:txPr/>
-    <dgm:style>
-      <a:lnRef idx="2">
-        <a:scrgbClr r="0" g="0" b="0"/>
-      </a:lnRef>
-      <a:fillRef idx="1">
-        <a:scrgbClr r="0" g="0" b="0"/>
-      </a:fillRef>
-      <a:effectRef idx="0">
-        <a:scrgbClr r="0" g="0" b="0"/>
-      </a:effectRef>
-      <a:fontRef idx="minor"/>
-    </dgm:style>
-  </dgm:styleLbl>
-  <dgm:styleLbl name="alignAccFollowNode1">
-    <dgm:scene3d>
-      <a:camera prst="orthographicFront"/>
-      <a:lightRig rig="threePt" dir="t"/>
-    </dgm:scene3d>
-    <dgm:sp3d/>
-    <dgm:txPr/>
-    <dgm:style>
-      <a:lnRef idx="2">
-        <a:scrgbClr r="0" g="0" b="0"/>
-      </a:lnRef>
-      <a:fillRef idx="1">
-        <a:scrgbClr r="0" g="0" b="0"/>
-      </a:fillRef>
-      <a:effectRef idx="0">
-        <a:scrgbClr r="0" g="0" b="0"/>
-      </a:effectRef>
-      <a:fontRef idx="minor"/>
-    </dgm:style>
-  </dgm:styleLbl>
-  <dgm:styleLbl name="bgAccFollowNode1">
-    <dgm:scene3d>
-      <a:camera prst="orthographicFront"/>
-      <a:lightRig rig="threePt" dir="t"/>
-    </dgm:scene3d>
-    <dgm:sp3d/>
-    <dgm:txPr/>
-    <dgm:style>
-      <a:lnRef idx="2">
-        <a:scrgbClr r="0" g="0" b="0"/>
-      </a:lnRef>
-      <a:fillRef idx="1">
-        <a:scrgbClr r="0" g="0" b="0"/>
-      </a:fillRef>
-      <a:effectRef idx="0">
-        <a:scrgbClr r="0" g="0" b="0"/>
-      </a:effectRef>
-      <a:fontRef idx="minor"/>
-    </dgm:style>
-  </dgm:styleLbl>
-  <dgm:styleLbl name="fgAcc0">
-    <dgm:scene3d>
-      <a:camera prst="orthographicFront"/>
-      <a:lightRig rig="threePt" dir="t"/>
-    </dgm:scene3d>
-    <dgm:sp3d/>
-    <dgm:txPr/>
-    <dgm:style>
-      <a:lnRef idx="2">
-        <a:scrgbClr r="0" g="0" b="0"/>
-      </a:lnRef>
-      <a:fillRef idx="1">
-        <a:scrgbClr r="0" g="0" b="0"/>
-      </a:fillRef>
-      <a:effectRef idx="0">
-        <a:scrgbClr r="0" g="0" b="0"/>
-      </a:effectRef>
-      <a:fontRef idx="minor"/>
-    </dgm:style>
-  </dgm:styleLbl>
-  <dgm:styleLbl name="fgAcc2">
-    <dgm:scene3d>
-      <a:camera prst="orthographicFront"/>
-      <a:lightRig rig="threePt" dir="t"/>
-    </dgm:scene3d>
-    <dgm:sp3d/>
-    <dgm:txPr/>
-    <dgm:style>
-      <a:lnRef idx="2">
-        <a:scrgbClr r="0" g="0" b="0"/>
-      </a:lnRef>
-      <a:fillRef idx="1">
-        <a:scrgbClr r="0" g="0" b="0"/>
-      </a:fillRef>
-      <a:effectRef idx="0">
-        <a:scrgbClr r="0" g="0" b="0"/>
-      </a:effectRef>
-      <a:fontRef idx="minor"/>
-    </dgm:style>
-  </dgm:styleLbl>
-  <dgm:styleLbl name="fgAcc3">
-    <dgm:scene3d>
-      <a:camera prst="orthographicFront"/>
-      <a:lightRig rig="threePt" dir="t"/>
-    </dgm:scene3d>
-    <dgm:sp3d/>
-    <dgm:txPr/>
-    <dgm:style>
-      <a:lnRef idx="2">
-        <a:scrgbClr r="0" g="0" b="0"/>
-      </a:lnRef>
-      <a:fillRef idx="1">
-        <a:scrgbClr r="0" g="0" b="0"/>
-      </a:fillRef>
-      <a:effectRef idx="0">
-        <a:scrgbClr r="0" g="0" b="0"/>
-      </a:effectRef>
-      <a:fontRef idx="minor"/>
-    </dgm:style>
-  </dgm:styleLbl>
-  <dgm:styleLbl name="fgAcc4">
-    <dgm:scene3d>
-      <a:camera prst="orthographicFront"/>
-      <a:lightRig rig="threePt" dir="t"/>
-    </dgm:scene3d>
-    <dgm:sp3d/>
-    <dgm:txPr/>
-    <dgm:style>
-      <a:lnRef idx="2">
-        <a:scrgbClr r="0" g="0" b="0"/>
-      </a:lnRef>
-      <a:fillRef idx="1">
-        <a:scrgbClr r="0" g="0" b="0"/>
-      </a:fillRef>
-      <a:effectRef idx="0">
-        <a:scrgbClr r="0" g="0" b="0"/>
-      </a:effectRef>
-      <a:fontRef idx="minor"/>
-    </dgm:style>
-  </dgm:styleLbl>
-  <dgm:styleLbl name="bgShp">
-    <dgm:scene3d>
-      <a:camera prst="orthographicFront"/>
-      <a:lightRig rig="threePt" dir="t"/>
-    </dgm:scene3d>
-    <dgm:sp3d/>
-    <dgm:txPr/>
-    <dgm:style>
-      <a:lnRef idx="0">
-        <a:scrgbClr r="0" g="0" b="0"/>
-      </a:lnRef>
-      <a:fillRef idx="1">
-        <a:scrgbClr r="0" g="0" b="0"/>
-      </a:fillRef>
-      <a:effectRef idx="0">
-        <a:scrgbClr r="0" g="0" b="0"/>
-      </a:effectRef>
-      <a:fontRef idx="minor"/>
-    </dgm:style>
-  </dgm:styleLbl>
-  <dgm:styleLbl name="dkBgShp">
-    <dgm:scene3d>
-      <a:camera prst="orthographicFront"/>
-      <a:lightRig rig="threePt" dir="t"/>
-    </dgm:scene3d>
-    <dgm:sp3d/>
-    <dgm:txPr/>
-    <dgm:style>
-      <a:lnRef idx="0">
-        <a:scrgbClr r="0" g="0" b="0"/>
-      </a:lnRef>
-      <a:fillRef idx="1">
-        <a:scrgbClr r="0" g="0" b="0"/>
-      </a:fillRef>
-      <a:effectRef idx="0">
-        <a:scrgbClr r="0" g="0" b="0"/>
-      </a:effectRef>
-      <a:fontRef idx="minor"/>
-    </dgm:style>
-  </dgm:styleLbl>
-  <dgm:styleLbl name="trBgShp">
-    <dgm:scene3d>
-      <a:camera prst="orthographicFront"/>
-      <a:lightRig rig="threePt" dir="t"/>
-    </dgm:scene3d>
-    <dgm:sp3d/>
-    <dgm:txPr/>
-    <dgm:style>
-      <a:lnRef idx="0">
-        <a:scrgbClr r="0" g="0" b="0"/>
-      </a:lnRef>
-      <a:fillRef idx="1">
-        <a:scrgbClr r="0" g="0" b="0"/>
-      </a:fillRef>
-      <a:effectRef idx="0">
-        <a:scrgbClr r="0" g="0" b="0"/>
-      </a:effectRef>
-      <a:fontRef idx="minor"/>
-    </dgm:style>
-  </dgm:styleLbl>
-  <dgm:styleLbl name="fgShp">
-    <dgm:scene3d>
-      <a:camera prst="orthographicFront"/>
-      <a:lightRig rig="threePt" dir="t"/>
-    </dgm:scene3d>
-    <dgm:sp3d/>
-    <dgm:txPr/>
-    <dgm:style>
-      <a:lnRef idx="2">
-        <a:scrgbClr r="0" g="0" b="0"/>
-      </a:lnRef>
-      <a:fillRef idx="1">
-        <a:scrgbClr r="0" g="0" b="0"/>
-      </a:fillRef>
-      <a:effectRef idx="0">
-        <a:scrgbClr r="0" g="0" b="0"/>
-      </a:effectRef>
-      <a:fontRef idx="minor"/>
-    </dgm:style>
-  </dgm:styleLbl>
-  <dgm:styleLbl name="revTx">
-    <dgm:scene3d>
-      <a:camera prst="orthographicFront"/>
-      <a:lightRig rig="threePt" dir="t"/>
-    </dgm:scene3d>
-    <dgm:sp3d/>
-    <dgm:txPr/>
-    <dgm:style>
-      <a:lnRef idx="0">
-        <a:scrgbClr r="0" g="0" b="0"/>
-      </a:lnRef>
-      <a:fillRef idx="0">
-        <a:scrgbClr r="0" g="0" b="0"/>
-      </a:fillRef>
-      <a:effectRef idx="0">
-        <a:scrgbClr r="0" g="0" b="0"/>
-      </a:effectRef>
-      <a:fontRef idx="minor"/>
-    </dgm:style>
-  </dgm:styleLbl>
-</dgm:styleDef>
-</file>
-
-<file path=ppt/diagrams/quickStyle6.xml><?xml version="1.0" encoding="utf-8"?>
 <dgm:styleDef xmlns:dgm="http://schemas.openxmlformats.org/drawingml/2006/diagram" xmlns:a="http://schemas.openxmlformats.org/drawingml/2006/main" uniqueId="urn:microsoft.com/office/officeart/2005/8/quickstyle/simple1">
   <dgm:title val=""/>
   <dgm:desc val=""/>
@@ -13764,7 +11538,8 @@
           <a:p>
             <a:fld id="{6291F918-ADAE-4016-BBB0-87DF03E1E3C3}" type="datetimeFigureOut">
               <a:rPr lang="en-US" smtClean="0"/>
-              <a:t>1/19/2019</a:t>
+              <a:pPr/>
+              <a:t>1/23/2019</a:t>
             </a:fld>
             <a:endParaRPr lang="en-US"/>
           </a:p>
@@ -13806,6 +11581,7 @@
           <a:p>
             <a:fld id="{7109C97E-6B8D-405D-8A4B-EBA3C41A5DC9}" type="slidenum">
               <a:rPr lang="en-US" smtClean="0"/>
+              <a:pPr/>
               <a:t>‹#›</a:t>
             </a:fld>
             <a:endParaRPr lang="en-US"/>
@@ -13815,7 +11591,7 @@
     </p:spTree>
     <p:extLst>
       <p:ext uri="{BB962C8B-B14F-4D97-AF65-F5344CB8AC3E}">
-        <p14:creationId xmlns:p14="http://schemas.microsoft.com/office/powerpoint/2010/main" val="152911770"/>
+        <p14:creationId xmlns:p14="http://schemas.microsoft.com/office/powerpoint/2010/main" val="1644374252"/>
       </p:ext>
     </p:extLst>
   </p:cSld>
@@ -14039,7 +11815,8 @@
           <a:p>
             <a:fld id="{6291F918-ADAE-4016-BBB0-87DF03E1E3C3}" type="datetimeFigureOut">
               <a:rPr lang="en-US" smtClean="0"/>
-              <a:t>1/19/2019</a:t>
+              <a:pPr/>
+              <a:t>1/23/2019</a:t>
             </a:fld>
             <a:endParaRPr lang="en-US"/>
           </a:p>
@@ -14081,6 +11858,7 @@
           <a:p>
             <a:fld id="{7109C97E-6B8D-405D-8A4B-EBA3C41A5DC9}" type="slidenum">
               <a:rPr lang="en-US" smtClean="0"/>
+              <a:pPr/>
               <a:t>‹#›</a:t>
             </a:fld>
             <a:endParaRPr lang="en-US"/>
@@ -14090,7 +11868,7 @@
     </p:spTree>
     <p:extLst>
       <p:ext uri="{BB962C8B-B14F-4D97-AF65-F5344CB8AC3E}">
-        <p14:creationId xmlns:p14="http://schemas.microsoft.com/office/powerpoint/2010/main" val="3428709455"/>
+        <p14:creationId xmlns:p14="http://schemas.microsoft.com/office/powerpoint/2010/main" val="353661197"/>
       </p:ext>
     </p:extLst>
   </p:cSld>
@@ -14233,7 +12011,8 @@
           <a:p>
             <a:fld id="{6291F918-ADAE-4016-BBB0-87DF03E1E3C3}" type="datetimeFigureOut">
               <a:rPr lang="en-US" smtClean="0"/>
-              <a:t>1/19/2019</a:t>
+              <a:pPr/>
+              <a:t>1/23/2019</a:t>
             </a:fld>
             <a:endParaRPr lang="en-US"/>
           </a:p>
@@ -14275,6 +12054,7 @@
           <a:p>
             <a:fld id="{7109C97E-6B8D-405D-8A4B-EBA3C41A5DC9}" type="slidenum">
               <a:rPr lang="en-US" smtClean="0"/>
+              <a:pPr/>
               <a:t>‹#›</a:t>
             </a:fld>
             <a:endParaRPr lang="en-US"/>
@@ -14284,7 +12064,7 @@
     </p:spTree>
     <p:extLst>
       <p:ext uri="{BB962C8B-B14F-4D97-AF65-F5344CB8AC3E}">
-        <p14:creationId xmlns:p14="http://schemas.microsoft.com/office/powerpoint/2010/main" val="1509319465"/>
+        <p14:creationId xmlns:p14="http://schemas.microsoft.com/office/powerpoint/2010/main" val="3271543371"/>
       </p:ext>
     </p:extLst>
   </p:cSld>
@@ -14506,7 +12286,8 @@
           <a:p>
             <a:fld id="{6291F918-ADAE-4016-BBB0-87DF03E1E3C3}" type="datetimeFigureOut">
               <a:rPr lang="en-US" smtClean="0"/>
-              <a:t>1/19/2019</a:t>
+              <a:pPr/>
+              <a:t>1/23/2019</a:t>
             </a:fld>
             <a:endParaRPr lang="en-US"/>
           </a:p>
@@ -14548,6 +12329,7 @@
           <a:p>
             <a:fld id="{7109C97E-6B8D-405D-8A4B-EBA3C41A5DC9}" type="slidenum">
               <a:rPr lang="en-US" smtClean="0"/>
+              <a:pPr/>
               <a:t>‹#›</a:t>
             </a:fld>
             <a:endParaRPr lang="en-US"/>
@@ -14651,7 +12433,7 @@
     </p:spTree>
     <p:extLst>
       <p:ext uri="{BB962C8B-B14F-4D97-AF65-F5344CB8AC3E}">
-        <p14:creationId xmlns:p14="http://schemas.microsoft.com/office/powerpoint/2010/main" val="2924062299"/>
+        <p14:creationId xmlns:p14="http://schemas.microsoft.com/office/powerpoint/2010/main" val="479240877"/>
       </p:ext>
     </p:extLst>
   </p:cSld>
@@ -14847,7 +12629,8 @@
           <a:p>
             <a:fld id="{6291F918-ADAE-4016-BBB0-87DF03E1E3C3}" type="datetimeFigureOut">
               <a:rPr lang="en-US" smtClean="0"/>
-              <a:t>1/19/2019</a:t>
+              <a:pPr/>
+              <a:t>1/23/2019</a:t>
             </a:fld>
             <a:endParaRPr lang="en-US"/>
           </a:p>
@@ -14889,6 +12672,7 @@
           <a:p>
             <a:fld id="{7109C97E-6B8D-405D-8A4B-EBA3C41A5DC9}" type="slidenum">
               <a:rPr lang="en-US" smtClean="0"/>
+              <a:pPr/>
               <a:t>‹#›</a:t>
             </a:fld>
             <a:endParaRPr lang="en-US"/>
@@ -14898,7 +12682,7 @@
     </p:spTree>
     <p:extLst>
       <p:ext uri="{BB962C8B-B14F-4D97-AF65-F5344CB8AC3E}">
-        <p14:creationId xmlns:p14="http://schemas.microsoft.com/office/powerpoint/2010/main" val="4257264810"/>
+        <p14:creationId xmlns:p14="http://schemas.microsoft.com/office/powerpoint/2010/main" val="1463327330"/>
       </p:ext>
     </p:extLst>
   </p:cSld>
@@ -15470,7 +13254,8 @@
           <a:p>
             <a:fld id="{6291F918-ADAE-4016-BBB0-87DF03E1E3C3}" type="datetimeFigureOut">
               <a:rPr lang="en-US" smtClean="0"/>
-              <a:t>1/19/2019</a:t>
+              <a:pPr/>
+              <a:t>1/23/2019</a:t>
             </a:fld>
             <a:endParaRPr lang="en-US"/>
           </a:p>
@@ -15512,6 +13297,7 @@
           <a:p>
             <a:fld id="{7109C97E-6B8D-405D-8A4B-EBA3C41A5DC9}" type="slidenum">
               <a:rPr lang="en-US" smtClean="0"/>
+              <a:pPr/>
               <a:t>‹#›</a:t>
             </a:fld>
             <a:endParaRPr lang="en-US"/>
@@ -15521,7 +13307,7 @@
     </p:spTree>
     <p:extLst>
       <p:ext uri="{BB962C8B-B14F-4D97-AF65-F5344CB8AC3E}">
-        <p14:creationId xmlns:p14="http://schemas.microsoft.com/office/powerpoint/2010/main" val="707355317"/>
+        <p14:creationId xmlns:p14="http://schemas.microsoft.com/office/powerpoint/2010/main" val="2193072928"/>
       </p:ext>
     </p:extLst>
   </p:cSld>
@@ -16330,7 +14116,8 @@
           <a:p>
             <a:fld id="{6291F918-ADAE-4016-BBB0-87DF03E1E3C3}" type="datetimeFigureOut">
               <a:rPr lang="en-US" smtClean="0"/>
-              <a:t>1/19/2019</a:t>
+              <a:pPr/>
+              <a:t>1/23/2019</a:t>
             </a:fld>
             <a:endParaRPr lang="en-US"/>
           </a:p>
@@ -16372,6 +14159,7 @@
           <a:p>
             <a:fld id="{7109C97E-6B8D-405D-8A4B-EBA3C41A5DC9}" type="slidenum">
               <a:rPr lang="en-US" smtClean="0"/>
+              <a:pPr/>
               <a:t>‹#›</a:t>
             </a:fld>
             <a:endParaRPr lang="en-US"/>
@@ -16381,7 +14169,7 @@
     </p:spTree>
     <p:extLst>
       <p:ext uri="{BB962C8B-B14F-4D97-AF65-F5344CB8AC3E}">
-        <p14:creationId xmlns:p14="http://schemas.microsoft.com/office/powerpoint/2010/main" val="1663257449"/>
+        <p14:creationId xmlns:p14="http://schemas.microsoft.com/office/powerpoint/2010/main" val="2939047883"/>
       </p:ext>
     </p:extLst>
   </p:cSld>
@@ -16500,7 +14288,8 @@
           <a:p>
             <a:fld id="{6291F918-ADAE-4016-BBB0-87DF03E1E3C3}" type="datetimeFigureOut">
               <a:rPr lang="en-US" smtClean="0"/>
-              <a:t>1/19/2019</a:t>
+              <a:pPr/>
+              <a:t>1/23/2019</a:t>
             </a:fld>
             <a:endParaRPr lang="en-US"/>
           </a:p>
@@ -16542,6 +14331,7 @@
           <a:p>
             <a:fld id="{7109C97E-6B8D-405D-8A4B-EBA3C41A5DC9}" type="slidenum">
               <a:rPr lang="en-US" smtClean="0"/>
+              <a:pPr/>
               <a:t>‹#›</a:t>
             </a:fld>
             <a:endParaRPr lang="en-US"/>
@@ -16551,7 +14341,7 @@
     </p:spTree>
     <p:extLst>
       <p:ext uri="{BB962C8B-B14F-4D97-AF65-F5344CB8AC3E}">
-        <p14:creationId xmlns:p14="http://schemas.microsoft.com/office/powerpoint/2010/main" val="1252438935"/>
+        <p14:creationId xmlns:p14="http://schemas.microsoft.com/office/powerpoint/2010/main" val="913474798"/>
       </p:ext>
     </p:extLst>
   </p:cSld>
@@ -16680,7 +14470,8 @@
           <a:p>
             <a:fld id="{6291F918-ADAE-4016-BBB0-87DF03E1E3C3}" type="datetimeFigureOut">
               <a:rPr lang="en-US" smtClean="0"/>
-              <a:t>1/19/2019</a:t>
+              <a:pPr/>
+              <a:t>1/23/2019</a:t>
             </a:fld>
             <a:endParaRPr lang="en-US"/>
           </a:p>
@@ -16722,6 +14513,7 @@
           <a:p>
             <a:fld id="{7109C97E-6B8D-405D-8A4B-EBA3C41A5DC9}" type="slidenum">
               <a:rPr lang="en-US" smtClean="0"/>
+              <a:pPr/>
               <a:t>‹#›</a:t>
             </a:fld>
             <a:endParaRPr lang="en-US"/>
@@ -16731,7 +14523,7 @@
     </p:spTree>
     <p:extLst>
       <p:ext uri="{BB962C8B-B14F-4D97-AF65-F5344CB8AC3E}">
-        <p14:creationId xmlns:p14="http://schemas.microsoft.com/office/powerpoint/2010/main" val="4159784882"/>
+        <p14:creationId xmlns:p14="http://schemas.microsoft.com/office/powerpoint/2010/main" val="1199976277"/>
       </p:ext>
     </p:extLst>
   </p:cSld>
@@ -16850,7 +14642,8 @@
           <a:p>
             <a:fld id="{6291F918-ADAE-4016-BBB0-87DF03E1E3C3}" type="datetimeFigureOut">
               <a:rPr lang="en-US" smtClean="0"/>
-              <a:t>1/19/2019</a:t>
+              <a:pPr/>
+              <a:t>1/23/2019</a:t>
             </a:fld>
             <a:endParaRPr lang="en-US"/>
           </a:p>
@@ -16892,6 +14685,7 @@
           <a:p>
             <a:fld id="{7109C97E-6B8D-405D-8A4B-EBA3C41A5DC9}" type="slidenum">
               <a:rPr lang="en-US" smtClean="0"/>
+              <a:pPr/>
               <a:t>‹#›</a:t>
             </a:fld>
             <a:endParaRPr lang="en-US"/>
@@ -16901,7 +14695,7 @@
     </p:spTree>
     <p:extLst>
       <p:ext uri="{BB962C8B-B14F-4D97-AF65-F5344CB8AC3E}">
-        <p14:creationId xmlns:p14="http://schemas.microsoft.com/office/powerpoint/2010/main" val="876245668"/>
+        <p14:creationId xmlns:p14="http://schemas.microsoft.com/office/powerpoint/2010/main" val="2630776761"/>
       </p:ext>
     </p:extLst>
   </p:cSld>
@@ -17097,7 +14891,8 @@
           <a:p>
             <a:fld id="{6291F918-ADAE-4016-BBB0-87DF03E1E3C3}" type="datetimeFigureOut">
               <a:rPr lang="en-US" smtClean="0"/>
-              <a:t>1/19/2019</a:t>
+              <a:pPr/>
+              <a:t>1/23/2019</a:t>
             </a:fld>
             <a:endParaRPr lang="en-US"/>
           </a:p>
@@ -17139,6 +14934,7 @@
           <a:p>
             <a:fld id="{7109C97E-6B8D-405D-8A4B-EBA3C41A5DC9}" type="slidenum">
               <a:rPr lang="en-US" smtClean="0"/>
+              <a:pPr/>
               <a:t>‹#›</a:t>
             </a:fld>
             <a:endParaRPr lang="en-US"/>
@@ -17148,7 +14944,7 @@
     </p:spTree>
     <p:extLst>
       <p:ext uri="{BB962C8B-B14F-4D97-AF65-F5344CB8AC3E}">
-        <p14:creationId xmlns:p14="http://schemas.microsoft.com/office/powerpoint/2010/main" val="749910834"/>
+        <p14:creationId xmlns:p14="http://schemas.microsoft.com/office/powerpoint/2010/main" val="3777864376"/>
       </p:ext>
     </p:extLst>
   </p:cSld>
@@ -17389,7 +15185,8 @@
           <a:p>
             <a:fld id="{6291F918-ADAE-4016-BBB0-87DF03E1E3C3}" type="datetimeFigureOut">
               <a:rPr lang="en-US" smtClean="0"/>
-              <a:t>1/19/2019</a:t>
+              <a:pPr/>
+              <a:t>1/23/2019</a:t>
             </a:fld>
             <a:endParaRPr lang="en-US"/>
           </a:p>
@@ -17431,6 +15228,7 @@
           <a:p>
             <a:fld id="{7109C97E-6B8D-405D-8A4B-EBA3C41A5DC9}" type="slidenum">
               <a:rPr lang="en-US" smtClean="0"/>
+              <a:pPr/>
               <a:t>‹#›</a:t>
             </a:fld>
             <a:endParaRPr lang="en-US"/>
@@ -17440,7 +15238,7 @@
     </p:spTree>
     <p:extLst>
       <p:ext uri="{BB962C8B-B14F-4D97-AF65-F5344CB8AC3E}">
-        <p14:creationId xmlns:p14="http://schemas.microsoft.com/office/powerpoint/2010/main" val="819835103"/>
+        <p14:creationId xmlns:p14="http://schemas.microsoft.com/office/powerpoint/2010/main" val="1214115983"/>
       </p:ext>
     </p:extLst>
   </p:cSld>
@@ -17833,7 +15631,8 @@
           <a:p>
             <a:fld id="{6291F918-ADAE-4016-BBB0-87DF03E1E3C3}" type="datetimeFigureOut">
               <a:rPr lang="en-US" smtClean="0"/>
-              <a:t>1/19/2019</a:t>
+              <a:pPr/>
+              <a:t>1/23/2019</a:t>
             </a:fld>
             <a:endParaRPr lang="en-US"/>
           </a:p>
@@ -17875,6 +15674,7 @@
           <a:p>
             <a:fld id="{7109C97E-6B8D-405D-8A4B-EBA3C41A5DC9}" type="slidenum">
               <a:rPr lang="en-US" smtClean="0"/>
+              <a:pPr/>
               <a:t>‹#›</a:t>
             </a:fld>
             <a:endParaRPr lang="en-US"/>
@@ -17884,7 +15684,7 @@
     </p:spTree>
     <p:extLst>
       <p:ext uri="{BB962C8B-B14F-4D97-AF65-F5344CB8AC3E}">
-        <p14:creationId xmlns:p14="http://schemas.microsoft.com/office/powerpoint/2010/main" val="3232536938"/>
+        <p14:creationId xmlns:p14="http://schemas.microsoft.com/office/powerpoint/2010/main" val="1967301133"/>
       </p:ext>
     </p:extLst>
   </p:cSld>
@@ -17951,7 +15751,8 @@
           <a:p>
             <a:fld id="{6291F918-ADAE-4016-BBB0-87DF03E1E3C3}" type="datetimeFigureOut">
               <a:rPr lang="en-US" smtClean="0"/>
-              <a:t>1/19/2019</a:t>
+              <a:pPr/>
+              <a:t>1/23/2019</a:t>
             </a:fld>
             <a:endParaRPr lang="en-US"/>
           </a:p>
@@ -17993,6 +15794,7 @@
           <a:p>
             <a:fld id="{7109C97E-6B8D-405D-8A4B-EBA3C41A5DC9}" type="slidenum">
               <a:rPr lang="en-US" smtClean="0"/>
+              <a:pPr/>
               <a:t>‹#›</a:t>
             </a:fld>
             <a:endParaRPr lang="en-US"/>
@@ -18002,7 +15804,7 @@
     </p:spTree>
     <p:extLst>
       <p:ext uri="{BB962C8B-B14F-4D97-AF65-F5344CB8AC3E}">
-        <p14:creationId xmlns:p14="http://schemas.microsoft.com/office/powerpoint/2010/main" val="1946693164"/>
+        <p14:creationId xmlns:p14="http://schemas.microsoft.com/office/powerpoint/2010/main" val="2582757225"/>
       </p:ext>
     </p:extLst>
   </p:cSld>
@@ -18046,7 +15848,8 @@
           <a:p>
             <a:fld id="{6291F918-ADAE-4016-BBB0-87DF03E1E3C3}" type="datetimeFigureOut">
               <a:rPr lang="en-US" smtClean="0"/>
-              <a:t>1/19/2019</a:t>
+              <a:pPr/>
+              <a:t>1/23/2019</a:t>
             </a:fld>
             <a:endParaRPr lang="en-US"/>
           </a:p>
@@ -18088,6 +15891,7 @@
           <a:p>
             <a:fld id="{7109C97E-6B8D-405D-8A4B-EBA3C41A5DC9}" type="slidenum">
               <a:rPr lang="en-US" smtClean="0"/>
+              <a:pPr/>
               <a:t>‹#›</a:t>
             </a:fld>
             <a:endParaRPr lang="en-US"/>
@@ -18097,7 +15901,7 @@
     </p:spTree>
     <p:extLst>
       <p:ext uri="{BB962C8B-B14F-4D97-AF65-F5344CB8AC3E}">
-        <p14:creationId xmlns:p14="http://schemas.microsoft.com/office/powerpoint/2010/main" val="3418868377"/>
+        <p14:creationId xmlns:p14="http://schemas.microsoft.com/office/powerpoint/2010/main" val="2814724656"/>
       </p:ext>
     </p:extLst>
   </p:cSld>
@@ -18325,7 +16129,8 @@
           <a:p>
             <a:fld id="{6291F918-ADAE-4016-BBB0-87DF03E1E3C3}" type="datetimeFigureOut">
               <a:rPr lang="en-US" smtClean="0"/>
-              <a:t>1/19/2019</a:t>
+              <a:pPr/>
+              <a:t>1/23/2019</a:t>
             </a:fld>
             <a:endParaRPr lang="en-US"/>
           </a:p>
@@ -18367,6 +16172,7 @@
           <a:p>
             <a:fld id="{7109C97E-6B8D-405D-8A4B-EBA3C41A5DC9}" type="slidenum">
               <a:rPr lang="en-US" smtClean="0"/>
+              <a:pPr/>
               <a:t>‹#›</a:t>
             </a:fld>
             <a:endParaRPr lang="en-US"/>
@@ -18376,7 +16182,7 @@
     </p:spTree>
     <p:extLst>
       <p:ext uri="{BB962C8B-B14F-4D97-AF65-F5344CB8AC3E}">
-        <p14:creationId xmlns:p14="http://schemas.microsoft.com/office/powerpoint/2010/main" val="3881078750"/>
+        <p14:creationId xmlns:p14="http://schemas.microsoft.com/office/powerpoint/2010/main" val="1290257553"/>
       </p:ext>
     </p:extLst>
   </p:cSld>
@@ -18600,7 +16406,8 @@
           <a:p>
             <a:fld id="{6291F918-ADAE-4016-BBB0-87DF03E1E3C3}" type="datetimeFigureOut">
               <a:rPr lang="en-US" smtClean="0"/>
-              <a:t>1/19/2019</a:t>
+              <a:pPr/>
+              <a:t>1/23/2019</a:t>
             </a:fld>
             <a:endParaRPr lang="en-US"/>
           </a:p>
@@ -18642,6 +16449,7 @@
           <a:p>
             <a:fld id="{7109C97E-6B8D-405D-8A4B-EBA3C41A5DC9}" type="slidenum">
               <a:rPr lang="en-US" smtClean="0"/>
+              <a:pPr/>
               <a:t>‹#›</a:t>
             </a:fld>
             <a:endParaRPr lang="en-US"/>
@@ -18651,7 +16459,7 @@
     </p:spTree>
     <p:extLst>
       <p:ext uri="{BB962C8B-B14F-4D97-AF65-F5344CB8AC3E}">
-        <p14:creationId xmlns:p14="http://schemas.microsoft.com/office/powerpoint/2010/main" val="1251140573"/>
+        <p14:creationId xmlns:p14="http://schemas.microsoft.com/office/powerpoint/2010/main" val="2969342720"/>
       </p:ext>
     </p:extLst>
   </p:cSld>
@@ -19029,7 +16837,8 @@
           <a:p>
             <a:fld id="{6291F918-ADAE-4016-BBB0-87DF03E1E3C3}" type="datetimeFigureOut">
               <a:rPr lang="en-US" smtClean="0"/>
-              <a:t>1/19/2019</a:t>
+              <a:pPr/>
+              <a:t>1/23/2019</a:t>
             </a:fld>
             <a:endParaRPr lang="en-US"/>
           </a:p>
@@ -19108,6 +16917,7 @@
           <a:p>
             <a:fld id="{7109C97E-6B8D-405D-8A4B-EBA3C41A5DC9}" type="slidenum">
               <a:rPr lang="en-US" smtClean="0"/>
+              <a:pPr/>
               <a:t>‹#›</a:t>
             </a:fld>
             <a:endParaRPr lang="en-US"/>
@@ -19117,29 +16927,29 @@
     </p:spTree>
     <p:extLst>
       <p:ext uri="{BB962C8B-B14F-4D97-AF65-F5344CB8AC3E}">
-        <p14:creationId xmlns:p14="http://schemas.microsoft.com/office/powerpoint/2010/main" val="178378364"/>
+        <p14:creationId xmlns:p14="http://schemas.microsoft.com/office/powerpoint/2010/main" val="704376907"/>
       </p:ext>
     </p:extLst>
   </p:cSld>
   <p:clrMap bg1="dk1" tx1="lt1" bg2="dk2" tx2="lt2" accent1="accent1" accent2="accent2" accent3="accent3" accent4="accent4" accent5="accent5" accent6="accent6" hlink="hlink" folHlink="folHlink"/>
   <p:sldLayoutIdLst>
-    <p:sldLayoutId id="2147483870" r:id="rId1"/>
-    <p:sldLayoutId id="2147483871" r:id="rId2"/>
-    <p:sldLayoutId id="2147483872" r:id="rId3"/>
-    <p:sldLayoutId id="2147483873" r:id="rId4"/>
-    <p:sldLayoutId id="2147483874" r:id="rId5"/>
-    <p:sldLayoutId id="2147483875" r:id="rId6"/>
-    <p:sldLayoutId id="2147483876" r:id="rId7"/>
-    <p:sldLayoutId id="2147483877" r:id="rId8"/>
-    <p:sldLayoutId id="2147483878" r:id="rId9"/>
-    <p:sldLayoutId id="2147483879" r:id="rId10"/>
-    <p:sldLayoutId id="2147483880" r:id="rId11"/>
-    <p:sldLayoutId id="2147483881" r:id="rId12"/>
-    <p:sldLayoutId id="2147483882" r:id="rId13"/>
-    <p:sldLayoutId id="2147483883" r:id="rId14"/>
-    <p:sldLayoutId id="2147483884" r:id="rId15"/>
-    <p:sldLayoutId id="2147483885" r:id="rId16"/>
-    <p:sldLayoutId id="2147483886" r:id="rId17"/>
+    <p:sldLayoutId id="2147483905" r:id="rId1"/>
+    <p:sldLayoutId id="2147483906" r:id="rId2"/>
+    <p:sldLayoutId id="2147483907" r:id="rId3"/>
+    <p:sldLayoutId id="2147483908" r:id="rId4"/>
+    <p:sldLayoutId id="2147483909" r:id="rId5"/>
+    <p:sldLayoutId id="2147483910" r:id="rId6"/>
+    <p:sldLayoutId id="2147483911" r:id="rId7"/>
+    <p:sldLayoutId id="2147483912" r:id="rId8"/>
+    <p:sldLayoutId id="2147483913" r:id="rId9"/>
+    <p:sldLayoutId id="2147483914" r:id="rId10"/>
+    <p:sldLayoutId id="2147483915" r:id="rId11"/>
+    <p:sldLayoutId id="2147483916" r:id="rId12"/>
+    <p:sldLayoutId id="2147483917" r:id="rId13"/>
+    <p:sldLayoutId id="2147483918" r:id="rId14"/>
+    <p:sldLayoutId id="2147483919" r:id="rId15"/>
+    <p:sldLayoutId id="2147483920" r:id="rId16"/>
+    <p:sldLayoutId id="2147483921" r:id="rId17"/>
   </p:sldLayoutIdLst>
   <p:txStyles>
     <p:titleStyle>
@@ -19686,6 +17496,126 @@
 <file path=ppt/slides/slide2.xml><?xml version="1.0" encoding="utf-8"?>
 <p:sld xmlns:a="http://schemas.openxmlformats.org/drawingml/2006/main" xmlns:r="http://schemas.openxmlformats.org/officeDocument/2006/relationships" xmlns:p="http://schemas.openxmlformats.org/presentationml/2006/main">
   <p:cSld>
+    <p:bg>
+      <p:bgPr>
+        <a:gradFill rotWithShape="1">
+          <a:gsLst>
+            <a:gs pos="0">
+              <a:schemeClr val="bg2">
+                <a:tint val="97000"/>
+                <a:hueMod val="88000"/>
+                <a:satMod val="130000"/>
+                <a:lumMod val="124000"/>
+              </a:schemeClr>
+            </a:gs>
+            <a:gs pos="100000">
+              <a:schemeClr val="bg2">
+                <a:tint val="96000"/>
+                <a:shade val="88000"/>
+                <a:hueMod val="108000"/>
+                <a:satMod val="164000"/>
+                <a:lumMod val="76000"/>
+              </a:schemeClr>
+            </a:gs>
+          </a:gsLst>
+          <a:path path="circle">
+            <a:fillToRect l="45000" t="65000" r="125000" b="100000"/>
+          </a:path>
+        </a:gradFill>
+        <a:effectLst/>
+      </p:bgPr>
+    </p:bg>
+    <p:spTree>
+      <p:nvGrpSpPr>
+        <p:cNvPr id="1" name=""/>
+        <p:cNvGrpSpPr/>
+        <p:nvPr/>
+      </p:nvGrpSpPr>
+      <p:grpSpPr>
+        <a:xfrm>
+          <a:off x="0" y="0"/>
+          <a:ext cx="0" cy="0"/>
+          <a:chOff x="0" y="0"/>
+          <a:chExt cx="0" cy="0"/>
+        </a:xfrm>
+      </p:grpSpPr>
+      <p:sp>
+        <p:nvSpPr>
+          <p:cNvPr id="2" name="Title 1">
+            <a:extLst>
+              <a:ext uri="{FF2B5EF4-FFF2-40B4-BE49-F238E27FC236}">
+                <a16:creationId xmlns:a16="http://schemas.microsoft.com/office/drawing/2014/main" id="{BD94731B-73EF-4F4B-AB00-ADF0B8D0F234}"/>
+              </a:ext>
+            </a:extLst>
+          </p:cNvPr>
+          <p:cNvSpPr>
+            <a:spLocks noGrp="1"/>
+          </p:cNvSpPr>
+          <p:nvPr>
+            <p:ph type="title" idx="4294967295"/>
+          </p:nvPr>
+        </p:nvSpPr>
+        <p:spPr>
+          <a:xfrm>
+            <a:off x="0" y="623888"/>
+            <a:ext cx="10261600" cy="3524250"/>
+          </a:xfrm>
+        </p:spPr>
+        <p:txBody>
+          <a:bodyPr vert="horz" lIns="91440" tIns="45720" rIns="91440" bIns="45720" rtlCol="0" anchor="b">
+            <a:normAutofit/>
+          </a:bodyPr>
+          <a:lstStyle/>
+          <a:p>
+            <a:pPr algn="ctr"/>
+            <a:r>
+              <a:rPr lang="en-US" sz="8000" b="0" i="0" kern="1200" dirty="0">
+                <a:solidFill>
+                  <a:srgbClr val="FFFFFF"/>
+                </a:solidFill>
+                <a:latin typeface="+mj-lt"/>
+                <a:ea typeface="+mj-ea"/>
+                <a:cs typeface="+mj-cs"/>
+              </a:rPr>
+              <a:t>DEMO</a:t>
+            </a:r>
+            <a:br>
+              <a:rPr lang="en-US" sz="8000" b="0" i="0" kern="1200" dirty="0">
+                <a:solidFill>
+                  <a:srgbClr val="FFFFFF"/>
+                </a:solidFill>
+                <a:latin typeface="+mj-lt"/>
+                <a:ea typeface="+mj-ea"/>
+                <a:cs typeface="+mj-cs"/>
+              </a:rPr>
+            </a:br>
+            <a:endParaRPr lang="en-US" sz="8000" b="0" i="0" kern="1200" dirty="0">
+              <a:solidFill>
+                <a:srgbClr val="FFFFFF"/>
+              </a:solidFill>
+              <a:latin typeface="+mj-lt"/>
+              <a:ea typeface="+mj-ea"/>
+              <a:cs typeface="+mj-cs"/>
+            </a:endParaRPr>
+          </a:p>
+        </p:txBody>
+      </p:sp>
+    </p:spTree>
+    <p:extLst>
+      <p:ext uri="{BB962C8B-B14F-4D97-AF65-F5344CB8AC3E}">
+        <p14:creationId xmlns:p14="http://schemas.microsoft.com/office/powerpoint/2010/main" val="988911574"/>
+      </p:ext>
+    </p:extLst>
+  </p:cSld>
+  <p:clrMapOvr>
+    <a:overrideClrMapping bg1="lt1" tx1="dk1" bg2="lt2" tx2="dk2" accent1="accent1" accent2="accent2" accent3="accent3" accent4="accent4" accent5="accent5" accent6="accent6" hlink="hlink" folHlink="folHlink"/>
+  </p:clrMapOvr>
+</p:sld>
+</file>
+
+<file path=ppt/slides/slide3.xml><?xml version="1.0" encoding="utf-8"?>
+<p:sld xmlns:a="http://schemas.openxmlformats.org/drawingml/2006/main" xmlns:r="http://schemas.openxmlformats.org/officeDocument/2006/relationships" xmlns:p="http://schemas.openxmlformats.org/presentationml/2006/main">
+  <p:cSld>
     <p:spTree>
       <p:nvGrpSpPr>
         <p:cNvPr id="1" name=""/>
@@ -19746,8 +17676,12 @@
           <a:lstStyle/>
           <a:p>
             <a:r>
+              <a:rPr lang="en-US" dirty="0" err="1"/>
+              <a:t>PicCycler</a:t>
+            </a:r>
+            <a:r>
               <a:rPr lang="en-US" dirty="0"/>
-              <a:t>PicCycler is an online pic and chat service where users post pictures and interact via chat texts. We added a chat box which allows  users to chat commenting about a picture.</a:t>
+              <a:t> is an online pic and chat service where users post pictures and interact via chat texts. We added a chat box which allows  users to chat commenting about a picture.</a:t>
             </a:r>
           </a:p>
           <a:p>
@@ -19759,13 +17693,19 @@
           <a:p>
             <a:r>
               <a:rPr lang="en-US" dirty="0"/>
-              <a:t>Using the same concept as twitter.. Registered users can post pics and chat with  other members.</a:t>
+              <a:t>Using the same concept as twitch.. Registered users can view a live feed of user submitted pictures and chat about them.</a:t>
             </a:r>
           </a:p>
           <a:p>
             <a:r>
               <a:rPr lang="en-US" dirty="0"/>
-              <a:t>Unregistered users can only view a few sample pics. this web service is also mobile responsive</a:t>
+              <a:t>Unregistered users can only view the pictures, they will not be able to chat. </a:t>
+            </a:r>
+          </a:p>
+          <a:p>
+            <a:r>
+              <a:rPr lang="en-US" dirty="0"/>
+              <a:t>This web service is also mobile responsive</a:t>
             </a:r>
           </a:p>
         </p:txBody>
@@ -19783,7 +17723,7 @@
 </p:sld>
 </file>
 
-<file path=ppt/slides/slide3.xml><?xml version="1.0" encoding="utf-8"?>
+<file path=ppt/slides/slide4.xml><?xml version="1.0" encoding="utf-8"?>
 <p:sld xmlns:a="http://schemas.openxmlformats.org/drawingml/2006/main" xmlns:r="http://schemas.openxmlformats.org/officeDocument/2006/relationships" xmlns:p="http://schemas.openxmlformats.org/presentationml/2006/main">
   <p:cSld>
     <p:spTree>
@@ -19800,34 +17740,37 @@
           <a:chExt cx="0" cy="0"/>
         </a:xfrm>
       </p:grpSpPr>
-      <p:graphicFrame>
-        <p:nvGraphicFramePr>
-          <p:cNvPr id="4" name="Diagram 3">
+      <p:sp>
+        <p:nvSpPr>
+          <p:cNvPr id="2" name="Title 1">
             <a:extLst>
               <a:ext uri="{FF2B5EF4-FFF2-40B4-BE49-F238E27FC236}">
-                <a16:creationId xmlns:a16="http://schemas.microsoft.com/office/drawing/2014/main" id="{1AF964E9-481F-4063-AEB7-0940ED853F9C}"/>
+                <a16:creationId xmlns:a16="http://schemas.microsoft.com/office/drawing/2014/main" id="{987885CB-A9CA-4EA0-87C1-DA4BF4729E20}"/>
               </a:ext>
             </a:extLst>
           </p:cNvPr>
-          <p:cNvGraphicFramePr/>
-          <p:nvPr/>
-        </p:nvGraphicFramePr>
-        <p:xfrm>
-          <a:off x="646111" y="452718"/>
-          <a:ext cx="9404723" cy="1400530"/>
-        </p:xfrm>
-        <a:graphic>
-          <a:graphicData uri="http://schemas.openxmlformats.org/drawingml/2006/diagram">
-            <dgm:relIds xmlns:dgm="http://schemas.openxmlformats.org/drawingml/2006/diagram" xmlns:r="http://schemas.openxmlformats.org/officeDocument/2006/relationships" r:dm="rId2" r:lo="rId3" r:qs="rId4" r:cs="rId5"/>
-          </a:graphicData>
-        </a:graphic>
-      </p:graphicFrame>
+          <p:cNvSpPr>
+            <a:spLocks noGrp="1"/>
+          </p:cNvSpPr>
+          <p:nvPr>
+            <p:ph type="title"/>
+          </p:nvPr>
+        </p:nvSpPr>
+        <p:spPr/>
+        <p:txBody>
+          <a:bodyPr/>
+          <a:lstStyle/>
+          <a:p>
+            <a:endParaRPr lang="en-US" dirty="0"/>
+          </a:p>
+        </p:txBody>
+      </p:sp>
       <p:sp>
         <p:nvSpPr>
           <p:cNvPr id="3" name="Content Placeholder 2">
             <a:extLst>
               <a:ext uri="{FF2B5EF4-FFF2-40B4-BE49-F238E27FC236}">
-                <a16:creationId xmlns:a16="http://schemas.microsoft.com/office/drawing/2014/main" id="{F5CE5602-A159-47FA-8653-3466A4325962}"/>
+                <a16:creationId xmlns:a16="http://schemas.microsoft.com/office/drawing/2014/main" id="{8E752C9C-560B-45AA-ADAF-5A54E20390AC}"/>
               </a:ext>
             </a:extLst>
           </p:cNvPr>
@@ -19843,23 +17786,14 @@
           <a:bodyPr/>
           <a:lstStyle/>
           <a:p>
-            <a:r>
-              <a:rPr lang="en-US" dirty="0"/>
-              <a:t>Piccycler vision is to spice peoples lives by allowing them to get online  and post something which they want to and let others comment about also post their ideas.</a:t>
-            </a:r>
-          </a:p>
-          <a:p>
-            <a:r>
-              <a:rPr lang="en-US" dirty="0"/>
-              <a:t>In a nutshell, it enables people to solidify connections by giving people the power to connect, share memories/ experiences via pictures and messages</a:t>
-            </a:r>
+            <a:endParaRPr lang="en-US" dirty="0"/>
           </a:p>
         </p:txBody>
       </p:sp>
     </p:spTree>
     <p:extLst>
       <p:ext uri="{BB962C8B-B14F-4D97-AF65-F5344CB8AC3E}">
-        <p14:creationId xmlns:p14="http://schemas.microsoft.com/office/powerpoint/2010/main" val="3624580197"/>
+        <p14:creationId xmlns:p14="http://schemas.microsoft.com/office/powerpoint/2010/main" val="3742599144"/>
       </p:ext>
     </p:extLst>
   </p:cSld>
@@ -19869,7 +17803,7 @@
 </p:sld>
 </file>
 
-<file path=ppt/slides/slide4.xml><?xml version="1.0" encoding="utf-8"?>
+<file path=ppt/slides/slide5.xml><?xml version="1.0" encoding="utf-8"?>
 <p:sld xmlns:a="http://schemas.openxmlformats.org/drawingml/2006/main" xmlns:r="http://schemas.openxmlformats.org/officeDocument/2006/relationships" xmlns:p="http://schemas.openxmlformats.org/presentationml/2006/main">
   <p:cSld>
     <p:spTree>
@@ -19931,7 +17865,19 @@
           <a:p>
             <a:r>
               <a:rPr lang="en-US" dirty="0"/>
-              <a:t>Wyatt...authorizations and log in page layout...Allan..did the logic, JavaScript...and main html....Kevin with Wyatt and lydia did CSS more html and front end.</a:t>
+              <a:t>Wyatt...authorizations and log in page layout.</a:t>
+            </a:r>
+          </a:p>
+          <a:p>
+            <a:r>
+              <a:rPr lang="en-US" dirty="0"/>
+              <a:t>Allan..did the logic, JavaScript...and main html</a:t>
+            </a:r>
+          </a:p>
+          <a:p>
+            <a:r>
+              <a:rPr lang="en-US" dirty="0"/>
+              <a:t>Kevin with Wyatt and lydia did the front-end: CSS, HTML, Handlebars.</a:t>
             </a:r>
           </a:p>
         </p:txBody>
@@ -19949,7 +17895,7 @@
 </p:sld>
 </file>
 
-<file path=ppt/slides/slide5.xml><?xml version="1.0" encoding="utf-8"?>
+<file path=ppt/slides/slide6.xml><?xml version="1.0" encoding="utf-8"?>
 <p:sld xmlns:a="http://schemas.openxmlformats.org/drawingml/2006/main" xmlns:r="http://schemas.openxmlformats.org/officeDocument/2006/relationships" xmlns:p="http://schemas.openxmlformats.org/presentationml/2006/main">
   <p:cSld>
     <p:spTree>
@@ -20024,9 +17970,52 @@
             </a:r>
           </a:p>
           <a:p>
+            <a:pPr>
+              <a:buNone/>
+            </a:pPr>
             <a:r>
               <a:rPr lang="en-US" dirty="0"/>
-              <a:t>challenges....we had challenges with the author/user authorization but Wyatt was able to figure it out... second was how to do our css lydia and Kevin figured out how to do the path...third challenge was getting the db to work together and having the pictures show up at the same time on every computer no matter where it’s at.. having the chat responding appropriately...team effort...</a:t>
+              <a:t>We had the following challenges: </a:t>
+            </a:r>
+          </a:p>
+          <a:p>
+            <a:pPr>
+              <a:buFont typeface="Wingdings" pitchFamily="2" charset="2"/>
+              <a:buChar char="Ø"/>
+            </a:pPr>
+            <a:r>
+              <a:rPr lang="en-US" dirty="0"/>
+              <a:t>User authorization but Wyatt was able to figure it out.</a:t>
+            </a:r>
+          </a:p>
+          <a:p>
+            <a:pPr>
+              <a:buFont typeface="Wingdings" pitchFamily="2" charset="2"/>
+              <a:buChar char="Ø"/>
+            </a:pPr>
+            <a:r>
+              <a:rPr lang="en-US" dirty="0"/>
+              <a:t>how to do our css lydia and Kevin figured out the path.</a:t>
+            </a:r>
+          </a:p>
+          <a:p>
+            <a:pPr>
+              <a:buFont typeface="Wingdings" pitchFamily="2" charset="2"/>
+              <a:buChar char="Ø"/>
+            </a:pPr>
+            <a:r>
+              <a:rPr lang="en-US" dirty="0"/>
+              <a:t>Getting the db to work together and having the pictures show up at the same time on every computer no matter  the location of the user </a:t>
+            </a:r>
+          </a:p>
+          <a:p>
+            <a:pPr>
+              <a:buFont typeface="Wingdings" pitchFamily="2" charset="2"/>
+              <a:buChar char="Ø"/>
+            </a:pPr>
+            <a:r>
+              <a:rPr lang="en-US" dirty="0"/>
+              <a:t>Having the chat responding appropriately with the correct usernames attached to the correct user.</a:t>
             </a:r>
           </a:p>
         </p:txBody>
@@ -20040,1382 +18029,6 @@
   </p:cSld>
   <p:clrMapOvr>
     <a:masterClrMapping/>
-  </p:clrMapOvr>
-</p:sld>
-</file>
-
-<file path=ppt/slides/slide6.xml><?xml version="1.0" encoding="utf-8"?>
-<p:sld xmlns:a="http://schemas.openxmlformats.org/drawingml/2006/main" xmlns:r="http://schemas.openxmlformats.org/officeDocument/2006/relationships" xmlns:p="http://schemas.openxmlformats.org/presentationml/2006/main">
-  <p:cSld>
-    <p:bg>
-      <p:bgPr>
-        <a:gradFill rotWithShape="1">
-          <a:gsLst>
-            <a:gs pos="0">
-              <a:schemeClr val="bg2">
-                <a:tint val="97000"/>
-                <a:hueMod val="88000"/>
-                <a:satMod val="130000"/>
-                <a:lumMod val="124000"/>
-              </a:schemeClr>
-            </a:gs>
-            <a:gs pos="100000">
-              <a:schemeClr val="bg2">
-                <a:tint val="96000"/>
-                <a:shade val="88000"/>
-                <a:hueMod val="108000"/>
-                <a:satMod val="164000"/>
-                <a:lumMod val="76000"/>
-              </a:schemeClr>
-            </a:gs>
-          </a:gsLst>
-          <a:path path="circle">
-            <a:fillToRect l="45000" t="65000" r="125000" b="100000"/>
-          </a:path>
-        </a:gradFill>
-        <a:effectLst/>
-      </p:bgPr>
-    </p:bg>
-    <p:spTree>
-      <p:nvGrpSpPr>
-        <p:cNvPr id="1" name=""/>
-        <p:cNvGrpSpPr/>
-        <p:nvPr/>
-      </p:nvGrpSpPr>
-      <p:grpSpPr>
-        <a:xfrm>
-          <a:off x="0" y="0"/>
-          <a:ext cx="0" cy="0"/>
-          <a:chOff x="0" y="0"/>
-          <a:chExt cx="0" cy="0"/>
-        </a:xfrm>
-      </p:grpSpPr>
-      <p:pic>
-        <p:nvPicPr>
-          <p:cNvPr id="7" name="Picture 6">
-            <a:extLst>
-              <a:ext uri="{FF2B5EF4-FFF2-40B4-BE49-F238E27FC236}">
-                <a16:creationId xmlns:a16="http://schemas.microsoft.com/office/drawing/2014/main" id="{91B28F63-CF00-448F-B141-FE33C33B1891}"/>
-              </a:ext>
-              <a:ext uri="{C183D7F6-B498-43B3-948B-1728B52AA6E4}">
-                <adec:decorative xmlns:adec="http://schemas.microsoft.com/office/drawing/2017/decorative" val="1"/>
-              </a:ext>
-            </a:extLst>
-          </p:cNvPr>
-          <p:cNvPicPr>
-            <a:picLocks noGrp="1" noRot="1" noChangeAspect="1" noMove="1" noResize="1" noEditPoints="1" noAdjustHandles="1" noChangeArrowheads="1" noChangeShapeType="1" noCrop="1"/>
-          </p:cNvPicPr>
-          <p:nvPr>
-            <p:extLst>
-              <p:ext uri="{386F3935-93C4-4BCD-93E2-E3B085C9AB24}">
-                <p16:designElem xmlns:p16="http://schemas.microsoft.com/office/powerpoint/2015/main" val="1"/>
-              </p:ext>
-            </p:extLst>
-          </p:nvPr>
-        </p:nvPicPr>
-        <p:blipFill rotWithShape="1">
-          <a:blip r:embed="rId2">
-            <a:extLst>
-              <a:ext uri="{28A0092B-C50C-407E-A947-70E740481C1C}">
-                <a14:useLocalDpi xmlns:a14="http://schemas.microsoft.com/office/drawing/2010/main" val="0"/>
-              </a:ext>
-            </a:extLst>
-          </a:blip>
-          <a:srcRect l="3613"/>
-          <a:stretch/>
-        </p:blipFill>
-        <p:spPr>
-          <a:xfrm>
-            <a:off x="0" y="2669685"/>
-            <a:ext cx="4037012" cy="4188315"/>
-          </a:xfrm>
-          <a:prstGeom prst="rect">
-            <a:avLst/>
-          </a:prstGeom>
-        </p:spPr>
-      </p:pic>
-      <p:pic>
-        <p:nvPicPr>
-          <p:cNvPr id="9" name="Picture 8">
-            <a:extLst>
-              <a:ext uri="{FF2B5EF4-FFF2-40B4-BE49-F238E27FC236}">
-                <a16:creationId xmlns:a16="http://schemas.microsoft.com/office/drawing/2014/main" id="{2AE609E2-8522-44E4-9077-980E5BCF3E14}"/>
-              </a:ext>
-              <a:ext uri="{C183D7F6-B498-43B3-948B-1728B52AA6E4}">
-                <adec:decorative xmlns:adec="http://schemas.microsoft.com/office/drawing/2017/decorative" val="1"/>
-              </a:ext>
-            </a:extLst>
-          </p:cNvPr>
-          <p:cNvPicPr>
-            <a:picLocks noGrp="1" noRot="1" noChangeAspect="1" noMove="1" noResize="1" noEditPoints="1" noAdjustHandles="1" noChangeArrowheads="1" noChangeShapeType="1" noCrop="1"/>
-          </p:cNvPicPr>
-          <p:nvPr>
-            <p:extLst>
-              <p:ext uri="{386F3935-93C4-4BCD-93E2-E3B085C9AB24}">
-                <p16:designElem xmlns:p16="http://schemas.microsoft.com/office/powerpoint/2015/main" val="1"/>
-              </p:ext>
-            </p:extLst>
-          </p:nvPr>
-        </p:nvPicPr>
-        <p:blipFill rotWithShape="1">
-          <a:blip r:embed="rId3">
-            <a:extLst>
-              <a:ext uri="{28A0092B-C50C-407E-A947-70E740481C1C}">
-                <a14:useLocalDpi xmlns:a14="http://schemas.microsoft.com/office/drawing/2010/main" val="0"/>
-              </a:ext>
-            </a:extLst>
-          </a:blip>
-          <a:srcRect l="35640"/>
-          <a:stretch/>
-        </p:blipFill>
-        <p:spPr>
-          <a:xfrm>
-            <a:off x="0" y="2892347"/>
-            <a:ext cx="1522412" cy="2365453"/>
-          </a:xfrm>
-          <a:prstGeom prst="rect">
-            <a:avLst/>
-          </a:prstGeom>
-        </p:spPr>
-      </p:pic>
-      <p:sp>
-        <p:nvSpPr>
-          <p:cNvPr id="11" name="Oval 10">
-            <a:extLst>
-              <a:ext uri="{FF2B5EF4-FFF2-40B4-BE49-F238E27FC236}">
-                <a16:creationId xmlns:a16="http://schemas.microsoft.com/office/drawing/2014/main" id="{4FA533C5-33E3-4611-AF9F-72811D8B26A6}"/>
-              </a:ext>
-              <a:ext uri="{C183D7F6-B498-43B3-948B-1728B52AA6E4}">
-                <adec:decorative xmlns:adec="http://schemas.microsoft.com/office/drawing/2017/decorative" val="1"/>
-              </a:ext>
-            </a:extLst>
-          </p:cNvPr>
-          <p:cNvSpPr>
-            <a:spLocks noGrp="1" noRot="1" noChangeAspect="1" noMove="1" noResize="1" noEditPoints="1" noAdjustHandles="1" noChangeArrowheads="1" noChangeShapeType="1" noTextEdit="1"/>
-          </p:cNvSpPr>
-          <p:nvPr>
-            <p:extLst>
-              <p:ext uri="{386F3935-93C4-4BCD-93E2-E3B085C9AB24}">
-                <p16:designElem xmlns:p16="http://schemas.microsoft.com/office/powerpoint/2015/main" val="1"/>
-              </p:ext>
-            </p:extLst>
-          </p:nvPr>
-        </p:nvSpPr>
-        <p:spPr>
-          <a:xfrm>
-            <a:off x="8609012" y="1676400"/>
-            <a:ext cx="2819400" cy="2819400"/>
-          </a:xfrm>
-          <a:prstGeom prst="ellipse">
-            <a:avLst/>
-          </a:prstGeom>
-          <a:gradFill flip="none" rotWithShape="1">
-            <a:gsLst>
-              <a:gs pos="0">
-                <a:schemeClr val="bg2">
-                  <a:lumMod val="60000"/>
-                  <a:lumOff val="40000"/>
-                  <a:alpha val="7000"/>
-                </a:schemeClr>
-              </a:gs>
-              <a:gs pos="69000">
-                <a:schemeClr val="bg2">
-                  <a:lumMod val="60000"/>
-                  <a:lumOff val="40000"/>
-                  <a:alpha val="0"/>
-                </a:schemeClr>
-              </a:gs>
-              <a:gs pos="36000">
-                <a:schemeClr val="bg2">
-                  <a:lumMod val="60000"/>
-                  <a:lumOff val="40000"/>
-                  <a:alpha val="6000"/>
-                </a:schemeClr>
-              </a:gs>
-            </a:gsLst>
-            <a:path path="circle">
-              <a:fillToRect l="50000" t="50000" r="50000" b="50000"/>
-            </a:path>
-            <a:tileRect/>
-          </a:gradFill>
-          <a:ln>
-            <a:noFill/>
-          </a:ln>
-          <a:effectLst/>
-        </p:spPr>
-        <p:style>
-          <a:lnRef idx="1">
-            <a:schemeClr val="accent1"/>
-          </a:lnRef>
-          <a:fillRef idx="3">
-            <a:schemeClr val="accent1"/>
-          </a:fillRef>
-          <a:effectRef idx="2">
-            <a:schemeClr val="accent1"/>
-          </a:effectRef>
-          <a:fontRef idx="minor">
-            <a:schemeClr val="lt1"/>
-          </a:fontRef>
-        </p:style>
-      </p:sp>
-      <p:pic>
-        <p:nvPicPr>
-          <p:cNvPr id="13" name="Picture 12">
-            <a:extLst>
-              <a:ext uri="{FF2B5EF4-FFF2-40B4-BE49-F238E27FC236}">
-                <a16:creationId xmlns:a16="http://schemas.microsoft.com/office/drawing/2014/main" id="{8949AD42-25FD-4C3D-9EEE-B7FEC5809988}"/>
-              </a:ext>
-              <a:ext uri="{C183D7F6-B498-43B3-948B-1728B52AA6E4}">
-                <adec:decorative xmlns:adec="http://schemas.microsoft.com/office/drawing/2017/decorative" val="1"/>
-              </a:ext>
-            </a:extLst>
-          </p:cNvPr>
-          <p:cNvPicPr>
-            <a:picLocks noGrp="1" noRot="1" noChangeAspect="1" noMove="1" noResize="1" noEditPoints="1" noAdjustHandles="1" noChangeArrowheads="1" noChangeShapeType="1" noCrop="1"/>
-          </p:cNvPicPr>
-          <p:nvPr>
-            <p:extLst>
-              <p:ext uri="{386F3935-93C4-4BCD-93E2-E3B085C9AB24}">
-                <p16:designElem xmlns:p16="http://schemas.microsoft.com/office/powerpoint/2015/main" val="1"/>
-              </p:ext>
-            </p:extLst>
-          </p:nvPr>
-        </p:nvPicPr>
-        <p:blipFill rotWithShape="1">
-          <a:blip r:embed="rId4">
-            <a:extLst>
-              <a:ext uri="{28A0092B-C50C-407E-A947-70E740481C1C}">
-                <a14:useLocalDpi xmlns:a14="http://schemas.microsoft.com/office/drawing/2010/main" val="0"/>
-              </a:ext>
-            </a:extLst>
-          </a:blip>
-          <a:srcRect t="28813"/>
-          <a:stretch/>
-        </p:blipFill>
-        <p:spPr>
-          <a:xfrm>
-            <a:off x="7999412" y="0"/>
-            <a:ext cx="1603387" cy="1141407"/>
-          </a:xfrm>
-          <a:prstGeom prst="rect">
-            <a:avLst/>
-          </a:prstGeom>
-        </p:spPr>
-      </p:pic>
-      <p:pic>
-        <p:nvPicPr>
-          <p:cNvPr id="15" name="Picture 14">
-            <a:extLst>
-              <a:ext uri="{FF2B5EF4-FFF2-40B4-BE49-F238E27FC236}">
-                <a16:creationId xmlns:a16="http://schemas.microsoft.com/office/drawing/2014/main" id="{6AC7D913-60B7-4603-881B-831DA5D3A940}"/>
-              </a:ext>
-              <a:ext uri="{C183D7F6-B498-43B3-948B-1728B52AA6E4}">
-                <adec:decorative xmlns:adec="http://schemas.microsoft.com/office/drawing/2017/decorative" val="1"/>
-              </a:ext>
-            </a:extLst>
-          </p:cNvPr>
-          <p:cNvPicPr>
-            <a:picLocks noGrp="1" noRot="1" noChangeAspect="1" noMove="1" noResize="1" noEditPoints="1" noAdjustHandles="1" noChangeArrowheads="1" noChangeShapeType="1" noCrop="1"/>
-          </p:cNvPicPr>
-          <p:nvPr>
-            <p:extLst>
-              <p:ext uri="{386F3935-93C4-4BCD-93E2-E3B085C9AB24}">
-                <p16:designElem xmlns:p16="http://schemas.microsoft.com/office/powerpoint/2015/main" val="1"/>
-              </p:ext>
-            </p:extLst>
-          </p:nvPr>
-        </p:nvPicPr>
-        <p:blipFill rotWithShape="1">
-          <a:blip r:embed="rId5">
-            <a:extLst>
-              <a:ext uri="{28A0092B-C50C-407E-A947-70E740481C1C}">
-                <a14:useLocalDpi xmlns:a14="http://schemas.microsoft.com/office/drawing/2010/main" val="0"/>
-              </a:ext>
-            </a:extLst>
-          </a:blip>
-          <a:srcRect b="23320"/>
-          <a:stretch/>
-        </p:blipFill>
-        <p:spPr>
-          <a:xfrm>
-            <a:off x="8605878" y="6096000"/>
-            <a:ext cx="993734" cy="762000"/>
-          </a:xfrm>
-          <a:prstGeom prst="rect">
-            <a:avLst/>
-          </a:prstGeom>
-        </p:spPr>
-      </p:pic>
-      <p:sp>
-        <p:nvSpPr>
-          <p:cNvPr id="17" name="Rectangle 16">
-            <a:extLst>
-              <a:ext uri="{FF2B5EF4-FFF2-40B4-BE49-F238E27FC236}">
-                <a16:creationId xmlns:a16="http://schemas.microsoft.com/office/drawing/2014/main" id="{87F0FDC4-AD8C-47D9-9131-623C98ADB0AE}"/>
-              </a:ext>
-              <a:ext uri="{C183D7F6-B498-43B3-948B-1728B52AA6E4}">
-                <adec:decorative xmlns:adec="http://schemas.microsoft.com/office/drawing/2017/decorative" val="1"/>
-              </a:ext>
-            </a:extLst>
-          </p:cNvPr>
-          <p:cNvSpPr>
-            <a:spLocks noGrp="1" noRot="1" noChangeAspect="1" noMove="1" noResize="1" noEditPoints="1" noAdjustHandles="1" noChangeArrowheads="1" noChangeShapeType="1" noTextEdit="1"/>
-          </p:cNvSpPr>
-          <p:nvPr>
-            <p:extLst>
-              <p:ext uri="{386F3935-93C4-4BCD-93E2-E3B085C9AB24}">
-                <p16:designElem xmlns:p16="http://schemas.microsoft.com/office/powerpoint/2015/main" val="1"/>
-              </p:ext>
-            </p:extLst>
-          </p:nvPr>
-        </p:nvSpPr>
-        <p:spPr>
-          <a:xfrm>
-            <a:off x="10437812" y="0"/>
-            <a:ext cx="685800" cy="1143000"/>
-          </a:xfrm>
-          <a:prstGeom prst="rect">
-            <a:avLst/>
-          </a:prstGeom>
-          <a:solidFill>
-            <a:schemeClr val="accent1"/>
-          </a:solidFill>
-          <a:ln>
-            <a:noFill/>
-          </a:ln>
-        </p:spPr>
-        <p:style>
-          <a:lnRef idx="1">
-            <a:schemeClr val="accent1"/>
-          </a:lnRef>
-          <a:fillRef idx="3">
-            <a:schemeClr val="accent1"/>
-          </a:fillRef>
-          <a:effectRef idx="2">
-            <a:schemeClr val="accent1"/>
-          </a:effectRef>
-          <a:fontRef idx="minor">
-            <a:schemeClr val="lt1"/>
-          </a:fontRef>
-        </p:style>
-      </p:sp>
-      <p:sp>
-        <p:nvSpPr>
-          <p:cNvPr id="19" name="Rectangle 18">
-            <a:extLst>
-              <a:ext uri="{FF2B5EF4-FFF2-40B4-BE49-F238E27FC236}">
-                <a16:creationId xmlns:a16="http://schemas.microsoft.com/office/drawing/2014/main" id="{C28D0172-F2E0-4763-9C35-F022664959D8}"/>
-              </a:ext>
-              <a:ext uri="{C183D7F6-B498-43B3-948B-1728B52AA6E4}">
-                <adec:decorative xmlns:adec="http://schemas.microsoft.com/office/drawing/2017/decorative" val="1"/>
-              </a:ext>
-            </a:extLst>
-          </p:cNvPr>
-          <p:cNvSpPr>
-            <a:spLocks noGrp="1" noRot="1" noChangeAspect="1" noMove="1" noResize="1" noEditPoints="1" noAdjustHandles="1" noChangeArrowheads="1" noChangeShapeType="1" noTextEdit="1"/>
-          </p:cNvSpPr>
-          <p:nvPr>
-            <p:extLst>
-              <p:ext uri="{386F3935-93C4-4BCD-93E2-E3B085C9AB24}">
-                <p16:designElem xmlns:p16="http://schemas.microsoft.com/office/powerpoint/2015/main" val="1"/>
-              </p:ext>
-            </p:extLst>
-          </p:nvPr>
-        </p:nvSpPr>
-        <p:spPr>
-          <a:xfrm>
-            <a:off x="0" y="-5"/>
-            <a:ext cx="12191695" cy="4730744"/>
-          </a:xfrm>
-          <a:prstGeom prst="rect">
-            <a:avLst/>
-          </a:prstGeom>
-          <a:gradFill flip="none" rotWithShape="1">
-            <a:gsLst>
-              <a:gs pos="0">
-                <a:schemeClr val="accent1">
-                  <a:lumMod val="89000"/>
-                </a:schemeClr>
-              </a:gs>
-              <a:gs pos="23000">
-                <a:schemeClr val="accent1">
-                  <a:lumMod val="89000"/>
-                </a:schemeClr>
-              </a:gs>
-              <a:gs pos="69000">
-                <a:schemeClr val="accent1">
-                  <a:lumMod val="75000"/>
-                </a:schemeClr>
-              </a:gs>
-              <a:gs pos="97000">
-                <a:schemeClr val="accent1">
-                  <a:lumMod val="70000"/>
-                </a:schemeClr>
-              </a:gs>
-            </a:gsLst>
-            <a:path path="circle">
-              <a:fillToRect l="50000" t="50000" r="50000" b="50000"/>
-            </a:path>
-            <a:tileRect/>
-          </a:gradFill>
-          <a:ln>
-            <a:noFill/>
-          </a:ln>
-        </p:spPr>
-        <p:style>
-          <a:lnRef idx="2">
-            <a:schemeClr val="accent1">
-              <a:shade val="50000"/>
-            </a:schemeClr>
-          </a:lnRef>
-          <a:fillRef idx="1">
-            <a:schemeClr val="accent1"/>
-          </a:fillRef>
-          <a:effectRef idx="0">
-            <a:schemeClr val="accent1"/>
-          </a:effectRef>
-          <a:fontRef idx="minor">
-            <a:schemeClr val="lt1"/>
-          </a:fontRef>
-        </p:style>
-        <p:txBody>
-          <a:bodyPr rtlCol="0" anchor="ctr"/>
-          <a:lstStyle/>
-          <a:p>
-            <a:pPr algn="ctr"/>
-            <a:endParaRPr lang="en-US"/>
-          </a:p>
-        </p:txBody>
-      </p:sp>
-      <p:sp>
-        <p:nvSpPr>
-          <p:cNvPr id="21" name="Freeform 16">
-            <a:extLst>
-              <a:ext uri="{FF2B5EF4-FFF2-40B4-BE49-F238E27FC236}">
-                <a16:creationId xmlns:a16="http://schemas.microsoft.com/office/drawing/2014/main" id="{9F2851FB-E841-4509-8A6D-A416376EA380}"/>
-              </a:ext>
-              <a:ext uri="{C183D7F6-B498-43B3-948B-1728B52AA6E4}">
-                <adec:decorative xmlns:adec="http://schemas.microsoft.com/office/drawing/2017/decorative" val="1"/>
-              </a:ext>
-            </a:extLst>
-          </p:cNvPr>
-          <p:cNvSpPr>
-            <a:spLocks noGrp="1" noRot="1" noChangeAspect="1" noMove="1" noResize="1" noEditPoints="1" noAdjustHandles="1" noChangeArrowheads="1" noChangeShapeType="1" noTextEdit="1"/>
-          </p:cNvSpPr>
-          <p:nvPr>
-            <p:extLst>
-              <p:ext uri="{386F3935-93C4-4BCD-93E2-E3B085C9AB24}">
-                <p16:designElem xmlns:p16="http://schemas.microsoft.com/office/powerpoint/2015/main" val="1"/>
-              </p:ext>
-            </p:extLst>
-          </p:nvPr>
-        </p:nvSpPr>
-        <p:spPr>
-          <a:xfrm>
-            <a:off x="8719939" y="3753695"/>
-            <a:ext cx="3472060" cy="825932"/>
-          </a:xfrm>
-          <a:custGeom>
-            <a:avLst/>
-            <a:gdLst>
-              <a:gd name="connsiteX0" fmla="*/ 3470310 w 3472060"/>
-              <a:gd name="connsiteY0" fmla="*/ 0 h 825932"/>
-              <a:gd name="connsiteX1" fmla="*/ 3472060 w 3472060"/>
-              <a:gd name="connsiteY1" fmla="*/ 12850 h 825932"/>
-              <a:gd name="connsiteX2" fmla="*/ 3472060 w 3472060"/>
-              <a:gd name="connsiteY2" fmla="*/ 480529 h 825932"/>
-              <a:gd name="connsiteX3" fmla="*/ 3363699 w 3472060"/>
-              <a:gd name="connsiteY3" fmla="*/ 498471 h 825932"/>
-              <a:gd name="connsiteX4" fmla="*/ 42060 w 3472060"/>
-              <a:gd name="connsiteY4" fmla="*/ 824486 h 825932"/>
-              <a:gd name="connsiteX5" fmla="*/ 0 w 3472060"/>
-              <a:gd name="connsiteY5" fmla="*/ 758452 h 825932"/>
-              <a:gd name="connsiteX6" fmla="*/ 188014 w 3472060"/>
-              <a:gd name="connsiteY6" fmla="*/ 735602 h 825932"/>
-              <a:gd name="connsiteX7" fmla="*/ 284087 w 3472060"/>
-              <a:gd name="connsiteY7" fmla="*/ 722590 h 825932"/>
-              <a:gd name="connsiteX8" fmla="*/ 382288 w 3472060"/>
-              <a:gd name="connsiteY8" fmla="*/ 709392 h 825932"/>
-              <a:gd name="connsiteX9" fmla="*/ 481858 w 3472060"/>
-              <a:gd name="connsiteY9" fmla="*/ 695774 h 825932"/>
-              <a:gd name="connsiteX10" fmla="*/ 581897 w 3472060"/>
-              <a:gd name="connsiteY10" fmla="*/ 680711 h 825932"/>
-              <a:gd name="connsiteX11" fmla="*/ 683670 w 3472060"/>
-              <a:gd name="connsiteY11" fmla="*/ 665256 h 825932"/>
-              <a:gd name="connsiteX12" fmla="*/ 787206 w 3472060"/>
-              <a:gd name="connsiteY12" fmla="*/ 649587 h 825932"/>
-              <a:gd name="connsiteX13" fmla="*/ 892019 w 3472060"/>
-              <a:gd name="connsiteY13" fmla="*/ 632968 h 825932"/>
-              <a:gd name="connsiteX14" fmla="*/ 997620 w 3472060"/>
-              <a:gd name="connsiteY14" fmla="*/ 614667 h 825932"/>
-              <a:gd name="connsiteX15" fmla="*/ 1104727 w 3472060"/>
-              <a:gd name="connsiteY15" fmla="*/ 596741 h 825932"/>
-              <a:gd name="connsiteX16" fmla="*/ 1212669 w 3472060"/>
-              <a:gd name="connsiteY16" fmla="*/ 577397 h 825932"/>
-              <a:gd name="connsiteX17" fmla="*/ 1321506 w 3472060"/>
-              <a:gd name="connsiteY17" fmla="*/ 556988 h 825932"/>
-              <a:gd name="connsiteX18" fmla="*/ 1430709 w 3472060"/>
-              <a:gd name="connsiteY18" fmla="*/ 536607 h 825932"/>
-              <a:gd name="connsiteX19" fmla="*/ 1541050 w 3472060"/>
-              <a:gd name="connsiteY19" fmla="*/ 514481 h 825932"/>
-              <a:gd name="connsiteX20" fmla="*/ 1652805 w 3472060"/>
-              <a:gd name="connsiteY20" fmla="*/ 492202 h 825932"/>
-              <a:gd name="connsiteX21" fmla="*/ 1763708 w 3472060"/>
-              <a:gd name="connsiteY21" fmla="*/ 469161 h 825932"/>
-              <a:gd name="connsiteX22" fmla="*/ 1875795 w 3472060"/>
-              <a:gd name="connsiteY22" fmla="*/ 444641 h 825932"/>
-              <a:gd name="connsiteX23" fmla="*/ 1989128 w 3472060"/>
-              <a:gd name="connsiteY23" fmla="*/ 418995 h 825932"/>
-              <a:gd name="connsiteX24" fmla="*/ 2102476 w 3472060"/>
-              <a:gd name="connsiteY24" fmla="*/ 393438 h 825932"/>
-              <a:gd name="connsiteX25" fmla="*/ 2215549 w 3472060"/>
-              <a:gd name="connsiteY25" fmla="*/ 366291 h 825932"/>
-              <a:gd name="connsiteX26" fmla="*/ 2330490 w 3472060"/>
-              <a:gd name="connsiteY26" fmla="*/ 337455 h 825932"/>
-              <a:gd name="connsiteX27" fmla="*/ 2443333 w 3472060"/>
-              <a:gd name="connsiteY27" fmla="*/ 308983 h 825932"/>
-              <a:gd name="connsiteX28" fmla="*/ 2558014 w 3472060"/>
-              <a:gd name="connsiteY28" fmla="*/ 278646 h 825932"/>
-              <a:gd name="connsiteX29" fmla="*/ 2673621 w 3472060"/>
-              <a:gd name="connsiteY29" fmla="*/ 247421 h 825932"/>
-              <a:gd name="connsiteX30" fmla="*/ 2787008 w 3472060"/>
-              <a:gd name="connsiteY30" fmla="*/ 215853 h 825932"/>
-              <a:gd name="connsiteX31" fmla="*/ 2901442 w 3472060"/>
-              <a:gd name="connsiteY31" fmla="*/ 182011 h 825932"/>
-              <a:gd name="connsiteX32" fmla="*/ 3015722 w 3472060"/>
-              <a:gd name="connsiteY32" fmla="*/ 147286 h 825932"/>
-              <a:gd name="connsiteX33" fmla="*/ 3130018 w 3472060"/>
-              <a:gd name="connsiteY33" fmla="*/ 112649 h 825932"/>
-              <a:gd name="connsiteX34" fmla="*/ 3243551 w 3472060"/>
-              <a:gd name="connsiteY34" fmla="*/ 75688 h 825932"/>
-              <a:gd name="connsiteX35" fmla="*/ 3356992 w 3472060"/>
-              <a:gd name="connsiteY35" fmla="*/ 38197 h 825932"/>
-              <a:gd name="connsiteX36" fmla="*/ 3470310 w 3472060"/>
-              <a:gd name="connsiteY36" fmla="*/ 0 h 825932"/>
-            </a:gdLst>
-            <a:ahLst/>
-            <a:cxnLst>
-              <a:cxn ang="0">
-                <a:pos x="connsiteX0" y="connsiteY0"/>
-              </a:cxn>
-              <a:cxn ang="0">
-                <a:pos x="connsiteX1" y="connsiteY1"/>
-              </a:cxn>
-              <a:cxn ang="0">
-                <a:pos x="connsiteX2" y="connsiteY2"/>
-              </a:cxn>
-              <a:cxn ang="0">
-                <a:pos x="connsiteX3" y="connsiteY3"/>
-              </a:cxn>
-              <a:cxn ang="0">
-                <a:pos x="connsiteX4" y="connsiteY4"/>
-              </a:cxn>
-              <a:cxn ang="0">
-                <a:pos x="connsiteX5" y="connsiteY5"/>
-              </a:cxn>
-              <a:cxn ang="0">
-                <a:pos x="connsiteX6" y="connsiteY6"/>
-              </a:cxn>
-              <a:cxn ang="0">
-                <a:pos x="connsiteX7" y="connsiteY7"/>
-              </a:cxn>
-              <a:cxn ang="0">
-                <a:pos x="connsiteX8" y="connsiteY8"/>
-              </a:cxn>
-              <a:cxn ang="0">
-                <a:pos x="connsiteX9" y="connsiteY9"/>
-              </a:cxn>
-              <a:cxn ang="0">
-                <a:pos x="connsiteX10" y="connsiteY10"/>
-              </a:cxn>
-              <a:cxn ang="0">
-                <a:pos x="connsiteX11" y="connsiteY11"/>
-              </a:cxn>
-              <a:cxn ang="0">
-                <a:pos x="connsiteX12" y="connsiteY12"/>
-              </a:cxn>
-              <a:cxn ang="0">
-                <a:pos x="connsiteX13" y="connsiteY13"/>
-              </a:cxn>
-              <a:cxn ang="0">
-                <a:pos x="connsiteX14" y="connsiteY14"/>
-              </a:cxn>
-              <a:cxn ang="0">
-                <a:pos x="connsiteX15" y="connsiteY15"/>
-              </a:cxn>
-              <a:cxn ang="0">
-                <a:pos x="connsiteX16" y="connsiteY16"/>
-              </a:cxn>
-              <a:cxn ang="0">
-                <a:pos x="connsiteX17" y="connsiteY17"/>
-              </a:cxn>
-              <a:cxn ang="0">
-                <a:pos x="connsiteX18" y="connsiteY18"/>
-              </a:cxn>
-              <a:cxn ang="0">
-                <a:pos x="connsiteX19" y="connsiteY19"/>
-              </a:cxn>
-              <a:cxn ang="0">
-                <a:pos x="connsiteX20" y="connsiteY20"/>
-              </a:cxn>
-              <a:cxn ang="0">
-                <a:pos x="connsiteX21" y="connsiteY21"/>
-              </a:cxn>
-              <a:cxn ang="0">
-                <a:pos x="connsiteX22" y="connsiteY22"/>
-              </a:cxn>
-              <a:cxn ang="0">
-                <a:pos x="connsiteX23" y="connsiteY23"/>
-              </a:cxn>
-              <a:cxn ang="0">
-                <a:pos x="connsiteX24" y="connsiteY24"/>
-              </a:cxn>
-              <a:cxn ang="0">
-                <a:pos x="connsiteX25" y="connsiteY25"/>
-              </a:cxn>
-              <a:cxn ang="0">
-                <a:pos x="connsiteX26" y="connsiteY26"/>
-              </a:cxn>
-              <a:cxn ang="0">
-                <a:pos x="connsiteX27" y="connsiteY27"/>
-              </a:cxn>
-              <a:cxn ang="0">
-                <a:pos x="connsiteX28" y="connsiteY28"/>
-              </a:cxn>
-              <a:cxn ang="0">
-                <a:pos x="connsiteX29" y="connsiteY29"/>
-              </a:cxn>
-              <a:cxn ang="0">
-                <a:pos x="connsiteX30" y="connsiteY30"/>
-              </a:cxn>
-              <a:cxn ang="0">
-                <a:pos x="connsiteX31" y="connsiteY31"/>
-              </a:cxn>
-              <a:cxn ang="0">
-                <a:pos x="connsiteX32" y="connsiteY32"/>
-              </a:cxn>
-              <a:cxn ang="0">
-                <a:pos x="connsiteX33" y="connsiteY33"/>
-              </a:cxn>
-              <a:cxn ang="0">
-                <a:pos x="connsiteX34" y="connsiteY34"/>
-              </a:cxn>
-              <a:cxn ang="0">
-                <a:pos x="connsiteX35" y="connsiteY35"/>
-              </a:cxn>
-              <a:cxn ang="0">
-                <a:pos x="connsiteX36" y="connsiteY36"/>
-              </a:cxn>
-            </a:cxnLst>
-            <a:rect l="l" t="t" r="r" b="b"/>
-            <a:pathLst>
-              <a:path w="3472060" h="825932">
-                <a:moveTo>
-                  <a:pt x="3470310" y="0"/>
-                </a:moveTo>
-                <a:lnTo>
-                  <a:pt x="3472060" y="12850"/>
-                </a:lnTo>
-                <a:lnTo>
-                  <a:pt x="3472060" y="480529"/>
-                </a:lnTo>
-                <a:lnTo>
-                  <a:pt x="3363699" y="498471"/>
-                </a:lnTo>
-                <a:cubicBezTo>
-                  <a:pt x="2435623" y="645518"/>
-                  <a:pt x="603076" y="844866"/>
-                  <a:pt x="42060" y="824486"/>
-                </a:cubicBezTo>
-                <a:cubicBezTo>
-                  <a:pt x="28151" y="802425"/>
-                  <a:pt x="13909" y="780513"/>
-                  <a:pt x="0" y="758452"/>
-                </a:cubicBezTo>
-                <a:lnTo>
-                  <a:pt x="188014" y="735602"/>
-                </a:lnTo>
-                <a:lnTo>
-                  <a:pt x="284087" y="722590"/>
-                </a:lnTo>
-                <a:lnTo>
-                  <a:pt x="382288" y="709392"/>
-                </a:lnTo>
-                <a:lnTo>
-                  <a:pt x="481858" y="695774"/>
-                </a:lnTo>
-                <a:lnTo>
-                  <a:pt x="581897" y="680711"/>
-                </a:lnTo>
-                <a:lnTo>
-                  <a:pt x="683670" y="665256"/>
-                </a:lnTo>
-                <a:lnTo>
-                  <a:pt x="787206" y="649587"/>
-                </a:lnTo>
-                <a:lnTo>
-                  <a:pt x="892019" y="632968"/>
-                </a:lnTo>
-                <a:lnTo>
-                  <a:pt x="997620" y="614667"/>
-                </a:lnTo>
-                <a:lnTo>
-                  <a:pt x="1104727" y="596741"/>
-                </a:lnTo>
-                <a:lnTo>
-                  <a:pt x="1212669" y="577397"/>
-                </a:lnTo>
-                <a:lnTo>
-                  <a:pt x="1321506" y="556988"/>
-                </a:lnTo>
-                <a:lnTo>
-                  <a:pt x="1430709" y="536607"/>
-                </a:lnTo>
-                <a:lnTo>
-                  <a:pt x="1541050" y="514481"/>
-                </a:lnTo>
-                <a:lnTo>
-                  <a:pt x="1652805" y="492202"/>
-                </a:lnTo>
-                <a:lnTo>
-                  <a:pt x="1763708" y="469161"/>
-                </a:lnTo>
-                <a:lnTo>
-                  <a:pt x="1875795" y="444641"/>
-                </a:lnTo>
-                <a:lnTo>
-                  <a:pt x="1989128" y="418995"/>
-                </a:lnTo>
-                <a:lnTo>
-                  <a:pt x="2102476" y="393438"/>
-                </a:lnTo>
-                <a:lnTo>
-                  <a:pt x="2215549" y="366291"/>
-                </a:lnTo>
-                <a:lnTo>
-                  <a:pt x="2330490" y="337455"/>
-                </a:lnTo>
-                <a:lnTo>
-                  <a:pt x="2443333" y="308983"/>
-                </a:lnTo>
-                <a:lnTo>
-                  <a:pt x="2558014" y="278646"/>
-                </a:lnTo>
-                <a:lnTo>
-                  <a:pt x="2673621" y="247421"/>
-                </a:lnTo>
-                <a:lnTo>
-                  <a:pt x="2787008" y="215853"/>
-                </a:lnTo>
-                <a:lnTo>
-                  <a:pt x="2901442" y="182011"/>
-                </a:lnTo>
-                <a:lnTo>
-                  <a:pt x="3015722" y="147286"/>
-                </a:lnTo>
-                <a:lnTo>
-                  <a:pt x="3130018" y="112649"/>
-                </a:lnTo>
-                <a:lnTo>
-                  <a:pt x="3243551" y="75688"/>
-                </a:lnTo>
-                <a:lnTo>
-                  <a:pt x="3356992" y="38197"/>
-                </a:lnTo>
-                <a:lnTo>
-                  <a:pt x="3470310" y="0"/>
-                </a:lnTo>
-                <a:close/>
-              </a:path>
-            </a:pathLst>
-          </a:custGeom>
-          <a:solidFill>
-            <a:schemeClr val="tx1">
-              <a:alpha val="20000"/>
-            </a:schemeClr>
-          </a:solidFill>
-          <a:ln>
-            <a:noFill/>
-          </a:ln>
-        </p:spPr>
-        <p:txBody>
-          <a:bodyPr rtlCol="0" anchor="ctr"/>
-          <a:lstStyle/>
-          <a:p>
-            <a:pPr algn="ctr"/>
-            <a:endParaRPr lang="en-US">
-              <a:solidFill>
-                <a:schemeClr val="tx1"/>
-              </a:solidFill>
-            </a:endParaRPr>
-          </a:p>
-        </p:txBody>
-      </p:sp>
-      <p:sp useBgFill="1">
-        <p:nvSpPr>
-          <p:cNvPr id="23" name="Freeform: Shape 22">
-            <a:extLst>
-              <a:ext uri="{FF2B5EF4-FFF2-40B4-BE49-F238E27FC236}">
-                <a16:creationId xmlns:a16="http://schemas.microsoft.com/office/drawing/2014/main" id="{DF6FB2B2-CE21-407F-B22E-302DADC2C3D3}"/>
-              </a:ext>
-              <a:ext uri="{C183D7F6-B498-43B3-948B-1728B52AA6E4}">
-                <adec:decorative xmlns:adec="http://schemas.microsoft.com/office/drawing/2017/decorative" val="1"/>
-              </a:ext>
-            </a:extLst>
-          </p:cNvPr>
-          <p:cNvSpPr>
-            <a:spLocks noGrp="1" noRot="1" noChangeAspect="1" noMove="1" noResize="1" noEditPoints="1" noAdjustHandles="1" noChangeArrowheads="1" noChangeShapeType="1" noTextEdit="1"/>
-          </p:cNvSpPr>
-          <p:nvPr>
-            <p:extLst>
-              <p:ext uri="{386F3935-93C4-4BCD-93E2-E3B085C9AB24}">
-                <p16:designElem xmlns:p16="http://schemas.microsoft.com/office/powerpoint/2015/main" val="1"/>
-              </p:ext>
-            </p:extLst>
-          </p:nvPr>
-        </p:nvSpPr>
-        <p:spPr>
-          <a:xfrm>
-            <a:off x="0" y="4055533"/>
-            <a:ext cx="12192000" cy="2802467"/>
-          </a:xfrm>
-          <a:custGeom>
-            <a:avLst/>
-            <a:gdLst>
-              <a:gd name="connsiteX0" fmla="*/ 1 w 12192000"/>
-              <a:gd name="connsiteY0" fmla="*/ 0 h 2802467"/>
-              <a:gd name="connsiteX1" fmla="*/ 71932 w 12192000"/>
-              <a:gd name="connsiteY1" fmla="*/ 12261 h 2802467"/>
-              <a:gd name="connsiteX2" fmla="*/ 282848 w 12192000"/>
-              <a:gd name="connsiteY2" fmla="*/ 48342 h 2802467"/>
-              <a:gd name="connsiteX3" fmla="*/ 436464 w 12192000"/>
-              <a:gd name="connsiteY3" fmla="*/ 73565 h 2802467"/>
-              <a:gd name="connsiteX4" fmla="*/ 619339 w 12192000"/>
-              <a:gd name="connsiteY4" fmla="*/ 100188 h 2802467"/>
-              <a:gd name="connsiteX5" fmla="*/ 836351 w 12192000"/>
-              <a:gd name="connsiteY5" fmla="*/ 132066 h 2802467"/>
-              <a:gd name="connsiteX6" fmla="*/ 1076528 w 12192000"/>
-              <a:gd name="connsiteY6" fmla="*/ 165696 h 2802467"/>
-              <a:gd name="connsiteX7" fmla="*/ 1347183 w 12192000"/>
-              <a:gd name="connsiteY7" fmla="*/ 201077 h 2802467"/>
-              <a:gd name="connsiteX8" fmla="*/ 1642223 w 12192000"/>
-              <a:gd name="connsiteY8" fmla="*/ 238560 h 2802467"/>
-              <a:gd name="connsiteX9" fmla="*/ 1962864 w 12192000"/>
-              <a:gd name="connsiteY9" fmla="*/ 276043 h 2802467"/>
-              <a:gd name="connsiteX10" fmla="*/ 2304232 w 12192000"/>
-              <a:gd name="connsiteY10" fmla="*/ 314226 h 2802467"/>
-              <a:gd name="connsiteX11" fmla="*/ 2672421 w 12192000"/>
-              <a:gd name="connsiteY11" fmla="*/ 349608 h 2802467"/>
-              <a:gd name="connsiteX12" fmla="*/ 3057678 w 12192000"/>
-              <a:gd name="connsiteY12" fmla="*/ 383587 h 2802467"/>
-              <a:gd name="connsiteX13" fmla="*/ 3464881 w 12192000"/>
-              <a:gd name="connsiteY13" fmla="*/ 414415 h 2802467"/>
-              <a:gd name="connsiteX14" fmla="*/ 3889152 w 12192000"/>
-              <a:gd name="connsiteY14" fmla="*/ 443840 h 2802467"/>
-              <a:gd name="connsiteX15" fmla="*/ 4331710 w 12192000"/>
-              <a:gd name="connsiteY15" fmla="*/ 471515 h 2802467"/>
-              <a:gd name="connsiteX16" fmla="*/ 4558476 w 12192000"/>
-              <a:gd name="connsiteY16" fmla="*/ 481323 h 2802467"/>
-              <a:gd name="connsiteX17" fmla="*/ 4790118 w 12192000"/>
-              <a:gd name="connsiteY17" fmla="*/ 492183 h 2802467"/>
-              <a:gd name="connsiteX18" fmla="*/ 5025418 w 12192000"/>
-              <a:gd name="connsiteY18" fmla="*/ 502342 h 2802467"/>
-              <a:gd name="connsiteX19" fmla="*/ 5261937 w 12192000"/>
-              <a:gd name="connsiteY19" fmla="*/ 508998 h 2802467"/>
-              <a:gd name="connsiteX20" fmla="*/ 5503332 w 12192000"/>
-              <a:gd name="connsiteY20" fmla="*/ 514953 h 2802467"/>
-              <a:gd name="connsiteX21" fmla="*/ 5747166 w 12192000"/>
-              <a:gd name="connsiteY21" fmla="*/ 521259 h 2802467"/>
-              <a:gd name="connsiteX22" fmla="*/ 5995877 w 12192000"/>
-              <a:gd name="connsiteY22" fmla="*/ 525462 h 2802467"/>
-              <a:gd name="connsiteX23" fmla="*/ 6247026 w 12192000"/>
-              <a:gd name="connsiteY23" fmla="*/ 525462 h 2802467"/>
-              <a:gd name="connsiteX24" fmla="*/ 6500613 w 12192000"/>
-              <a:gd name="connsiteY24" fmla="*/ 527564 h 2802467"/>
-              <a:gd name="connsiteX25" fmla="*/ 6756639 w 12192000"/>
-              <a:gd name="connsiteY25" fmla="*/ 525462 h 2802467"/>
-              <a:gd name="connsiteX26" fmla="*/ 7016322 w 12192000"/>
-              <a:gd name="connsiteY26" fmla="*/ 521259 h 2802467"/>
-              <a:gd name="connsiteX27" fmla="*/ 7276005 w 12192000"/>
-              <a:gd name="connsiteY27" fmla="*/ 517405 h 2802467"/>
-              <a:gd name="connsiteX28" fmla="*/ 7539345 w 12192000"/>
-              <a:gd name="connsiteY28" fmla="*/ 508998 h 2802467"/>
-              <a:gd name="connsiteX29" fmla="*/ 7805124 w 12192000"/>
-              <a:gd name="connsiteY29" fmla="*/ 500240 h 2802467"/>
-              <a:gd name="connsiteX30" fmla="*/ 8070903 w 12192000"/>
-              <a:gd name="connsiteY30" fmla="*/ 490081 h 2802467"/>
-              <a:gd name="connsiteX31" fmla="*/ 8339121 w 12192000"/>
-              <a:gd name="connsiteY31" fmla="*/ 475719 h 2802467"/>
-              <a:gd name="connsiteX32" fmla="*/ 8609776 w 12192000"/>
-              <a:gd name="connsiteY32" fmla="*/ 458553 h 2802467"/>
-              <a:gd name="connsiteX33" fmla="*/ 8881651 w 12192000"/>
-              <a:gd name="connsiteY33" fmla="*/ 442089 h 2802467"/>
-              <a:gd name="connsiteX34" fmla="*/ 9153526 w 12192000"/>
-              <a:gd name="connsiteY34" fmla="*/ 421070 h 2802467"/>
-              <a:gd name="connsiteX35" fmla="*/ 9429058 w 12192000"/>
-              <a:gd name="connsiteY35" fmla="*/ 395848 h 2802467"/>
-              <a:gd name="connsiteX36" fmla="*/ 9700933 w 12192000"/>
-              <a:gd name="connsiteY36" fmla="*/ 370626 h 2802467"/>
-              <a:gd name="connsiteX37" fmla="*/ 9977684 w 12192000"/>
-              <a:gd name="connsiteY37" fmla="*/ 341550 h 2802467"/>
-              <a:gd name="connsiteX38" fmla="*/ 10255655 w 12192000"/>
-              <a:gd name="connsiteY38" fmla="*/ 309672 h 2802467"/>
-              <a:gd name="connsiteX39" fmla="*/ 10529968 w 12192000"/>
-              <a:gd name="connsiteY39" fmla="*/ 276043 h 2802467"/>
-              <a:gd name="connsiteX40" fmla="*/ 10807939 w 12192000"/>
-              <a:gd name="connsiteY40" fmla="*/ 236808 h 2802467"/>
-              <a:gd name="connsiteX41" fmla="*/ 11084690 w 12192000"/>
-              <a:gd name="connsiteY41" fmla="*/ 194771 h 2802467"/>
-              <a:gd name="connsiteX42" fmla="*/ 11362661 w 12192000"/>
-              <a:gd name="connsiteY42" fmla="*/ 153085 h 2802467"/>
-              <a:gd name="connsiteX43" fmla="*/ 11639412 w 12192000"/>
-              <a:gd name="connsiteY43" fmla="*/ 104392 h 2802467"/>
-              <a:gd name="connsiteX44" fmla="*/ 11914945 w 12192000"/>
-              <a:gd name="connsiteY44" fmla="*/ 54648 h 2802467"/>
-              <a:gd name="connsiteX45" fmla="*/ 12191696 w 12192000"/>
-              <a:gd name="connsiteY45" fmla="*/ 2452 h 2802467"/>
-              <a:gd name="connsiteX46" fmla="*/ 12191696 w 12192000"/>
-              <a:gd name="connsiteY46" fmla="*/ 2236410 h 2802467"/>
-              <a:gd name="connsiteX47" fmla="*/ 12192000 w 12192000"/>
-              <a:gd name="connsiteY47" fmla="*/ 2236410 h 2802467"/>
-              <a:gd name="connsiteX48" fmla="*/ 12192000 w 12192000"/>
-              <a:gd name="connsiteY48" fmla="*/ 2802467 h 2802467"/>
-              <a:gd name="connsiteX49" fmla="*/ 12191696 w 12192000"/>
-              <a:gd name="connsiteY49" fmla="*/ 2802467 h 2802467"/>
-              <a:gd name="connsiteX50" fmla="*/ 0 w 12192000"/>
-              <a:gd name="connsiteY50" fmla="*/ 2802467 h 2802467"/>
-              <a:gd name="connsiteX51" fmla="*/ 0 w 12192000"/>
-              <a:gd name="connsiteY51" fmla="*/ 2236410 h 2802467"/>
-              <a:gd name="connsiteX52" fmla="*/ 1 w 12192000"/>
-              <a:gd name="connsiteY52" fmla="*/ 2236410 h 2802467"/>
-            </a:gdLst>
-            <a:ahLst/>
-            <a:cxnLst>
-              <a:cxn ang="0">
-                <a:pos x="connsiteX0" y="connsiteY0"/>
-              </a:cxn>
-              <a:cxn ang="0">
-                <a:pos x="connsiteX1" y="connsiteY1"/>
-              </a:cxn>
-              <a:cxn ang="0">
-                <a:pos x="connsiteX2" y="connsiteY2"/>
-              </a:cxn>
-              <a:cxn ang="0">
-                <a:pos x="connsiteX3" y="connsiteY3"/>
-              </a:cxn>
-              <a:cxn ang="0">
-                <a:pos x="connsiteX4" y="connsiteY4"/>
-              </a:cxn>
-              <a:cxn ang="0">
-                <a:pos x="connsiteX5" y="connsiteY5"/>
-              </a:cxn>
-              <a:cxn ang="0">
-                <a:pos x="connsiteX6" y="connsiteY6"/>
-              </a:cxn>
-              <a:cxn ang="0">
-                <a:pos x="connsiteX7" y="connsiteY7"/>
-              </a:cxn>
-              <a:cxn ang="0">
-                <a:pos x="connsiteX8" y="connsiteY8"/>
-              </a:cxn>
-              <a:cxn ang="0">
-                <a:pos x="connsiteX9" y="connsiteY9"/>
-              </a:cxn>
-              <a:cxn ang="0">
-                <a:pos x="connsiteX10" y="connsiteY10"/>
-              </a:cxn>
-              <a:cxn ang="0">
-                <a:pos x="connsiteX11" y="connsiteY11"/>
-              </a:cxn>
-              <a:cxn ang="0">
-                <a:pos x="connsiteX12" y="connsiteY12"/>
-              </a:cxn>
-              <a:cxn ang="0">
-                <a:pos x="connsiteX13" y="connsiteY13"/>
-              </a:cxn>
-              <a:cxn ang="0">
-                <a:pos x="connsiteX14" y="connsiteY14"/>
-              </a:cxn>
-              <a:cxn ang="0">
-                <a:pos x="connsiteX15" y="connsiteY15"/>
-              </a:cxn>
-              <a:cxn ang="0">
-                <a:pos x="connsiteX16" y="connsiteY16"/>
-              </a:cxn>
-              <a:cxn ang="0">
-                <a:pos x="connsiteX17" y="connsiteY17"/>
-              </a:cxn>
-              <a:cxn ang="0">
-                <a:pos x="connsiteX18" y="connsiteY18"/>
-              </a:cxn>
-              <a:cxn ang="0">
-                <a:pos x="connsiteX19" y="connsiteY19"/>
-              </a:cxn>
-              <a:cxn ang="0">
-                <a:pos x="connsiteX20" y="connsiteY20"/>
-              </a:cxn>
-              <a:cxn ang="0">
-                <a:pos x="connsiteX21" y="connsiteY21"/>
-              </a:cxn>
-              <a:cxn ang="0">
-                <a:pos x="connsiteX22" y="connsiteY22"/>
-              </a:cxn>
-              <a:cxn ang="0">
-                <a:pos x="connsiteX23" y="connsiteY23"/>
-              </a:cxn>
-              <a:cxn ang="0">
-                <a:pos x="connsiteX24" y="connsiteY24"/>
-              </a:cxn>
-              <a:cxn ang="0">
-                <a:pos x="connsiteX25" y="connsiteY25"/>
-              </a:cxn>
-              <a:cxn ang="0">
-                <a:pos x="connsiteX26" y="connsiteY26"/>
-              </a:cxn>
-              <a:cxn ang="0">
-                <a:pos x="connsiteX27" y="connsiteY27"/>
-              </a:cxn>
-              <a:cxn ang="0">
-                <a:pos x="connsiteX28" y="connsiteY28"/>
-              </a:cxn>
-              <a:cxn ang="0">
-                <a:pos x="connsiteX29" y="connsiteY29"/>
-              </a:cxn>
-              <a:cxn ang="0">
-                <a:pos x="connsiteX30" y="connsiteY30"/>
-              </a:cxn>
-              <a:cxn ang="0">
-                <a:pos x="connsiteX31" y="connsiteY31"/>
-              </a:cxn>
-              <a:cxn ang="0">
-                <a:pos x="connsiteX32" y="connsiteY32"/>
-              </a:cxn>
-              <a:cxn ang="0">
-                <a:pos x="connsiteX33" y="connsiteY33"/>
-              </a:cxn>
-              <a:cxn ang="0">
-                <a:pos x="connsiteX34" y="connsiteY34"/>
-              </a:cxn>
-              <a:cxn ang="0">
-                <a:pos x="connsiteX35" y="connsiteY35"/>
-              </a:cxn>
-              <a:cxn ang="0">
-                <a:pos x="connsiteX36" y="connsiteY36"/>
-              </a:cxn>
-              <a:cxn ang="0">
-                <a:pos x="connsiteX37" y="connsiteY37"/>
-              </a:cxn>
-              <a:cxn ang="0">
-                <a:pos x="connsiteX38" y="connsiteY38"/>
-              </a:cxn>
-              <a:cxn ang="0">
-                <a:pos x="connsiteX39" y="connsiteY39"/>
-              </a:cxn>
-              <a:cxn ang="0">
-                <a:pos x="connsiteX40" y="connsiteY40"/>
-              </a:cxn>
-              <a:cxn ang="0">
-                <a:pos x="connsiteX41" y="connsiteY41"/>
-              </a:cxn>
-              <a:cxn ang="0">
-                <a:pos x="connsiteX42" y="connsiteY42"/>
-              </a:cxn>
-              <a:cxn ang="0">
-                <a:pos x="connsiteX43" y="connsiteY43"/>
-              </a:cxn>
-              <a:cxn ang="0">
-                <a:pos x="connsiteX44" y="connsiteY44"/>
-              </a:cxn>
-              <a:cxn ang="0">
-                <a:pos x="connsiteX45" y="connsiteY45"/>
-              </a:cxn>
-              <a:cxn ang="0">
-                <a:pos x="connsiteX46" y="connsiteY46"/>
-              </a:cxn>
-              <a:cxn ang="0">
-                <a:pos x="connsiteX47" y="connsiteY47"/>
-              </a:cxn>
-              <a:cxn ang="0">
-                <a:pos x="connsiteX48" y="connsiteY48"/>
-              </a:cxn>
-              <a:cxn ang="0">
-                <a:pos x="connsiteX49" y="connsiteY49"/>
-              </a:cxn>
-              <a:cxn ang="0">
-                <a:pos x="connsiteX50" y="connsiteY50"/>
-              </a:cxn>
-              <a:cxn ang="0">
-                <a:pos x="connsiteX51" y="connsiteY51"/>
-              </a:cxn>
-              <a:cxn ang="0">
-                <a:pos x="connsiteX52" y="connsiteY52"/>
-              </a:cxn>
-            </a:cxnLst>
-            <a:rect l="l" t="t" r="r" b="b"/>
-            <a:pathLst>
-              <a:path w="12192000" h="2802467">
-                <a:moveTo>
-                  <a:pt x="1" y="0"/>
-                </a:moveTo>
-                <a:lnTo>
-                  <a:pt x="71932" y="12261"/>
-                </a:lnTo>
-                <a:lnTo>
-                  <a:pt x="282848" y="48342"/>
-                </a:lnTo>
-                <a:lnTo>
-                  <a:pt x="436464" y="73565"/>
-                </a:lnTo>
-                <a:lnTo>
-                  <a:pt x="619339" y="100188"/>
-                </a:lnTo>
-                <a:lnTo>
-                  <a:pt x="836351" y="132066"/>
-                </a:lnTo>
-                <a:lnTo>
-                  <a:pt x="1076528" y="165696"/>
-                </a:lnTo>
-                <a:lnTo>
-                  <a:pt x="1347183" y="201077"/>
-                </a:lnTo>
-                <a:lnTo>
-                  <a:pt x="1642223" y="238560"/>
-                </a:lnTo>
-                <a:lnTo>
-                  <a:pt x="1962864" y="276043"/>
-                </a:lnTo>
-                <a:lnTo>
-                  <a:pt x="2304232" y="314226"/>
-                </a:lnTo>
-                <a:lnTo>
-                  <a:pt x="2672421" y="349608"/>
-                </a:lnTo>
-                <a:lnTo>
-                  <a:pt x="3057678" y="383587"/>
-                </a:lnTo>
-                <a:lnTo>
-                  <a:pt x="3464881" y="414415"/>
-                </a:lnTo>
-                <a:lnTo>
-                  <a:pt x="3889152" y="443840"/>
-                </a:lnTo>
-                <a:lnTo>
-                  <a:pt x="4331710" y="471515"/>
-                </a:lnTo>
-                <a:lnTo>
-                  <a:pt x="4558476" y="481323"/>
-                </a:lnTo>
-                <a:lnTo>
-                  <a:pt x="4790118" y="492183"/>
-                </a:lnTo>
-                <a:lnTo>
-                  <a:pt x="5025418" y="502342"/>
-                </a:lnTo>
-                <a:lnTo>
-                  <a:pt x="5261937" y="508998"/>
-                </a:lnTo>
-                <a:lnTo>
-                  <a:pt x="5503332" y="514953"/>
-                </a:lnTo>
-                <a:lnTo>
-                  <a:pt x="5747166" y="521259"/>
-                </a:lnTo>
-                <a:lnTo>
-                  <a:pt x="5995877" y="525462"/>
-                </a:lnTo>
-                <a:lnTo>
-                  <a:pt x="6247026" y="525462"/>
-                </a:lnTo>
-                <a:lnTo>
-                  <a:pt x="6500613" y="527564"/>
-                </a:lnTo>
-                <a:lnTo>
-                  <a:pt x="6756639" y="525462"/>
-                </a:lnTo>
-                <a:lnTo>
-                  <a:pt x="7016322" y="521259"/>
-                </a:lnTo>
-                <a:lnTo>
-                  <a:pt x="7276005" y="517405"/>
-                </a:lnTo>
-                <a:lnTo>
-                  <a:pt x="7539345" y="508998"/>
-                </a:lnTo>
-                <a:lnTo>
-                  <a:pt x="7805124" y="500240"/>
-                </a:lnTo>
-                <a:lnTo>
-                  <a:pt x="8070903" y="490081"/>
-                </a:lnTo>
-                <a:lnTo>
-                  <a:pt x="8339121" y="475719"/>
-                </a:lnTo>
-                <a:lnTo>
-                  <a:pt x="8609776" y="458553"/>
-                </a:lnTo>
-                <a:lnTo>
-                  <a:pt x="8881651" y="442089"/>
-                </a:lnTo>
-                <a:lnTo>
-                  <a:pt x="9153526" y="421070"/>
-                </a:lnTo>
-                <a:lnTo>
-                  <a:pt x="9429058" y="395848"/>
-                </a:lnTo>
-                <a:lnTo>
-                  <a:pt x="9700933" y="370626"/>
-                </a:lnTo>
-                <a:lnTo>
-                  <a:pt x="9977684" y="341550"/>
-                </a:lnTo>
-                <a:lnTo>
-                  <a:pt x="10255655" y="309672"/>
-                </a:lnTo>
-                <a:lnTo>
-                  <a:pt x="10529968" y="276043"/>
-                </a:lnTo>
-                <a:lnTo>
-                  <a:pt x="10807939" y="236808"/>
-                </a:lnTo>
-                <a:lnTo>
-                  <a:pt x="11084690" y="194771"/>
-                </a:lnTo>
-                <a:lnTo>
-                  <a:pt x="11362661" y="153085"/>
-                </a:lnTo>
-                <a:lnTo>
-                  <a:pt x="11639412" y="104392"/>
-                </a:lnTo>
-                <a:lnTo>
-                  <a:pt x="11914945" y="54648"/>
-                </a:lnTo>
-                <a:lnTo>
-                  <a:pt x="12191696" y="2452"/>
-                </a:lnTo>
-                <a:lnTo>
-                  <a:pt x="12191696" y="2236410"/>
-                </a:lnTo>
-                <a:lnTo>
-                  <a:pt x="12192000" y="2236410"/>
-                </a:lnTo>
-                <a:lnTo>
-                  <a:pt x="12192000" y="2802467"/>
-                </a:lnTo>
-                <a:lnTo>
-                  <a:pt x="12191696" y="2802467"/>
-                </a:lnTo>
-                <a:lnTo>
-                  <a:pt x="0" y="2802467"/>
-                </a:lnTo>
-                <a:lnTo>
-                  <a:pt x="0" y="2236410"/>
-                </a:lnTo>
-                <a:lnTo>
-                  <a:pt x="1" y="2236410"/>
-                </a:lnTo>
-                <a:close/>
-              </a:path>
-            </a:pathLst>
-          </a:custGeom>
-          <a:ln>
-            <a:noFill/>
-          </a:ln>
-        </p:spPr>
-        <p:style>
-          <a:lnRef idx="2">
-            <a:schemeClr val="accent1">
-              <a:shade val="50000"/>
-            </a:schemeClr>
-          </a:lnRef>
-          <a:fillRef idx="1003">
-            <a:schemeClr val="dk2"/>
-          </a:fillRef>
-          <a:effectRef idx="0">
-            <a:schemeClr val="accent1"/>
-          </a:effectRef>
-          <a:fontRef idx="minor">
-            <a:schemeClr val="lt1"/>
-          </a:fontRef>
-        </p:style>
-        <p:txBody>
-          <a:bodyPr rtlCol="0" anchor="ctr"/>
-          <a:lstStyle/>
-          <a:p>
-            <a:pPr algn="ctr"/>
-            <a:endParaRPr lang="en-US"/>
-          </a:p>
-        </p:txBody>
-      </p:sp>
-      <p:sp>
-        <p:nvSpPr>
-          <p:cNvPr id="2" name="Title 1">
-            <a:extLst>
-              <a:ext uri="{FF2B5EF4-FFF2-40B4-BE49-F238E27FC236}">
-                <a16:creationId xmlns:a16="http://schemas.microsoft.com/office/drawing/2014/main" id="{BD94731B-73EF-4F4B-AB00-ADF0B8D0F234}"/>
-              </a:ext>
-            </a:extLst>
-          </p:cNvPr>
-          <p:cNvSpPr>
-            <a:spLocks noGrp="1"/>
-          </p:cNvSpPr>
-          <p:nvPr>
-            <p:ph type="title" idx="4294967295"/>
-          </p:nvPr>
-        </p:nvSpPr>
-        <p:spPr>
-          <a:xfrm>
-            <a:off x="965505" y="623571"/>
-            <a:ext cx="10260990" cy="3523885"/>
-          </a:xfrm>
-        </p:spPr>
-        <p:txBody>
-          <a:bodyPr vert="horz" lIns="91440" tIns="45720" rIns="91440" bIns="45720" rtlCol="0" anchor="b">
-            <a:normAutofit/>
-          </a:bodyPr>
-          <a:lstStyle/>
-          <a:p>
-            <a:pPr algn="ctr"/>
-            <a:r>
-              <a:rPr lang="en-US" sz="8000" b="0" i="0" kern="1200" dirty="0">
-                <a:solidFill>
-                  <a:srgbClr val="FFFFFF"/>
-                </a:solidFill>
-                <a:latin typeface="+mj-lt"/>
-                <a:ea typeface="+mj-ea"/>
-                <a:cs typeface="+mj-cs"/>
-              </a:rPr>
-              <a:t>DEMO</a:t>
-            </a:r>
-            <a:br>
-              <a:rPr lang="en-US" sz="8000" b="0" i="0" kern="1200" dirty="0">
-                <a:solidFill>
-                  <a:srgbClr val="FFFFFF"/>
-                </a:solidFill>
-                <a:latin typeface="+mj-lt"/>
-                <a:ea typeface="+mj-ea"/>
-                <a:cs typeface="+mj-cs"/>
-              </a:rPr>
-            </a:br>
-            <a:endParaRPr lang="en-US" sz="8000" b="0" i="0" kern="1200" dirty="0">
-              <a:solidFill>
-                <a:srgbClr val="FFFFFF"/>
-              </a:solidFill>
-              <a:latin typeface="+mj-lt"/>
-              <a:ea typeface="+mj-ea"/>
-              <a:cs typeface="+mj-cs"/>
-            </a:endParaRPr>
-          </a:p>
-        </p:txBody>
-      </p:sp>
-    </p:spTree>
-    <p:extLst>
-      <p:ext uri="{BB962C8B-B14F-4D97-AF65-F5344CB8AC3E}">
-        <p14:creationId xmlns:p14="http://schemas.microsoft.com/office/powerpoint/2010/main" val="988911574"/>
-      </p:ext>
-    </p:extLst>
-  </p:cSld>
-  <p:clrMapOvr>
-    <a:overrideClrMapping bg1="lt1" tx1="dk1" bg2="lt2" tx2="dk2" accent1="accent1" accent2="accent2" accent3="accent3" accent4="accent4" accent5="accent5" accent6="accent6" hlink="hlink" folHlink="folHlink"/>
   </p:clrMapOvr>
 </p:sld>
 </file>
@@ -21482,8 +18095,23 @@
           <a:p>
             <a:r>
               <a:rPr lang="en-US" dirty="0"/>
-              <a:t>Having avatars for users in the chat box......second is to have  a timestamp for chat messages...</a:t>
+              <a:t>Having avatars for users in the chat box.</a:t>
             </a:r>
+          </a:p>
+          <a:p>
+            <a:r>
+              <a:rPr lang="en-US" dirty="0"/>
+              <a:t>Adding a timestamp for chat messages...</a:t>
+            </a:r>
+          </a:p>
+          <a:p>
+            <a:r>
+              <a:rPr lang="en-US" dirty="0"/>
+              <a:t>Picture tags for different kind of pictures</a:t>
+            </a:r>
+          </a:p>
+          <a:p>
+            <a:endParaRPr lang="en-US" dirty="0"/>
           </a:p>
         </p:txBody>
       </p:sp>
@@ -21540,7 +18168,9 @@
           </a:xfrm>
         </p:spPr>
         <p:txBody>
-          <a:bodyPr/>
+          <a:bodyPr>
+            <a:normAutofit fontScale="90000"/>
+          </a:bodyPr>
           <a:lstStyle/>
           <a:p>
             <a:pPr algn="ctr"/>
